--- a/presentation/realtime.pptx
+++ b/presentation/realtime.pptx
@@ -9,8 +9,16 @@
     <p:sldId id="257" r:id="rId3"/>
     <p:sldId id="258" r:id="rId4"/>
     <p:sldId id="259" r:id="rId5"/>
-    <p:sldId id="260" r:id="rId6"/>
-    <p:sldId id="261" r:id="rId7"/>
+    <p:sldId id="262" r:id="rId6"/>
+    <p:sldId id="263" r:id="rId7"/>
+    <p:sldId id="264" r:id="rId8"/>
+    <p:sldId id="268" r:id="rId9"/>
+    <p:sldId id="265" r:id="rId10"/>
+    <p:sldId id="266" r:id="rId11"/>
+    <p:sldId id="267" r:id="rId12"/>
+    <p:sldId id="269" r:id="rId13"/>
+    <p:sldId id="260" r:id="rId14"/>
+    <p:sldId id="261" r:id="rId15"/>
   </p:sldIdLst>
   <p:sldSz cx="12192000" cy="6858000"/>
   <p:notesSz cx="6858000" cy="9144000"/>
@@ -109,6 +117,11 @@
       </a:defRPr>
     </a:lvl9pPr>
   </p:defaultTextStyle>
+  <p:extLst>
+    <p:ext uri="{EFAFB233-063F-42B5-8137-9DF3F51BA10A}">
+      <p15:sldGuideLst xmlns:p15="http://schemas.microsoft.com/office/powerpoint/2012/main"/>
+    </p:ext>
+  </p:extLst>
 </p:presentation>
 </file>
 
@@ -403,7 +416,7 @@
           <a:p>
             <a:fld id="{680EDF76-756C-4928-9A7E-4F1260BA48A9}" type="datetimeFigureOut">
               <a:rPr lang="de-DE" smtClean="0"/>
-              <a:t>30.06.2023</a:t>
+              <a:t>02.07.2023</a:t>
             </a:fld>
             <a:endParaRPr lang="de-DE"/>
           </a:p>
@@ -601,7 +614,7 @@
           <a:p>
             <a:fld id="{680EDF76-756C-4928-9A7E-4F1260BA48A9}" type="datetimeFigureOut">
               <a:rPr lang="de-DE" smtClean="0"/>
-              <a:t>30.06.2023</a:t>
+              <a:t>02.07.2023</a:t>
             </a:fld>
             <a:endParaRPr lang="de-DE"/>
           </a:p>
@@ -809,7 +822,7 @@
           <a:p>
             <a:fld id="{680EDF76-756C-4928-9A7E-4F1260BA48A9}" type="datetimeFigureOut">
               <a:rPr lang="de-DE" smtClean="0"/>
-              <a:t>30.06.2023</a:t>
+              <a:t>02.07.2023</a:t>
             </a:fld>
             <a:endParaRPr lang="de-DE"/>
           </a:p>
@@ -1007,7 +1020,7 @@
           <a:p>
             <a:fld id="{680EDF76-756C-4928-9A7E-4F1260BA48A9}" type="datetimeFigureOut">
               <a:rPr lang="de-DE" smtClean="0"/>
-              <a:t>30.06.2023</a:t>
+              <a:t>02.07.2023</a:t>
             </a:fld>
             <a:endParaRPr lang="de-DE"/>
           </a:p>
@@ -1282,7 +1295,7 @@
           <a:p>
             <a:fld id="{680EDF76-756C-4928-9A7E-4F1260BA48A9}" type="datetimeFigureOut">
               <a:rPr lang="de-DE" smtClean="0"/>
-              <a:t>30.06.2023</a:t>
+              <a:t>02.07.2023</a:t>
             </a:fld>
             <a:endParaRPr lang="de-DE"/>
           </a:p>
@@ -1547,7 +1560,7 @@
           <a:p>
             <a:fld id="{680EDF76-756C-4928-9A7E-4F1260BA48A9}" type="datetimeFigureOut">
               <a:rPr lang="de-DE" smtClean="0"/>
-              <a:t>30.06.2023</a:t>
+              <a:t>02.07.2023</a:t>
             </a:fld>
             <a:endParaRPr lang="de-DE"/>
           </a:p>
@@ -1959,7 +1972,7 @@
           <a:p>
             <a:fld id="{680EDF76-756C-4928-9A7E-4F1260BA48A9}" type="datetimeFigureOut">
               <a:rPr lang="de-DE" smtClean="0"/>
-              <a:t>30.06.2023</a:t>
+              <a:t>02.07.2023</a:t>
             </a:fld>
             <a:endParaRPr lang="de-DE"/>
           </a:p>
@@ -2100,7 +2113,7 @@
           <a:p>
             <a:fld id="{680EDF76-756C-4928-9A7E-4F1260BA48A9}" type="datetimeFigureOut">
               <a:rPr lang="de-DE" smtClean="0"/>
-              <a:t>30.06.2023</a:t>
+              <a:t>02.07.2023</a:t>
             </a:fld>
             <a:endParaRPr lang="de-DE"/>
           </a:p>
@@ -2213,7 +2226,7 @@
           <a:p>
             <a:fld id="{680EDF76-756C-4928-9A7E-4F1260BA48A9}" type="datetimeFigureOut">
               <a:rPr lang="de-DE" smtClean="0"/>
-              <a:t>30.06.2023</a:t>
+              <a:t>02.07.2023</a:t>
             </a:fld>
             <a:endParaRPr lang="de-DE"/>
           </a:p>
@@ -2524,7 +2537,7 @@
           <a:p>
             <a:fld id="{680EDF76-756C-4928-9A7E-4F1260BA48A9}" type="datetimeFigureOut">
               <a:rPr lang="de-DE" smtClean="0"/>
-              <a:t>30.06.2023</a:t>
+              <a:t>02.07.2023</a:t>
             </a:fld>
             <a:endParaRPr lang="de-DE"/>
           </a:p>
@@ -2812,7 +2825,7 @@
           <a:p>
             <a:fld id="{680EDF76-756C-4928-9A7E-4F1260BA48A9}" type="datetimeFigureOut">
               <a:rPr lang="de-DE" smtClean="0"/>
-              <a:t>30.06.2023</a:t>
+              <a:t>02.07.2023</a:t>
             </a:fld>
             <a:endParaRPr lang="de-DE"/>
           </a:p>
@@ -3053,7 +3066,7 @@
           <a:p>
             <a:fld id="{680EDF76-756C-4928-9A7E-4F1260BA48A9}" type="datetimeFigureOut">
               <a:rPr lang="de-DE" smtClean="0"/>
-              <a:t>30.06.2023</a:t>
+              <a:t>02.07.2023</a:t>
             </a:fld>
             <a:endParaRPr lang="de-DE"/>
           </a:p>
@@ -3536,6 +3549,880 @@
 </p:sld>
 </file>
 
+<file path=ppt/slides/slide10.xml><?xml version="1.0" encoding="utf-8"?>
+<p:sld xmlns:a="http://schemas.openxmlformats.org/drawingml/2006/main" xmlns:r="http://schemas.openxmlformats.org/officeDocument/2006/relationships" xmlns:p="http://schemas.openxmlformats.org/presentationml/2006/main">
+  <p:cSld>
+    <p:spTree>
+      <p:nvGrpSpPr>
+        <p:cNvPr id="1" name=""/>
+        <p:cNvGrpSpPr/>
+        <p:nvPr/>
+      </p:nvGrpSpPr>
+      <p:grpSpPr>
+        <a:xfrm>
+          <a:off x="0" y="0"/>
+          <a:ext cx="0" cy="0"/>
+          <a:chOff x="0" y="0"/>
+          <a:chExt cx="0" cy="0"/>
+        </a:xfrm>
+      </p:grpSpPr>
+      <p:sp>
+        <p:nvSpPr>
+          <p:cNvPr id="6" name="Titel 1">
+            <a:extLst>
+              <a:ext uri="{FF2B5EF4-FFF2-40B4-BE49-F238E27FC236}">
+                <a16:creationId xmlns:a16="http://schemas.microsoft.com/office/drawing/2014/main" id="{C9121EA8-415A-4D7E-906F-D2EF9EBC61A0}"/>
+              </a:ext>
+            </a:extLst>
+          </p:cNvPr>
+          <p:cNvSpPr>
+            <a:spLocks noGrp="1"/>
+          </p:cNvSpPr>
+          <p:nvPr>
+            <p:ph type="title"/>
+          </p:nvPr>
+        </p:nvSpPr>
+        <p:spPr>
+          <a:xfrm>
+            <a:off x="838200" y="365125"/>
+            <a:ext cx="10515600" cy="1325563"/>
+          </a:xfrm>
+        </p:spPr>
+        <p:txBody>
+          <a:bodyPr>
+            <a:normAutofit/>
+          </a:bodyPr>
+          <a:lstStyle/>
+          <a:p>
+            <a:r>
+              <a:rPr lang="de-DE" sz="3600" dirty="0"/>
+              <a:t>Warum </a:t>
+            </a:r>
+            <a:r>
+              <a:rPr lang="de-DE" sz="3600" dirty="0" err="1"/>
+              <a:t>NextAuth</a:t>
+            </a:r>
+            <a:r>
+              <a:rPr lang="de-DE" sz="3600" dirty="0"/>
+              <a:t>?</a:t>
+            </a:r>
+          </a:p>
+        </p:txBody>
+      </p:sp>
+      <p:sp>
+        <p:nvSpPr>
+          <p:cNvPr id="7" name="Inhaltsplatzhalter 2">
+            <a:extLst>
+              <a:ext uri="{FF2B5EF4-FFF2-40B4-BE49-F238E27FC236}">
+                <a16:creationId xmlns:a16="http://schemas.microsoft.com/office/drawing/2014/main" id="{D1DE88C1-BC69-426E-96B8-C606AE3F2FA8}"/>
+              </a:ext>
+            </a:extLst>
+          </p:cNvPr>
+          <p:cNvSpPr>
+            <a:spLocks noGrp="1"/>
+          </p:cNvSpPr>
+          <p:nvPr>
+            <p:ph idx="1"/>
+          </p:nvPr>
+        </p:nvSpPr>
+        <p:spPr>
+          <a:xfrm>
+            <a:off x="838200" y="1825625"/>
+            <a:ext cx="10515600" cy="4351338"/>
+          </a:xfrm>
+        </p:spPr>
+        <p:txBody>
+          <a:bodyPr/>
+          <a:lstStyle/>
+          <a:p>
+            <a:pPr>
+              <a:lnSpc>
+                <a:spcPct val="107000"/>
+              </a:lnSpc>
+              <a:spcAft>
+                <a:spcPts val="800"/>
+              </a:spcAft>
+            </a:pPr>
+            <a:r>
+              <a:rPr lang="de-DE" sz="1800" kern="100" dirty="0">
+                <a:effectLst/>
+                <a:latin typeface="Calibri" panose="020F0502020204030204" pitchFamily="34" charset="0"/>
+                <a:ea typeface="Calibri" panose="020F0502020204030204" pitchFamily="34" charset="0"/>
+                <a:cs typeface="Times New Roman" panose="02020603050405020304" pitchFamily="18" charset="0"/>
+              </a:rPr>
+              <a:t>Bietet per Default verschlüsselte Kommunikation zwischen Frontend und Backend</a:t>
+            </a:r>
+          </a:p>
+          <a:p>
+            <a:pPr>
+              <a:lnSpc>
+                <a:spcPct val="107000"/>
+              </a:lnSpc>
+              <a:spcAft>
+                <a:spcPts val="800"/>
+              </a:spcAft>
+            </a:pPr>
+            <a:r>
+              <a:rPr lang="de-DE" sz="1800" kern="100" dirty="0">
+                <a:effectLst/>
+                <a:latin typeface="Calibri" panose="020F0502020204030204" pitchFamily="34" charset="0"/>
+                <a:ea typeface="Calibri" panose="020F0502020204030204" pitchFamily="34" charset="0"/>
+                <a:cs typeface="Times New Roman" panose="02020603050405020304" pitchFamily="18" charset="0"/>
+              </a:rPr>
+              <a:t>Bietet viele bekannte </a:t>
+            </a:r>
+            <a:r>
+              <a:rPr lang="de-DE" sz="1800" kern="100" dirty="0" err="1">
+                <a:effectLst/>
+                <a:latin typeface="Calibri" panose="020F0502020204030204" pitchFamily="34" charset="0"/>
+                <a:ea typeface="Calibri" panose="020F0502020204030204" pitchFamily="34" charset="0"/>
+                <a:cs typeface="Times New Roman" panose="02020603050405020304" pitchFamily="18" charset="0"/>
+              </a:rPr>
+              <a:t>sign</a:t>
+            </a:r>
+            <a:r>
+              <a:rPr lang="de-DE" sz="1800" kern="100" dirty="0">
+                <a:effectLst/>
+                <a:latin typeface="Calibri" panose="020F0502020204030204" pitchFamily="34" charset="0"/>
+                <a:ea typeface="Calibri" panose="020F0502020204030204" pitchFamily="34" charset="0"/>
+                <a:cs typeface="Times New Roman" panose="02020603050405020304" pitchFamily="18" charset="0"/>
+              </a:rPr>
+              <a:t>-in Services an (Apple, Google, GitHub, Twitter etc.)</a:t>
+            </a:r>
+          </a:p>
+          <a:p>
+            <a:pPr>
+              <a:lnSpc>
+                <a:spcPct val="107000"/>
+              </a:lnSpc>
+              <a:spcAft>
+                <a:spcPts val="800"/>
+              </a:spcAft>
+            </a:pPr>
+            <a:r>
+              <a:rPr lang="de-DE" sz="1800" kern="100" dirty="0">
+                <a:effectLst/>
+                <a:latin typeface="Calibri" panose="020F0502020204030204" pitchFamily="34" charset="0"/>
+                <a:ea typeface="Calibri" panose="020F0502020204030204" pitchFamily="34" charset="0"/>
+                <a:cs typeface="Times New Roman" panose="02020603050405020304" pitchFamily="18" charset="0"/>
+              </a:rPr>
+              <a:t>Kann mit und ohne Datenbanken verwendet werden </a:t>
+            </a:r>
+          </a:p>
+          <a:p>
+            <a:pPr>
+              <a:lnSpc>
+                <a:spcPct val="107000"/>
+              </a:lnSpc>
+              <a:spcAft>
+                <a:spcPts val="800"/>
+              </a:spcAft>
+            </a:pPr>
+            <a:r>
+              <a:rPr lang="de-DE" sz="1800" kern="100" dirty="0">
+                <a:effectLst/>
+                <a:latin typeface="Calibri" panose="020F0502020204030204" pitchFamily="34" charset="0"/>
+                <a:ea typeface="Calibri" panose="020F0502020204030204" pitchFamily="34" charset="0"/>
+                <a:cs typeface="Times New Roman" panose="02020603050405020304" pitchFamily="18" charset="0"/>
+              </a:rPr>
+              <a:t>Kompatibel mit dem Next.js Framework (Routing)</a:t>
+            </a:r>
+          </a:p>
+          <a:p>
+            <a:pPr>
+              <a:lnSpc>
+                <a:spcPct val="107000"/>
+              </a:lnSpc>
+              <a:spcAft>
+                <a:spcPts val="800"/>
+              </a:spcAft>
+            </a:pPr>
+            <a:r>
+              <a:rPr lang="de-DE" sz="1800" kern="100" dirty="0">
+                <a:effectLst/>
+                <a:latin typeface="Calibri" panose="020F0502020204030204" pitchFamily="34" charset="0"/>
+                <a:ea typeface="Calibri" panose="020F0502020204030204" pitchFamily="34" charset="0"/>
+                <a:cs typeface="Times New Roman" panose="02020603050405020304" pitchFamily="18" charset="0"/>
+              </a:rPr>
+              <a:t>Sehr flexibel durch mehrere Authentifizierungsmethoden:</a:t>
+            </a:r>
+          </a:p>
+          <a:p>
+            <a:pPr lvl="1">
+              <a:lnSpc>
+                <a:spcPct val="107000"/>
+              </a:lnSpc>
+              <a:spcAft>
+                <a:spcPts val="800"/>
+              </a:spcAft>
+              <a:buFont typeface="Symbol" panose="05050102010706020507" pitchFamily="18" charset="2"/>
+              <a:buChar char="-"/>
+            </a:pPr>
+            <a:r>
+              <a:rPr lang="de-DE" sz="1400" kern="100" dirty="0" err="1">
+                <a:effectLst/>
+                <a:latin typeface="Calibri" panose="020F0502020204030204" pitchFamily="34" charset="0"/>
+                <a:ea typeface="Calibri" panose="020F0502020204030204" pitchFamily="34" charset="0"/>
+                <a:cs typeface="Times New Roman" panose="02020603050405020304" pitchFamily="18" charset="0"/>
+              </a:rPr>
+              <a:t>OpenAuthentication</a:t>
+            </a:r>
+            <a:r>
+              <a:rPr lang="de-DE" sz="1400" kern="100" dirty="0">
+                <a:effectLst/>
+                <a:latin typeface="Calibri" panose="020F0502020204030204" pitchFamily="34" charset="0"/>
+                <a:ea typeface="Calibri" panose="020F0502020204030204" pitchFamily="34" charset="0"/>
+                <a:cs typeface="Times New Roman" panose="02020603050405020304" pitchFamily="18" charset="0"/>
+              </a:rPr>
+              <a:t> (Apple, Google, GitHub, Twitter etc.)</a:t>
+            </a:r>
+          </a:p>
+          <a:p>
+            <a:pPr lvl="1">
+              <a:lnSpc>
+                <a:spcPct val="107000"/>
+              </a:lnSpc>
+              <a:spcAft>
+                <a:spcPts val="800"/>
+              </a:spcAft>
+              <a:buFont typeface="Symbol" panose="05050102010706020507" pitchFamily="18" charset="2"/>
+              <a:buChar char="-"/>
+            </a:pPr>
+            <a:r>
+              <a:rPr lang="de-DE" sz="1400" kern="100" dirty="0" err="1">
+                <a:effectLst/>
+                <a:latin typeface="Calibri" panose="020F0502020204030204" pitchFamily="34" charset="0"/>
+                <a:ea typeface="Calibri" panose="020F0502020204030204" pitchFamily="34" charset="0"/>
+                <a:cs typeface="Times New Roman" panose="02020603050405020304" pitchFamily="18" charset="0"/>
+              </a:rPr>
+              <a:t>OpenID</a:t>
+            </a:r>
+            <a:r>
+              <a:rPr lang="de-DE" sz="1400" kern="100" dirty="0">
+                <a:effectLst/>
+                <a:latin typeface="Calibri" panose="020F0502020204030204" pitchFamily="34" charset="0"/>
+                <a:ea typeface="Calibri" panose="020F0502020204030204" pitchFamily="34" charset="0"/>
+                <a:cs typeface="Times New Roman" panose="02020603050405020304" pitchFamily="18" charset="0"/>
+              </a:rPr>
+              <a:t> Connect</a:t>
+            </a:r>
+          </a:p>
+          <a:p>
+            <a:pPr lvl="1">
+              <a:lnSpc>
+                <a:spcPct val="107000"/>
+              </a:lnSpc>
+              <a:spcAft>
+                <a:spcPts val="800"/>
+              </a:spcAft>
+              <a:buFont typeface="Symbol" panose="05050102010706020507" pitchFamily="18" charset="2"/>
+              <a:buChar char="-"/>
+            </a:pPr>
+            <a:r>
+              <a:rPr lang="de-DE" sz="1400" kern="100" dirty="0">
+                <a:effectLst/>
+                <a:latin typeface="Calibri" panose="020F0502020204030204" pitchFamily="34" charset="0"/>
+                <a:ea typeface="Calibri" panose="020F0502020204030204" pitchFamily="34" charset="0"/>
+                <a:cs typeface="Times New Roman" panose="02020603050405020304" pitchFamily="18" charset="0"/>
+              </a:rPr>
+              <a:t>JSON Web Tokens (JWT)</a:t>
+            </a:r>
+          </a:p>
+          <a:p>
+            <a:pPr>
+              <a:lnSpc>
+                <a:spcPct val="107000"/>
+              </a:lnSpc>
+              <a:spcAft>
+                <a:spcPts val="800"/>
+              </a:spcAft>
+            </a:pPr>
+            <a:endParaRPr lang="de-DE" sz="1800" kern="100" dirty="0">
+              <a:effectLst/>
+              <a:latin typeface="Calibri" panose="020F0502020204030204" pitchFamily="34" charset="0"/>
+              <a:ea typeface="Calibri" panose="020F0502020204030204" pitchFamily="34" charset="0"/>
+              <a:cs typeface="Times New Roman" panose="02020603050405020304" pitchFamily="18" charset="0"/>
+            </a:endParaRPr>
+          </a:p>
+          <a:p>
+            <a:endParaRPr lang="de-DE" dirty="0"/>
+          </a:p>
+        </p:txBody>
+      </p:sp>
+      <p:pic>
+        <p:nvPicPr>
+          <p:cNvPr id="8" name="Grafik 7" descr="Ein Bild, das Grafiken, Clipart, Cartoon enthält.&#10;&#10;Automatisch generierte Beschreibung">
+            <a:extLst>
+              <a:ext uri="{FF2B5EF4-FFF2-40B4-BE49-F238E27FC236}">
+                <a16:creationId xmlns:a16="http://schemas.microsoft.com/office/drawing/2014/main" id="{2886D9F5-1FE2-460A-9C41-1248585E66FB}"/>
+              </a:ext>
+            </a:extLst>
+          </p:cNvPr>
+          <p:cNvPicPr>
+            <a:picLocks noChangeAspect="1"/>
+          </p:cNvPicPr>
+          <p:nvPr/>
+        </p:nvPicPr>
+        <p:blipFill>
+          <a:blip r:embed="rId2">
+            <a:extLst>
+              <a:ext uri="{28A0092B-C50C-407E-A947-70E740481C1C}">
+                <a14:useLocalDpi xmlns:a14="http://schemas.microsoft.com/office/drawing/2010/main" val="0"/>
+              </a:ext>
+            </a:extLst>
+          </a:blip>
+          <a:stretch>
+            <a:fillRect/>
+          </a:stretch>
+        </p:blipFill>
+        <p:spPr>
+          <a:xfrm>
+            <a:off x="9317697" y="139729"/>
+            <a:ext cx="1939776" cy="2141465"/>
+          </a:xfrm>
+          <a:prstGeom prst="rect">
+            <a:avLst/>
+          </a:prstGeom>
+        </p:spPr>
+      </p:pic>
+    </p:spTree>
+    <p:extLst>
+      <p:ext uri="{BB962C8B-B14F-4D97-AF65-F5344CB8AC3E}">
+        <p14:creationId xmlns:p14="http://schemas.microsoft.com/office/powerpoint/2010/main" val="3187452117"/>
+      </p:ext>
+    </p:extLst>
+  </p:cSld>
+  <p:clrMapOvr>
+    <a:masterClrMapping/>
+  </p:clrMapOvr>
+</p:sld>
+</file>
+
+<file path=ppt/slides/slide11.xml><?xml version="1.0" encoding="utf-8"?>
+<p:sld xmlns:a="http://schemas.openxmlformats.org/drawingml/2006/main" xmlns:r="http://schemas.openxmlformats.org/officeDocument/2006/relationships" xmlns:p="http://schemas.openxmlformats.org/presentationml/2006/main">
+  <p:cSld>
+    <p:spTree>
+      <p:nvGrpSpPr>
+        <p:cNvPr id="1" name=""/>
+        <p:cNvGrpSpPr/>
+        <p:nvPr/>
+      </p:nvGrpSpPr>
+      <p:grpSpPr>
+        <a:xfrm>
+          <a:off x="0" y="0"/>
+          <a:ext cx="0" cy="0"/>
+          <a:chOff x="0" y="0"/>
+          <a:chExt cx="0" cy="0"/>
+        </a:xfrm>
+      </p:grpSpPr>
+      <p:sp>
+        <p:nvSpPr>
+          <p:cNvPr id="2" name="Titel 1">
+            <a:extLst>
+              <a:ext uri="{FF2B5EF4-FFF2-40B4-BE49-F238E27FC236}">
+                <a16:creationId xmlns:a16="http://schemas.microsoft.com/office/drawing/2014/main" id="{70C9498B-1CE4-4177-9B0F-74AF2F47544B}"/>
+              </a:ext>
+            </a:extLst>
+          </p:cNvPr>
+          <p:cNvSpPr>
+            <a:spLocks noGrp="1"/>
+          </p:cNvSpPr>
+          <p:nvPr>
+            <p:ph type="title"/>
+          </p:nvPr>
+        </p:nvSpPr>
+        <p:spPr/>
+        <p:txBody>
+          <a:bodyPr/>
+          <a:lstStyle/>
+          <a:p>
+            <a:r>
+              <a:rPr lang="de-DE" sz="4400" kern="100" dirty="0">
+                <a:effectLst/>
+                <a:latin typeface="Calibri Light" panose="020F0302020204030204" pitchFamily="34" charset="0"/>
+                <a:ea typeface="Calibri Light" panose="020F0302020204030204" pitchFamily="34" charset="0"/>
+                <a:cs typeface="Calibri Light" panose="020F0302020204030204" pitchFamily="34" charset="0"/>
+              </a:rPr>
+              <a:t>Problem - Persistieren von externen Usern</a:t>
+            </a:r>
+            <a:endParaRPr lang="de-DE" dirty="0"/>
+          </a:p>
+        </p:txBody>
+      </p:sp>
+      <p:sp>
+        <p:nvSpPr>
+          <p:cNvPr id="3" name="Inhaltsplatzhalter 2">
+            <a:extLst>
+              <a:ext uri="{FF2B5EF4-FFF2-40B4-BE49-F238E27FC236}">
+                <a16:creationId xmlns:a16="http://schemas.microsoft.com/office/drawing/2014/main" id="{328174F8-C984-4B2E-A3A3-52E3366385D6}"/>
+              </a:ext>
+            </a:extLst>
+          </p:cNvPr>
+          <p:cNvSpPr>
+            <a:spLocks noGrp="1"/>
+          </p:cNvSpPr>
+          <p:nvPr>
+            <p:ph idx="1"/>
+          </p:nvPr>
+        </p:nvSpPr>
+        <p:spPr/>
+        <p:txBody>
+          <a:bodyPr/>
+          <a:lstStyle/>
+          <a:p>
+            <a:pPr marL="0" indent="0">
+              <a:lnSpc>
+                <a:spcPct val="107000"/>
+              </a:lnSpc>
+              <a:spcAft>
+                <a:spcPts val="800"/>
+              </a:spcAft>
+              <a:buNone/>
+            </a:pPr>
+            <a:r>
+              <a:rPr lang="de-DE" sz="1800" kern="100" dirty="0">
+                <a:effectLst/>
+                <a:ea typeface="Calibri" panose="020F0502020204030204" pitchFamily="34" charset="0"/>
+                <a:cs typeface="Times New Roman" panose="02020603050405020304" pitchFamily="18" charset="0"/>
+              </a:rPr>
+              <a:t>Warum?</a:t>
+            </a:r>
+          </a:p>
+          <a:p>
+            <a:pPr>
+              <a:lnSpc>
+                <a:spcPct val="107000"/>
+              </a:lnSpc>
+              <a:spcAft>
+                <a:spcPts val="800"/>
+              </a:spcAft>
+            </a:pPr>
+            <a:r>
+              <a:rPr lang="de-DE" sz="1800" kern="100" dirty="0">
+                <a:effectLst/>
+                <a:ea typeface="Calibri" panose="020F0502020204030204" pitchFamily="34" charset="0"/>
+                <a:cs typeface="Times New Roman" panose="02020603050405020304" pitchFamily="18" charset="0"/>
+              </a:rPr>
+              <a:t>Benutzerverwaltung</a:t>
+            </a:r>
+          </a:p>
+          <a:p>
+            <a:pPr>
+              <a:lnSpc>
+                <a:spcPct val="107000"/>
+              </a:lnSpc>
+            </a:pPr>
+            <a:r>
+              <a:rPr lang="de-DE" sz="1800" kern="100" dirty="0">
+                <a:effectLst/>
+                <a:ea typeface="Calibri" panose="020F0502020204030204" pitchFamily="34" charset="0"/>
+                <a:cs typeface="Times New Roman" panose="02020603050405020304" pitchFamily="18" charset="0"/>
+              </a:rPr>
+              <a:t>Sitzungsverwaltung</a:t>
+            </a:r>
+          </a:p>
+          <a:p>
+            <a:pPr>
+              <a:lnSpc>
+                <a:spcPct val="107000"/>
+              </a:lnSpc>
+              <a:spcAft>
+                <a:spcPts val="800"/>
+              </a:spcAft>
+            </a:pPr>
+            <a:r>
+              <a:rPr lang="de-DE" sz="1800" kern="100" dirty="0">
+                <a:effectLst/>
+                <a:ea typeface="Calibri" panose="020F0502020204030204" pitchFamily="34" charset="0"/>
+                <a:cs typeface="Times New Roman" panose="02020603050405020304" pitchFamily="18" charset="0"/>
+              </a:rPr>
+              <a:t>Personalisierung</a:t>
+            </a:r>
+          </a:p>
+          <a:p>
+            <a:pPr marL="0" indent="0">
+              <a:buNone/>
+            </a:pPr>
+            <a:r>
+              <a:rPr lang="de-DE" sz="1800" dirty="0"/>
+              <a:t>Wie?</a:t>
+            </a:r>
+          </a:p>
+          <a:p>
+            <a:pPr marL="0" indent="0">
+              <a:buNone/>
+            </a:pPr>
+            <a:r>
+              <a:rPr lang="de-DE" sz="1800" dirty="0" err="1"/>
+              <a:t>NextAuth</a:t>
+            </a:r>
+            <a:r>
+              <a:rPr lang="de-DE" sz="1800" dirty="0"/>
+              <a:t> stellt Adapter für unterschiedliche Datenbanken zur Verfügung</a:t>
+            </a:r>
+          </a:p>
+          <a:p>
+            <a:endParaRPr lang="de-DE" dirty="0"/>
+          </a:p>
+        </p:txBody>
+      </p:sp>
+    </p:spTree>
+    <p:extLst>
+      <p:ext uri="{BB962C8B-B14F-4D97-AF65-F5344CB8AC3E}">
+        <p14:creationId xmlns:p14="http://schemas.microsoft.com/office/powerpoint/2010/main" val="1522834974"/>
+      </p:ext>
+    </p:extLst>
+  </p:cSld>
+  <p:clrMapOvr>
+    <a:masterClrMapping/>
+  </p:clrMapOvr>
+</p:sld>
+</file>
+
+<file path=ppt/slides/slide12.xml><?xml version="1.0" encoding="utf-8"?>
+<p:sld xmlns:a="http://schemas.openxmlformats.org/drawingml/2006/main" xmlns:r="http://schemas.openxmlformats.org/officeDocument/2006/relationships" xmlns:p="http://schemas.openxmlformats.org/presentationml/2006/main">
+  <p:cSld>
+    <p:spTree>
+      <p:nvGrpSpPr>
+        <p:cNvPr id="1" name=""/>
+        <p:cNvGrpSpPr/>
+        <p:nvPr/>
+      </p:nvGrpSpPr>
+      <p:grpSpPr>
+        <a:xfrm>
+          <a:off x="0" y="0"/>
+          <a:ext cx="0" cy="0"/>
+          <a:chOff x="0" y="0"/>
+          <a:chExt cx="0" cy="0"/>
+        </a:xfrm>
+      </p:grpSpPr>
+      <p:sp>
+        <p:nvSpPr>
+          <p:cNvPr id="2" name="Titel 1">
+            <a:extLst>
+              <a:ext uri="{FF2B5EF4-FFF2-40B4-BE49-F238E27FC236}">
+                <a16:creationId xmlns:a16="http://schemas.microsoft.com/office/drawing/2014/main" id="{CF442ED9-5CF8-4CB4-9653-DAEA3B671E9A}"/>
+              </a:ext>
+            </a:extLst>
+          </p:cNvPr>
+          <p:cNvSpPr>
+            <a:spLocks noGrp="1"/>
+          </p:cNvSpPr>
+          <p:nvPr>
+            <p:ph type="title"/>
+          </p:nvPr>
+        </p:nvSpPr>
+        <p:spPr/>
+        <p:txBody>
+          <a:bodyPr/>
+          <a:lstStyle/>
+          <a:p>
+            <a:r>
+              <a:rPr lang="de-DE" dirty="0" err="1"/>
+              <a:t>NextJS</a:t>
+            </a:r>
+            <a:endParaRPr lang="de-DE" dirty="0"/>
+          </a:p>
+        </p:txBody>
+      </p:sp>
+      <p:sp>
+        <p:nvSpPr>
+          <p:cNvPr id="3" name="Inhaltsplatzhalter 2">
+            <a:extLst>
+              <a:ext uri="{FF2B5EF4-FFF2-40B4-BE49-F238E27FC236}">
+                <a16:creationId xmlns:a16="http://schemas.microsoft.com/office/drawing/2014/main" id="{F3540F35-E8F5-41AA-8428-5A76FDEA5D75}"/>
+              </a:ext>
+            </a:extLst>
+          </p:cNvPr>
+          <p:cNvSpPr>
+            <a:spLocks noGrp="1"/>
+          </p:cNvSpPr>
+          <p:nvPr>
+            <p:ph idx="1"/>
+          </p:nvPr>
+        </p:nvSpPr>
+        <p:spPr/>
+        <p:txBody>
+          <a:bodyPr/>
+          <a:lstStyle/>
+          <a:p>
+            <a:endParaRPr lang="de-DE" dirty="0"/>
+          </a:p>
+        </p:txBody>
+      </p:sp>
+    </p:spTree>
+    <p:extLst>
+      <p:ext uri="{BB962C8B-B14F-4D97-AF65-F5344CB8AC3E}">
+        <p14:creationId xmlns:p14="http://schemas.microsoft.com/office/powerpoint/2010/main" val="474333026"/>
+      </p:ext>
+    </p:extLst>
+  </p:cSld>
+  <p:clrMapOvr>
+    <a:masterClrMapping/>
+  </p:clrMapOvr>
+</p:sld>
+</file>
+
+<file path=ppt/slides/slide13.xml><?xml version="1.0" encoding="utf-8"?>
+<p:sld xmlns:a="http://schemas.openxmlformats.org/drawingml/2006/main" xmlns:r="http://schemas.openxmlformats.org/officeDocument/2006/relationships" xmlns:p="http://schemas.openxmlformats.org/presentationml/2006/main" show="0">
+  <p:cSld>
+    <p:spTree>
+      <p:nvGrpSpPr>
+        <p:cNvPr id="1" name=""/>
+        <p:cNvGrpSpPr/>
+        <p:nvPr/>
+      </p:nvGrpSpPr>
+      <p:grpSpPr>
+        <a:xfrm>
+          <a:off x="0" y="0"/>
+          <a:ext cx="0" cy="0"/>
+          <a:chOff x="0" y="0"/>
+          <a:chExt cx="0" cy="0"/>
+        </a:xfrm>
+      </p:grpSpPr>
+      <p:sp>
+        <p:nvSpPr>
+          <p:cNvPr id="2" name="Titel 1">
+            <a:extLst>
+              <a:ext uri="{FF2B5EF4-FFF2-40B4-BE49-F238E27FC236}">
+                <a16:creationId xmlns:a16="http://schemas.microsoft.com/office/drawing/2014/main" id="{F8229A92-F481-4498-B8EF-3D08A80C8B59}"/>
+              </a:ext>
+            </a:extLst>
+          </p:cNvPr>
+          <p:cNvSpPr>
+            <a:spLocks noGrp="1"/>
+          </p:cNvSpPr>
+          <p:nvPr>
+            <p:ph type="title"/>
+          </p:nvPr>
+        </p:nvSpPr>
+        <p:spPr/>
+        <p:txBody>
+          <a:bodyPr/>
+          <a:lstStyle/>
+          <a:p>
+            <a:r>
+              <a:rPr lang="de-DE" dirty="0"/>
+              <a:t>Verwendete Tools</a:t>
+            </a:r>
+          </a:p>
+        </p:txBody>
+      </p:sp>
+      <p:sp>
+        <p:nvSpPr>
+          <p:cNvPr id="3" name="Inhaltsplatzhalter 2">
+            <a:extLst>
+              <a:ext uri="{FF2B5EF4-FFF2-40B4-BE49-F238E27FC236}">
+                <a16:creationId xmlns:a16="http://schemas.microsoft.com/office/drawing/2014/main" id="{6FCEA494-1577-4C92-8291-F5691E7BE30E}"/>
+              </a:ext>
+            </a:extLst>
+          </p:cNvPr>
+          <p:cNvSpPr>
+            <a:spLocks noGrp="1"/>
+          </p:cNvSpPr>
+          <p:nvPr>
+            <p:ph idx="1"/>
+          </p:nvPr>
+        </p:nvSpPr>
+        <p:spPr/>
+        <p:txBody>
+          <a:bodyPr/>
+          <a:lstStyle/>
+          <a:p>
+            <a:r>
+              <a:rPr lang="de-DE" dirty="0"/>
+              <a:t>Prisma</a:t>
+            </a:r>
+          </a:p>
+          <a:p>
+            <a:r>
+              <a:rPr lang="de-DE" dirty="0" err="1"/>
+              <a:t>NextJs</a:t>
+            </a:r>
+            <a:endParaRPr lang="de-DE" dirty="0"/>
+          </a:p>
+          <a:p>
+            <a:r>
+              <a:rPr lang="de-DE" dirty="0" err="1"/>
+              <a:t>NextAuth</a:t>
+            </a:r>
+            <a:endParaRPr lang="de-DE" dirty="0"/>
+          </a:p>
+          <a:p>
+            <a:r>
+              <a:rPr lang="de-DE" dirty="0" err="1"/>
+              <a:t>HuggingFace</a:t>
+            </a:r>
+            <a:endParaRPr lang="de-DE" dirty="0"/>
+          </a:p>
+          <a:p>
+            <a:r>
+              <a:rPr lang="de-DE" dirty="0"/>
+              <a:t>Socket.IO</a:t>
+            </a:r>
+          </a:p>
+          <a:p>
+            <a:r>
+              <a:rPr lang="de-DE" dirty="0"/>
+              <a:t>Lottie</a:t>
+            </a:r>
+          </a:p>
+          <a:p>
+            <a:endParaRPr lang="de-DE" dirty="0"/>
+          </a:p>
+          <a:p>
+            <a:endParaRPr lang="de-DE" dirty="0"/>
+          </a:p>
+          <a:p>
+            <a:endParaRPr lang="de-DE" dirty="0"/>
+          </a:p>
+        </p:txBody>
+      </p:sp>
+    </p:spTree>
+    <p:extLst>
+      <p:ext uri="{BB962C8B-B14F-4D97-AF65-F5344CB8AC3E}">
+        <p14:creationId xmlns:p14="http://schemas.microsoft.com/office/powerpoint/2010/main" val="991643680"/>
+      </p:ext>
+    </p:extLst>
+  </p:cSld>
+  <p:clrMapOvr>
+    <a:masterClrMapping/>
+  </p:clrMapOvr>
+</p:sld>
+</file>
+
+<file path=ppt/slides/slide14.xml><?xml version="1.0" encoding="utf-8"?>
+<p:sld xmlns:a="http://schemas.openxmlformats.org/drawingml/2006/main" xmlns:r="http://schemas.openxmlformats.org/officeDocument/2006/relationships" xmlns:p="http://schemas.openxmlformats.org/presentationml/2006/main">
+  <p:cSld>
+    <p:spTree>
+      <p:nvGrpSpPr>
+        <p:cNvPr id="1" name=""/>
+        <p:cNvGrpSpPr/>
+        <p:nvPr/>
+      </p:nvGrpSpPr>
+      <p:grpSpPr>
+        <a:xfrm>
+          <a:off x="0" y="0"/>
+          <a:ext cx="0" cy="0"/>
+          <a:chOff x="0" y="0"/>
+          <a:chExt cx="0" cy="0"/>
+        </a:xfrm>
+      </p:grpSpPr>
+      <p:sp>
+        <p:nvSpPr>
+          <p:cNvPr id="2" name="Titel 1">
+            <a:extLst>
+              <a:ext uri="{FF2B5EF4-FFF2-40B4-BE49-F238E27FC236}">
+                <a16:creationId xmlns:a16="http://schemas.microsoft.com/office/drawing/2014/main" id="{D0287B23-21DF-4CAC-AB06-25F8B12F3E58}"/>
+              </a:ext>
+            </a:extLst>
+          </p:cNvPr>
+          <p:cNvSpPr>
+            <a:spLocks noGrp="1"/>
+          </p:cNvSpPr>
+          <p:nvPr>
+            <p:ph type="title"/>
+          </p:nvPr>
+        </p:nvSpPr>
+        <p:spPr/>
+        <p:txBody>
+          <a:bodyPr/>
+          <a:lstStyle/>
+          <a:p>
+            <a:r>
+              <a:rPr lang="de-DE" dirty="0"/>
+              <a:t>Probleme</a:t>
+            </a:r>
+          </a:p>
+        </p:txBody>
+      </p:sp>
+      <p:sp>
+        <p:nvSpPr>
+          <p:cNvPr id="3" name="Inhaltsplatzhalter 2">
+            <a:extLst>
+              <a:ext uri="{FF2B5EF4-FFF2-40B4-BE49-F238E27FC236}">
+                <a16:creationId xmlns:a16="http://schemas.microsoft.com/office/drawing/2014/main" id="{A485DA66-E4CB-4659-B8CE-53F10D9DFD96}"/>
+              </a:ext>
+            </a:extLst>
+          </p:cNvPr>
+          <p:cNvSpPr>
+            <a:spLocks noGrp="1"/>
+          </p:cNvSpPr>
+          <p:nvPr>
+            <p:ph idx="1"/>
+          </p:nvPr>
+        </p:nvSpPr>
+        <p:spPr/>
+        <p:txBody>
+          <a:bodyPr/>
+          <a:lstStyle/>
+          <a:p>
+            <a:r>
+              <a:rPr lang="de-DE" dirty="0"/>
+              <a:t>MongoDB Replica Set (Jonas)</a:t>
+            </a:r>
+          </a:p>
+          <a:p>
+            <a:r>
+              <a:rPr lang="de-DE" dirty="0"/>
+              <a:t>Custom </a:t>
+            </a:r>
+            <a:r>
+              <a:rPr lang="de-DE" dirty="0" err="1"/>
+              <a:t>NextJS</a:t>
+            </a:r>
+            <a:r>
+              <a:rPr lang="de-DE" dirty="0"/>
+              <a:t> Server Logik </a:t>
+            </a:r>
+            <a:r>
+              <a:rPr lang="de-DE"/>
+              <a:t>(Tilman)</a:t>
+            </a:r>
+            <a:endParaRPr lang="de-DE" dirty="0"/>
+          </a:p>
+          <a:p>
+            <a:r>
+              <a:rPr lang="de-DE" dirty="0" err="1"/>
+              <a:t>React</a:t>
+            </a:r>
+            <a:r>
+              <a:rPr lang="de-DE" dirty="0"/>
+              <a:t> Performance: Use </a:t>
+            </a:r>
+            <a:r>
+              <a:rPr lang="de-DE" dirty="0" err="1"/>
+              <a:t>Effect</a:t>
+            </a:r>
+            <a:r>
+              <a:rPr lang="de-DE" dirty="0"/>
+              <a:t> (Pascal)</a:t>
+            </a:r>
+          </a:p>
+          <a:p>
+            <a:r>
+              <a:rPr lang="de-DE" dirty="0"/>
+              <a:t>Persistieren von Externen Usern (Ludwig)</a:t>
+            </a:r>
+          </a:p>
+          <a:p>
+            <a:endParaRPr lang="de-DE" dirty="0"/>
+          </a:p>
+        </p:txBody>
+      </p:sp>
+    </p:spTree>
+    <p:extLst>
+      <p:ext uri="{BB962C8B-B14F-4D97-AF65-F5344CB8AC3E}">
+        <p14:creationId xmlns:p14="http://schemas.microsoft.com/office/powerpoint/2010/main" val="2178727426"/>
+      </p:ext>
+    </p:extLst>
+  </p:cSld>
+  <p:clrMapOvr>
+    <a:masterClrMapping/>
+  </p:clrMapOvr>
+</p:sld>
+</file>
+
 <file path=ppt/slides/slide2.xml><?xml version="1.0" encoding="utf-8"?>
 <p:sld xmlns:a="http://schemas.openxmlformats.org/drawingml/2006/main" xmlns:r="http://schemas.openxmlformats.org/officeDocument/2006/relationships" xmlns:p="http://schemas.openxmlformats.org/presentationml/2006/main">
   <p:cSld>
@@ -3616,7 +4503,7 @@
           <a:p>
             <a:r>
               <a:rPr lang="de-DE" dirty="0"/>
-              <a:t>Probleme</a:t>
+              <a:t>Tools &amp; Probleme</a:t>
             </a:r>
           </a:p>
           <a:p>
@@ -3775,6 +4662,128 @@
 </file>
 
 <file path=ppt/slides/slide4.xml><?xml version="1.0" encoding="utf-8"?>
+<p:sld xmlns:a="http://schemas.openxmlformats.org/drawingml/2006/main" xmlns:r="http://schemas.openxmlformats.org/officeDocument/2006/relationships" xmlns:p="http://schemas.openxmlformats.org/presentationml/2006/main" show="0">
+  <p:cSld>
+    <p:spTree>
+      <p:nvGrpSpPr>
+        <p:cNvPr id="1" name=""/>
+        <p:cNvGrpSpPr/>
+        <p:nvPr/>
+      </p:nvGrpSpPr>
+      <p:grpSpPr>
+        <a:xfrm>
+          <a:off x="0" y="0"/>
+          <a:ext cx="0" cy="0"/>
+          <a:chOff x="0" y="0"/>
+          <a:chExt cx="0" cy="0"/>
+        </a:xfrm>
+      </p:grpSpPr>
+      <p:sp>
+        <p:nvSpPr>
+          <p:cNvPr id="2" name="Titel 1">
+            <a:extLst>
+              <a:ext uri="{FF2B5EF4-FFF2-40B4-BE49-F238E27FC236}">
+                <a16:creationId xmlns:a16="http://schemas.microsoft.com/office/drawing/2014/main" id="{1F4E5B12-3280-4799-B60A-70A97429BD27}"/>
+              </a:ext>
+            </a:extLst>
+          </p:cNvPr>
+          <p:cNvSpPr>
+            <a:spLocks noGrp="1"/>
+          </p:cNvSpPr>
+          <p:nvPr>
+            <p:ph type="title"/>
+          </p:nvPr>
+        </p:nvSpPr>
+        <p:spPr/>
+        <p:txBody>
+          <a:bodyPr/>
+          <a:lstStyle/>
+          <a:p>
+            <a:r>
+              <a:rPr lang="de-DE" dirty="0"/>
+              <a:t>Struktur des Projekts</a:t>
+            </a:r>
+          </a:p>
+        </p:txBody>
+      </p:sp>
+      <p:sp>
+        <p:nvSpPr>
+          <p:cNvPr id="3" name="Inhaltsplatzhalter 2">
+            <a:extLst>
+              <a:ext uri="{FF2B5EF4-FFF2-40B4-BE49-F238E27FC236}">
+                <a16:creationId xmlns:a16="http://schemas.microsoft.com/office/drawing/2014/main" id="{C3253792-8FCD-4853-B745-51E23DF1C30B}"/>
+              </a:ext>
+            </a:extLst>
+          </p:cNvPr>
+          <p:cNvSpPr>
+            <a:spLocks noGrp="1"/>
+          </p:cNvSpPr>
+          <p:nvPr>
+            <p:ph idx="1"/>
+          </p:nvPr>
+        </p:nvSpPr>
+        <p:spPr/>
+        <p:txBody>
+          <a:bodyPr/>
+          <a:lstStyle/>
+          <a:p>
+            <a:r>
+              <a:rPr lang="de-DE" dirty="0"/>
+              <a:t>Front End: </a:t>
+            </a:r>
+            <a:r>
+              <a:rPr lang="de-DE" dirty="0" err="1"/>
+              <a:t>React</a:t>
+            </a:r>
+            <a:r>
+              <a:rPr lang="de-DE" dirty="0"/>
+              <a:t> (Pascal)</a:t>
+            </a:r>
+          </a:p>
+          <a:p>
+            <a:r>
+              <a:rPr lang="de-DE" dirty="0"/>
+              <a:t>Back End: (Prisma, MongoDB auf Docker Container) -&gt; Jonas, </a:t>
+            </a:r>
+            <a:r>
+              <a:rPr lang="de-DE" dirty="0" err="1"/>
+              <a:t>SocketIO</a:t>
+            </a:r>
+            <a:r>
+              <a:rPr lang="de-DE" dirty="0"/>
+              <a:t>-Server (Tilman), </a:t>
+            </a:r>
+            <a:r>
+              <a:rPr lang="de-DE" dirty="0" err="1"/>
+              <a:t>NextJS</a:t>
+            </a:r>
+            <a:r>
+              <a:rPr lang="de-DE" dirty="0"/>
+              <a:t> (Ludwig)</a:t>
+            </a:r>
+          </a:p>
+          <a:p>
+            <a:r>
+              <a:rPr lang="de-DE" dirty="0"/>
+              <a:t>Warum haben wir uns für .. Entschieden?</a:t>
+            </a:r>
+          </a:p>
+        </p:txBody>
+      </p:sp>
+    </p:spTree>
+    <p:extLst>
+      <p:ext uri="{BB962C8B-B14F-4D97-AF65-F5344CB8AC3E}">
+        <p14:creationId xmlns:p14="http://schemas.microsoft.com/office/powerpoint/2010/main" val="2478926423"/>
+      </p:ext>
+    </p:extLst>
+  </p:cSld>
+  <p:clrMapOvr>
+    <a:masterClrMapping/>
+  </p:clrMapOvr>
+</p:sld>
+</file>
+
+<file path=ppt/slides/slide5.xml><?xml version="1.0" encoding="utf-8"?>
 <p:sld xmlns:a="http://schemas.openxmlformats.org/drawingml/2006/main" xmlns:r="http://schemas.openxmlformats.org/officeDocument/2006/relationships" xmlns:p="http://schemas.openxmlformats.org/presentationml/2006/main">
   <p:cSld>
     <p:spTree>
@@ -3819,66 +4828,419 @@
           </a:p>
         </p:txBody>
       </p:sp>
-      <p:sp>
-        <p:nvSpPr>
-          <p:cNvPr id="3" name="Inhaltsplatzhalter 2">
-            <a:extLst>
-              <a:ext uri="{FF2B5EF4-FFF2-40B4-BE49-F238E27FC236}">
-                <a16:creationId xmlns:a16="http://schemas.microsoft.com/office/drawing/2014/main" id="{C3253792-8FCD-4853-B745-51E23DF1C30B}"/>
-              </a:ext>
-            </a:extLst>
-          </p:cNvPr>
-          <p:cNvSpPr>
-            <a:spLocks noGrp="1"/>
-          </p:cNvSpPr>
-          <p:nvPr>
-            <p:ph idx="1"/>
-          </p:nvPr>
-        </p:nvSpPr>
-        <p:spPr/>
-        <p:txBody>
-          <a:bodyPr/>
-          <a:lstStyle/>
-          <a:p>
-            <a:r>
-              <a:rPr lang="de-DE" dirty="0"/>
-              <a:t>Front End: </a:t>
-            </a:r>
-            <a:r>
-              <a:rPr lang="de-DE" dirty="0" err="1"/>
-              <a:t>React</a:t>
-            </a:r>
-            <a:r>
-              <a:rPr lang="de-DE" dirty="0"/>
-              <a:t> (Pascal)</a:t>
-            </a:r>
-          </a:p>
-          <a:p>
-            <a:r>
-              <a:rPr lang="de-DE" dirty="0"/>
-              <a:t>Back End: (Prisma, MongoDB auf Docker Container) -&gt; Jonas, </a:t>
-            </a:r>
-            <a:r>
-              <a:rPr lang="de-DE" dirty="0" err="1"/>
-              <a:t>SocketIO</a:t>
-            </a:r>
-            <a:r>
-              <a:rPr lang="de-DE" dirty="0"/>
-              <a:t>-Server (Tilman), </a:t>
-            </a:r>
-            <a:r>
-              <a:rPr lang="de-DE" dirty="0" err="1"/>
-              <a:t>NextJS</a:t>
-            </a:r>
-            <a:r>
-              <a:rPr lang="de-DE" dirty="0"/>
-              <a:t> (Ludwig)</a:t>
-            </a:r>
-          </a:p>
-          <a:p>
-            <a:r>
-              <a:rPr lang="de-DE" dirty="0"/>
-              <a:t>Warum haben wir uns für .. Entschieden?</a:t>
+      <p:pic>
+        <p:nvPicPr>
+          <p:cNvPr id="7" name="Grafik 6">
+            <a:extLst>
+              <a:ext uri="{FF2B5EF4-FFF2-40B4-BE49-F238E27FC236}">
+                <a16:creationId xmlns:a16="http://schemas.microsoft.com/office/drawing/2014/main" id="{651E5A99-90B2-47F3-9BEE-30242187140E}"/>
+              </a:ext>
+            </a:extLst>
+          </p:cNvPr>
+          <p:cNvPicPr>
+            <a:picLocks noChangeAspect="1"/>
+          </p:cNvPicPr>
+          <p:nvPr/>
+        </p:nvPicPr>
+        <p:blipFill>
+          <a:blip r:embed="rId2">
+            <a:extLst>
+              <a:ext uri="{28A0092B-C50C-407E-A947-70E740481C1C}">
+                <a14:useLocalDpi xmlns:a14="http://schemas.microsoft.com/office/drawing/2010/main" val="0"/>
+              </a:ext>
+            </a:extLst>
+          </a:blip>
+          <a:stretch>
+            <a:fillRect/>
+          </a:stretch>
+        </p:blipFill>
+        <p:spPr>
+          <a:xfrm>
+            <a:off x="8356599" y="1906120"/>
+            <a:ext cx="2290233" cy="690438"/>
+          </a:xfrm>
+          <a:prstGeom prst="rect">
+            <a:avLst/>
+          </a:prstGeom>
+        </p:spPr>
+      </p:pic>
+      <p:pic>
+        <p:nvPicPr>
+          <p:cNvPr id="9" name="Grafik 8">
+            <a:extLst>
+              <a:ext uri="{FF2B5EF4-FFF2-40B4-BE49-F238E27FC236}">
+                <a16:creationId xmlns:a16="http://schemas.microsoft.com/office/drawing/2014/main" id="{36B81091-8308-46C0-B75E-3923CE0FA0B8}"/>
+              </a:ext>
+            </a:extLst>
+          </p:cNvPr>
+          <p:cNvPicPr>
+            <a:picLocks noChangeAspect="1"/>
+          </p:cNvPicPr>
+          <p:nvPr/>
+        </p:nvPicPr>
+        <p:blipFill>
+          <a:blip r:embed="rId3">
+            <a:extLst>
+              <a:ext uri="{28A0092B-C50C-407E-A947-70E740481C1C}">
+                <a14:useLocalDpi xmlns:a14="http://schemas.microsoft.com/office/drawing/2010/main" val="0"/>
+              </a:ext>
+            </a:extLst>
+          </a:blip>
+          <a:stretch>
+            <a:fillRect/>
+          </a:stretch>
+        </p:blipFill>
+        <p:spPr>
+          <a:xfrm>
+            <a:off x="1148558" y="2450311"/>
+            <a:ext cx="1621896" cy="1621896"/>
+          </a:xfrm>
+          <a:prstGeom prst="rect">
+            <a:avLst/>
+          </a:prstGeom>
+        </p:spPr>
+      </p:pic>
+      <p:pic>
+        <p:nvPicPr>
+          <p:cNvPr id="11" name="Grafik 10">
+            <a:extLst>
+              <a:ext uri="{FF2B5EF4-FFF2-40B4-BE49-F238E27FC236}">
+                <a16:creationId xmlns:a16="http://schemas.microsoft.com/office/drawing/2014/main" id="{9EC586D2-0B3A-40E7-B999-2558E0DCAEF0}"/>
+              </a:ext>
+            </a:extLst>
+          </p:cNvPr>
+          <p:cNvPicPr>
+            <a:picLocks noChangeAspect="1"/>
+          </p:cNvPicPr>
+          <p:nvPr/>
+        </p:nvPicPr>
+        <p:blipFill>
+          <a:blip r:embed="rId4">
+            <a:extLst>
+              <a:ext uri="{28A0092B-C50C-407E-A947-70E740481C1C}">
+                <a14:useLocalDpi xmlns:a14="http://schemas.microsoft.com/office/drawing/2010/main" val="0"/>
+              </a:ext>
+            </a:extLst>
+          </a:blip>
+          <a:stretch>
+            <a:fillRect/>
+          </a:stretch>
+        </p:blipFill>
+        <p:spPr>
+          <a:xfrm>
+            <a:off x="8356601" y="3142721"/>
+            <a:ext cx="2290233" cy="572558"/>
+          </a:xfrm>
+          <a:prstGeom prst="rect">
+            <a:avLst/>
+          </a:prstGeom>
+        </p:spPr>
+      </p:pic>
+      <p:pic>
+        <p:nvPicPr>
+          <p:cNvPr id="13" name="Grafik 12">
+            <a:extLst>
+              <a:ext uri="{FF2B5EF4-FFF2-40B4-BE49-F238E27FC236}">
+                <a16:creationId xmlns:a16="http://schemas.microsoft.com/office/drawing/2014/main" id="{B2E0265C-AB93-40E7-B69F-6A0DAAA610E4}"/>
+              </a:ext>
+            </a:extLst>
+          </p:cNvPr>
+          <p:cNvPicPr>
+            <a:picLocks noChangeAspect="1"/>
+          </p:cNvPicPr>
+          <p:nvPr/>
+        </p:nvPicPr>
+        <p:blipFill>
+          <a:blip r:embed="rId5">
+            <a:extLst>
+              <a:ext uri="{28A0092B-C50C-407E-A947-70E740481C1C}">
+                <a14:useLocalDpi xmlns:a14="http://schemas.microsoft.com/office/drawing/2010/main" val="0"/>
+              </a:ext>
+            </a:extLst>
+          </a:blip>
+          <a:stretch>
+            <a:fillRect/>
+          </a:stretch>
+        </p:blipFill>
+        <p:spPr>
+          <a:xfrm>
+            <a:off x="4540644" y="2811991"/>
+            <a:ext cx="1901825" cy="1572817"/>
+          </a:xfrm>
+          <a:prstGeom prst="rect">
+            <a:avLst/>
+          </a:prstGeom>
+        </p:spPr>
+      </p:pic>
+      <p:pic>
+        <p:nvPicPr>
+          <p:cNvPr id="15" name="Grafik 14">
+            <a:extLst>
+              <a:ext uri="{FF2B5EF4-FFF2-40B4-BE49-F238E27FC236}">
+                <a16:creationId xmlns:a16="http://schemas.microsoft.com/office/drawing/2014/main" id="{B2E17FB5-052E-40DC-B843-78911ADB3281}"/>
+              </a:ext>
+            </a:extLst>
+          </p:cNvPr>
+          <p:cNvPicPr>
+            <a:picLocks noChangeAspect="1"/>
+          </p:cNvPicPr>
+          <p:nvPr/>
+        </p:nvPicPr>
+        <p:blipFill>
+          <a:blip r:embed="rId6">
+            <a:extLst>
+              <a:ext uri="{28A0092B-C50C-407E-A947-70E740481C1C}">
+                <a14:useLocalDpi xmlns:a14="http://schemas.microsoft.com/office/drawing/2010/main" val="0"/>
+              </a:ext>
+            </a:extLst>
+          </a:blip>
+          <a:stretch>
+            <a:fillRect/>
+          </a:stretch>
+        </p:blipFill>
+        <p:spPr>
+          <a:xfrm>
+            <a:off x="4540644" y="2194983"/>
+            <a:ext cx="1851025" cy="1234017"/>
+          </a:xfrm>
+          <a:prstGeom prst="rect">
+            <a:avLst/>
+          </a:prstGeom>
+        </p:spPr>
+      </p:pic>
+      <p:cxnSp>
+        <p:nvCxnSpPr>
+          <p:cNvPr id="19" name="Gerade Verbindung mit Pfeil 18">
+            <a:extLst>
+              <a:ext uri="{FF2B5EF4-FFF2-40B4-BE49-F238E27FC236}">
+                <a16:creationId xmlns:a16="http://schemas.microsoft.com/office/drawing/2014/main" id="{B61D2C79-6E27-4570-AA31-1959345F1287}"/>
+              </a:ext>
+            </a:extLst>
+          </p:cNvPr>
+          <p:cNvCxnSpPr/>
+          <p:nvPr/>
+        </p:nvCxnSpPr>
+        <p:spPr>
+          <a:xfrm>
+            <a:off x="2650067" y="3395132"/>
+            <a:ext cx="2048934" cy="0"/>
+          </a:xfrm>
+          <a:prstGeom prst="straightConnector1">
+            <a:avLst/>
+          </a:prstGeom>
+          <a:ln w="28575">
+            <a:headEnd type="triangle"/>
+            <a:tailEnd type="triangle"/>
+          </a:ln>
+        </p:spPr>
+        <p:style>
+          <a:lnRef idx="1">
+            <a:schemeClr val="dk1"/>
+          </a:lnRef>
+          <a:fillRef idx="0">
+            <a:schemeClr val="dk1"/>
+          </a:fillRef>
+          <a:effectRef idx="0">
+            <a:schemeClr val="dk1"/>
+          </a:effectRef>
+          <a:fontRef idx="minor">
+            <a:schemeClr val="tx1"/>
+          </a:fontRef>
+        </p:style>
+      </p:cxnSp>
+      <p:cxnSp>
+        <p:nvCxnSpPr>
+          <p:cNvPr id="20" name="Gerade Verbindung mit Pfeil 19">
+            <a:extLst>
+              <a:ext uri="{FF2B5EF4-FFF2-40B4-BE49-F238E27FC236}">
+                <a16:creationId xmlns:a16="http://schemas.microsoft.com/office/drawing/2014/main" id="{C3B85EFC-B2AF-4DDD-A252-174E5A550B55}"/>
+              </a:ext>
+            </a:extLst>
+          </p:cNvPr>
+          <p:cNvCxnSpPr/>
+          <p:nvPr/>
+        </p:nvCxnSpPr>
+        <p:spPr>
+          <a:xfrm>
+            <a:off x="6180669" y="3395132"/>
+            <a:ext cx="2048934" cy="0"/>
+          </a:xfrm>
+          <a:prstGeom prst="straightConnector1">
+            <a:avLst/>
+          </a:prstGeom>
+          <a:ln w="28575">
+            <a:headEnd type="triangle"/>
+            <a:tailEnd type="triangle"/>
+          </a:ln>
+        </p:spPr>
+        <p:style>
+          <a:lnRef idx="1">
+            <a:schemeClr val="dk1"/>
+          </a:lnRef>
+          <a:fillRef idx="0">
+            <a:schemeClr val="dk1"/>
+          </a:fillRef>
+          <a:effectRef idx="0">
+            <a:schemeClr val="dk1"/>
+          </a:effectRef>
+          <a:fontRef idx="minor">
+            <a:schemeClr val="tx1"/>
+          </a:fontRef>
+        </p:style>
+      </p:cxnSp>
+      <p:cxnSp>
+        <p:nvCxnSpPr>
+          <p:cNvPr id="21" name="Gerade Verbindung mit Pfeil 20">
+            <a:extLst>
+              <a:ext uri="{FF2B5EF4-FFF2-40B4-BE49-F238E27FC236}">
+                <a16:creationId xmlns:a16="http://schemas.microsoft.com/office/drawing/2014/main" id="{A3A49429-6686-4023-BC6F-9EF05998F203}"/>
+              </a:ext>
+            </a:extLst>
+          </p:cNvPr>
+          <p:cNvCxnSpPr>
+            <a:cxnSpLocks/>
+          </p:cNvCxnSpPr>
+          <p:nvPr/>
+        </p:nvCxnSpPr>
+        <p:spPr>
+          <a:xfrm flipV="1">
+            <a:off x="6180669" y="2336800"/>
+            <a:ext cx="2048934" cy="924459"/>
+          </a:xfrm>
+          <a:prstGeom prst="straightConnector1">
+            <a:avLst/>
+          </a:prstGeom>
+          <a:ln w="28575">
+            <a:headEnd type="triangle"/>
+            <a:tailEnd type="triangle"/>
+          </a:ln>
+        </p:spPr>
+        <p:style>
+          <a:lnRef idx="1">
+            <a:schemeClr val="dk1"/>
+          </a:lnRef>
+          <a:fillRef idx="0">
+            <a:schemeClr val="dk1"/>
+          </a:fillRef>
+          <a:effectRef idx="0">
+            <a:schemeClr val="dk1"/>
+          </a:effectRef>
+          <a:fontRef idx="minor">
+            <a:schemeClr val="tx1"/>
+          </a:fontRef>
+        </p:style>
+      </p:cxnSp>
+      <p:cxnSp>
+        <p:nvCxnSpPr>
+          <p:cNvPr id="23" name="Gerade Verbindung mit Pfeil 22">
+            <a:extLst>
+              <a:ext uri="{FF2B5EF4-FFF2-40B4-BE49-F238E27FC236}">
+                <a16:creationId xmlns:a16="http://schemas.microsoft.com/office/drawing/2014/main" id="{E86D93AB-1E88-4E28-9DF6-45E25DEAC550}"/>
+              </a:ext>
+            </a:extLst>
+          </p:cNvPr>
+          <p:cNvCxnSpPr>
+            <a:cxnSpLocks/>
+          </p:cNvCxnSpPr>
+          <p:nvPr/>
+        </p:nvCxnSpPr>
+        <p:spPr>
+          <a:xfrm>
+            <a:off x="6180669" y="3556000"/>
+            <a:ext cx="2065868" cy="945687"/>
+          </a:xfrm>
+          <a:prstGeom prst="straightConnector1">
+            <a:avLst/>
+          </a:prstGeom>
+          <a:ln w="28575">
+            <a:headEnd type="triangle"/>
+            <a:tailEnd type="triangle"/>
+          </a:ln>
+        </p:spPr>
+        <p:style>
+          <a:lnRef idx="1">
+            <a:schemeClr val="dk1"/>
+          </a:lnRef>
+          <a:fillRef idx="0">
+            <a:schemeClr val="dk1"/>
+          </a:fillRef>
+          <a:effectRef idx="0">
+            <a:schemeClr val="dk1"/>
+          </a:effectRef>
+          <a:fontRef idx="minor">
+            <a:schemeClr val="tx1"/>
+          </a:fontRef>
+        </p:style>
+      </p:cxnSp>
+      <p:pic>
+        <p:nvPicPr>
+          <p:cNvPr id="30" name="Grafik 29">
+            <a:extLst>
+              <a:ext uri="{FF2B5EF4-FFF2-40B4-BE49-F238E27FC236}">
+                <a16:creationId xmlns:a16="http://schemas.microsoft.com/office/drawing/2014/main" id="{980B738F-C446-466E-8BB9-804062D545DA}"/>
+              </a:ext>
+            </a:extLst>
+          </p:cNvPr>
+          <p:cNvPicPr>
+            <a:picLocks noChangeAspect="1"/>
+          </p:cNvPicPr>
+          <p:nvPr/>
+        </p:nvPicPr>
+        <p:blipFill>
+          <a:blip r:embed="rId7">
+            <a:extLst>
+              <a:ext uri="{28A0092B-C50C-407E-A947-70E740481C1C}">
+                <a14:useLocalDpi xmlns:a14="http://schemas.microsoft.com/office/drawing/2010/main" val="0"/>
+              </a:ext>
+            </a:extLst>
+          </a:blip>
+          <a:stretch>
+            <a:fillRect/>
+          </a:stretch>
+        </p:blipFill>
+        <p:spPr>
+          <a:xfrm>
+            <a:off x="8356599" y="4072207"/>
+            <a:ext cx="931330" cy="1027074"/>
+          </a:xfrm>
+          <a:prstGeom prst="rect">
+            <a:avLst/>
+          </a:prstGeom>
+        </p:spPr>
+      </p:pic>
+      <p:sp>
+        <p:nvSpPr>
+          <p:cNvPr id="31" name="Textfeld 30">
+            <a:extLst>
+              <a:ext uri="{FF2B5EF4-FFF2-40B4-BE49-F238E27FC236}">
+                <a16:creationId xmlns:a16="http://schemas.microsoft.com/office/drawing/2014/main" id="{65DD041C-D8CA-496A-AE08-7478124E3075}"/>
+              </a:ext>
+            </a:extLst>
+          </p:cNvPr>
+          <p:cNvSpPr txBox="1"/>
+          <p:nvPr/>
+        </p:nvSpPr>
+        <p:spPr>
+          <a:xfrm>
+            <a:off x="9287929" y="4401078"/>
+            <a:ext cx="1664045" cy="369332"/>
+          </a:xfrm>
+          <a:prstGeom prst="rect">
+            <a:avLst/>
+          </a:prstGeom>
+          <a:noFill/>
+        </p:spPr>
+        <p:txBody>
+          <a:bodyPr wrap="none" rtlCol="0">
+            <a:spAutoFit/>
+          </a:bodyPr>
+          <a:lstStyle/>
+          <a:p>
+            <a:r>
+              <a:rPr lang="de-DE" dirty="0">
+                <a:latin typeface="Arial Black" panose="020B0A04020102020204" pitchFamily="34" charset="0"/>
+              </a:rPr>
+              <a:t>NextAuth.js</a:t>
             </a:r>
           </a:p>
         </p:txBody>
@@ -3886,135 +5248,7 @@
     </p:spTree>
     <p:extLst>
       <p:ext uri="{BB962C8B-B14F-4D97-AF65-F5344CB8AC3E}">
-        <p14:creationId xmlns:p14="http://schemas.microsoft.com/office/powerpoint/2010/main" val="2478926423"/>
-      </p:ext>
-    </p:extLst>
-  </p:cSld>
-  <p:clrMapOvr>
-    <a:masterClrMapping/>
-  </p:clrMapOvr>
-</p:sld>
-</file>
-
-<file path=ppt/slides/slide5.xml><?xml version="1.0" encoding="utf-8"?>
-<p:sld xmlns:a="http://schemas.openxmlformats.org/drawingml/2006/main" xmlns:r="http://schemas.openxmlformats.org/officeDocument/2006/relationships" xmlns:p="http://schemas.openxmlformats.org/presentationml/2006/main" show="0">
-  <p:cSld>
-    <p:spTree>
-      <p:nvGrpSpPr>
-        <p:cNvPr id="1" name=""/>
-        <p:cNvGrpSpPr/>
-        <p:nvPr/>
-      </p:nvGrpSpPr>
-      <p:grpSpPr>
-        <a:xfrm>
-          <a:off x="0" y="0"/>
-          <a:ext cx="0" cy="0"/>
-          <a:chOff x="0" y="0"/>
-          <a:chExt cx="0" cy="0"/>
-        </a:xfrm>
-      </p:grpSpPr>
-      <p:sp>
-        <p:nvSpPr>
-          <p:cNvPr id="2" name="Titel 1">
-            <a:extLst>
-              <a:ext uri="{FF2B5EF4-FFF2-40B4-BE49-F238E27FC236}">
-                <a16:creationId xmlns:a16="http://schemas.microsoft.com/office/drawing/2014/main" id="{F8229A92-F481-4498-B8EF-3D08A80C8B59}"/>
-              </a:ext>
-            </a:extLst>
-          </p:cNvPr>
-          <p:cNvSpPr>
-            <a:spLocks noGrp="1"/>
-          </p:cNvSpPr>
-          <p:nvPr>
-            <p:ph type="title"/>
-          </p:nvPr>
-        </p:nvSpPr>
-        <p:spPr/>
-        <p:txBody>
-          <a:bodyPr/>
-          <a:lstStyle/>
-          <a:p>
-            <a:r>
-              <a:rPr lang="de-DE" dirty="0"/>
-              <a:t>Verwendete Tools</a:t>
-            </a:r>
-          </a:p>
-        </p:txBody>
-      </p:sp>
-      <p:sp>
-        <p:nvSpPr>
-          <p:cNvPr id="3" name="Inhaltsplatzhalter 2">
-            <a:extLst>
-              <a:ext uri="{FF2B5EF4-FFF2-40B4-BE49-F238E27FC236}">
-                <a16:creationId xmlns:a16="http://schemas.microsoft.com/office/drawing/2014/main" id="{6FCEA494-1577-4C92-8291-F5691E7BE30E}"/>
-              </a:ext>
-            </a:extLst>
-          </p:cNvPr>
-          <p:cNvSpPr>
-            <a:spLocks noGrp="1"/>
-          </p:cNvSpPr>
-          <p:nvPr>
-            <p:ph idx="1"/>
-          </p:nvPr>
-        </p:nvSpPr>
-        <p:spPr/>
-        <p:txBody>
-          <a:bodyPr/>
-          <a:lstStyle/>
-          <a:p>
-            <a:r>
-              <a:rPr lang="de-DE" dirty="0"/>
-              <a:t>Prisma</a:t>
-            </a:r>
-          </a:p>
-          <a:p>
-            <a:r>
-              <a:rPr lang="de-DE" dirty="0" err="1"/>
-              <a:t>NextJs</a:t>
-            </a:r>
-            <a:endParaRPr lang="de-DE" dirty="0"/>
-          </a:p>
-          <a:p>
-            <a:r>
-              <a:rPr lang="de-DE" dirty="0" err="1"/>
-              <a:t>NextAuth</a:t>
-            </a:r>
-            <a:endParaRPr lang="de-DE" dirty="0"/>
-          </a:p>
-          <a:p>
-            <a:r>
-              <a:rPr lang="de-DE" dirty="0" err="1"/>
-              <a:t>HuggingFace</a:t>
-            </a:r>
-            <a:endParaRPr lang="de-DE" dirty="0"/>
-          </a:p>
-          <a:p>
-            <a:r>
-              <a:rPr lang="de-DE" dirty="0"/>
-              <a:t>Socket.IO</a:t>
-            </a:r>
-          </a:p>
-          <a:p>
-            <a:r>
-              <a:rPr lang="de-DE" dirty="0"/>
-              <a:t>Lottie</a:t>
-            </a:r>
-          </a:p>
-          <a:p>
-            <a:endParaRPr lang="de-DE" dirty="0"/>
-          </a:p>
-          <a:p>
-            <a:endParaRPr lang="de-DE" dirty="0"/>
-          </a:p>
-          <a:p>
-            <a:endParaRPr lang="de-DE" dirty="0"/>
-          </a:p>
-        </p:txBody>
-      </p:sp>
-    </p:spTree>
-    <p:extLst>
-      <p:ext uri="{BB962C8B-B14F-4D97-AF65-F5344CB8AC3E}">
-        <p14:creationId xmlns:p14="http://schemas.microsoft.com/office/powerpoint/2010/main" val="991643680"/>
+        <p14:creationId xmlns:p14="http://schemas.microsoft.com/office/powerpoint/2010/main" val="1773541036"/>
       </p:ext>
     </p:extLst>
   </p:cSld>
@@ -4046,7 +5280,7 @@
           <p:cNvPr id="2" name="Titel 1">
             <a:extLst>
               <a:ext uri="{FF2B5EF4-FFF2-40B4-BE49-F238E27FC236}">
-                <a16:creationId xmlns:a16="http://schemas.microsoft.com/office/drawing/2014/main" id="{D0287B23-21DF-4CAC-AB06-25F8B12F3E58}"/>
+                <a16:creationId xmlns:a16="http://schemas.microsoft.com/office/drawing/2014/main" id="{FA4DF265-6781-460F-BD03-80CBE655F860}"/>
               </a:ext>
             </a:extLst>
           </p:cNvPr>
@@ -4064,7 +5298,7 @@
           <a:p>
             <a:r>
               <a:rPr lang="de-DE" dirty="0"/>
-              <a:t>Probleme</a:t>
+              <a:t>Prisma</a:t>
             </a:r>
           </a:p>
         </p:txBody>
@@ -4074,7 +5308,7 @@
           <p:cNvPr id="3" name="Inhaltsplatzhalter 2">
             <a:extLst>
               <a:ext uri="{FF2B5EF4-FFF2-40B4-BE49-F238E27FC236}">
-                <a16:creationId xmlns:a16="http://schemas.microsoft.com/office/drawing/2014/main" id="{A485DA66-E4CB-4659-B8CE-53F10D9DFD96}"/>
+                <a16:creationId xmlns:a16="http://schemas.microsoft.com/office/drawing/2014/main" id="{9B89CEFC-832D-4078-8B91-7BB97779CDC5}"/>
               </a:ext>
             </a:extLst>
           </p:cNvPr>
@@ -4090,63 +5324,750 @@
           <a:bodyPr/>
           <a:lstStyle/>
           <a:p>
-            <a:r>
-              <a:rPr lang="de-DE" dirty="0"/>
-              <a:t>MongoDB Replica Set (Jonas)</a:t>
-            </a:r>
-          </a:p>
-          <a:p>
-            <a:r>
-              <a:rPr lang="de-DE" dirty="0"/>
-              <a:t>Custom </a:t>
-            </a:r>
-            <a:r>
-              <a:rPr lang="de-DE" dirty="0" err="1"/>
-              <a:t>NextJS</a:t>
-            </a:r>
-            <a:r>
-              <a:rPr lang="de-DE" dirty="0"/>
-              <a:t> Server Logik </a:t>
-            </a:r>
-            <a:r>
-              <a:rPr lang="de-DE"/>
-              <a:t>(Tilman)</a:t>
-            </a:r>
-            <a:endParaRPr lang="de-DE" dirty="0"/>
-          </a:p>
-          <a:p>
-            <a:r>
-              <a:rPr lang="de-DE" dirty="0" err="1"/>
-              <a:t>React</a:t>
-            </a:r>
-            <a:r>
-              <a:rPr lang="de-DE" dirty="0"/>
-              <a:t> Performance: Use </a:t>
-            </a:r>
-            <a:r>
-              <a:rPr lang="de-DE" dirty="0" err="1"/>
-              <a:t>Effect</a:t>
-            </a:r>
-            <a:r>
-              <a:rPr lang="de-DE" dirty="0"/>
-              <a:t> (Pascal)</a:t>
-            </a:r>
-          </a:p>
-          <a:p>
-            <a:r>
-              <a:rPr lang="de-DE" dirty="0"/>
-              <a:t>Persistieren von Externen Usern (Ludwig)</a:t>
-            </a:r>
-          </a:p>
-          <a:p>
-            <a:endParaRPr lang="de-DE" dirty="0"/>
+            <a:endParaRPr lang="de-DE"/>
           </a:p>
         </p:txBody>
       </p:sp>
     </p:spTree>
     <p:extLst>
       <p:ext uri="{BB962C8B-B14F-4D97-AF65-F5344CB8AC3E}">
-        <p14:creationId xmlns:p14="http://schemas.microsoft.com/office/powerpoint/2010/main" val="2178727426"/>
+        <p14:creationId xmlns:p14="http://schemas.microsoft.com/office/powerpoint/2010/main" val="1578122712"/>
+      </p:ext>
+    </p:extLst>
+  </p:cSld>
+  <p:clrMapOvr>
+    <a:masterClrMapping/>
+  </p:clrMapOvr>
+</p:sld>
+</file>
+
+<file path=ppt/slides/slide7.xml><?xml version="1.0" encoding="utf-8"?>
+<p:sld xmlns:a="http://schemas.openxmlformats.org/drawingml/2006/main" xmlns:r="http://schemas.openxmlformats.org/officeDocument/2006/relationships" xmlns:p="http://schemas.openxmlformats.org/presentationml/2006/main">
+  <p:cSld>
+    <p:spTree>
+      <p:nvGrpSpPr>
+        <p:cNvPr id="1" name=""/>
+        <p:cNvGrpSpPr/>
+        <p:nvPr/>
+      </p:nvGrpSpPr>
+      <p:grpSpPr>
+        <a:xfrm>
+          <a:off x="0" y="0"/>
+          <a:ext cx="0" cy="0"/>
+          <a:chOff x="0" y="0"/>
+          <a:chExt cx="0" cy="0"/>
+        </a:xfrm>
+      </p:grpSpPr>
+      <p:sp>
+        <p:nvSpPr>
+          <p:cNvPr id="2" name="Titel 1">
+            <a:extLst>
+              <a:ext uri="{FF2B5EF4-FFF2-40B4-BE49-F238E27FC236}">
+                <a16:creationId xmlns:a16="http://schemas.microsoft.com/office/drawing/2014/main" id="{09F4B41E-1546-4700-8AC2-041E54F9B42E}"/>
+              </a:ext>
+            </a:extLst>
+          </p:cNvPr>
+          <p:cNvSpPr>
+            <a:spLocks noGrp="1"/>
+          </p:cNvSpPr>
+          <p:nvPr>
+            <p:ph type="title"/>
+          </p:nvPr>
+        </p:nvSpPr>
+        <p:spPr/>
+        <p:txBody>
+          <a:bodyPr/>
+          <a:lstStyle/>
+          <a:p>
+            <a:r>
+              <a:rPr lang="de-DE" dirty="0"/>
+              <a:t>MongoDB</a:t>
+            </a:r>
+          </a:p>
+        </p:txBody>
+      </p:sp>
+      <p:sp>
+        <p:nvSpPr>
+          <p:cNvPr id="3" name="Inhaltsplatzhalter 2">
+            <a:extLst>
+              <a:ext uri="{FF2B5EF4-FFF2-40B4-BE49-F238E27FC236}">
+                <a16:creationId xmlns:a16="http://schemas.microsoft.com/office/drawing/2014/main" id="{251EB3B4-3669-49D3-932F-01539D345B4B}"/>
+              </a:ext>
+            </a:extLst>
+          </p:cNvPr>
+          <p:cNvSpPr>
+            <a:spLocks noGrp="1"/>
+          </p:cNvSpPr>
+          <p:nvPr>
+            <p:ph idx="1"/>
+          </p:nvPr>
+        </p:nvSpPr>
+        <p:spPr/>
+        <p:txBody>
+          <a:bodyPr/>
+          <a:lstStyle/>
+          <a:p>
+            <a:endParaRPr lang="de-DE"/>
+          </a:p>
+        </p:txBody>
+      </p:sp>
+    </p:spTree>
+    <p:extLst>
+      <p:ext uri="{BB962C8B-B14F-4D97-AF65-F5344CB8AC3E}">
+        <p14:creationId xmlns:p14="http://schemas.microsoft.com/office/powerpoint/2010/main" val="3183764218"/>
+      </p:ext>
+    </p:extLst>
+  </p:cSld>
+  <p:clrMapOvr>
+    <a:masterClrMapping/>
+  </p:clrMapOvr>
+</p:sld>
+</file>
+
+<file path=ppt/slides/slide8.xml><?xml version="1.0" encoding="utf-8"?>
+<p:sld xmlns:a="http://schemas.openxmlformats.org/drawingml/2006/main" xmlns:r="http://schemas.openxmlformats.org/officeDocument/2006/relationships" xmlns:p="http://schemas.openxmlformats.org/presentationml/2006/main">
+  <p:cSld>
+    <p:spTree>
+      <p:nvGrpSpPr>
+        <p:cNvPr id="1" name=""/>
+        <p:cNvGrpSpPr/>
+        <p:nvPr/>
+      </p:nvGrpSpPr>
+      <p:grpSpPr>
+        <a:xfrm>
+          <a:off x="0" y="0"/>
+          <a:ext cx="0" cy="0"/>
+          <a:chOff x="0" y="0"/>
+          <a:chExt cx="0" cy="0"/>
+        </a:xfrm>
+      </p:grpSpPr>
+      <p:sp>
+        <p:nvSpPr>
+          <p:cNvPr id="2" name="Titel 1">
+            <a:extLst>
+              <a:ext uri="{FF2B5EF4-FFF2-40B4-BE49-F238E27FC236}">
+                <a16:creationId xmlns:a16="http://schemas.microsoft.com/office/drawing/2014/main" id="{D22CCE17-A04D-426E-BA15-7395A68094F2}"/>
+              </a:ext>
+            </a:extLst>
+          </p:cNvPr>
+          <p:cNvSpPr>
+            <a:spLocks noGrp="1"/>
+          </p:cNvSpPr>
+          <p:nvPr>
+            <p:ph type="title"/>
+          </p:nvPr>
+        </p:nvSpPr>
+        <p:spPr/>
+        <p:txBody>
+          <a:bodyPr/>
+          <a:lstStyle/>
+          <a:p>
+            <a:r>
+              <a:rPr lang="de-DE" dirty="0"/>
+              <a:t>Problem – MongoDB Replica Set</a:t>
+            </a:r>
+          </a:p>
+        </p:txBody>
+      </p:sp>
+      <p:sp>
+        <p:nvSpPr>
+          <p:cNvPr id="3" name="Inhaltsplatzhalter 2">
+            <a:extLst>
+              <a:ext uri="{FF2B5EF4-FFF2-40B4-BE49-F238E27FC236}">
+                <a16:creationId xmlns:a16="http://schemas.microsoft.com/office/drawing/2014/main" id="{7708C043-7A6F-4911-80B3-3047A55410F3}"/>
+              </a:ext>
+            </a:extLst>
+          </p:cNvPr>
+          <p:cNvSpPr>
+            <a:spLocks noGrp="1"/>
+          </p:cNvSpPr>
+          <p:nvPr>
+            <p:ph idx="1"/>
+          </p:nvPr>
+        </p:nvSpPr>
+        <p:spPr/>
+        <p:txBody>
+          <a:bodyPr/>
+          <a:lstStyle/>
+          <a:p>
+            <a:r>
+              <a:rPr lang="de-DE" dirty="0"/>
+              <a:t>Prisma</a:t>
+            </a:r>
+          </a:p>
+        </p:txBody>
+      </p:sp>
+    </p:spTree>
+    <p:extLst>
+      <p:ext uri="{BB962C8B-B14F-4D97-AF65-F5344CB8AC3E}">
+        <p14:creationId xmlns:p14="http://schemas.microsoft.com/office/powerpoint/2010/main" val="636500374"/>
+      </p:ext>
+    </p:extLst>
+  </p:cSld>
+  <p:clrMapOvr>
+    <a:masterClrMapping/>
+  </p:clrMapOvr>
+</p:sld>
+</file>
+
+<file path=ppt/slides/slide9.xml><?xml version="1.0" encoding="utf-8"?>
+<p:sld xmlns:a="http://schemas.openxmlformats.org/drawingml/2006/main" xmlns:r="http://schemas.openxmlformats.org/officeDocument/2006/relationships" xmlns:p="http://schemas.openxmlformats.org/presentationml/2006/main">
+  <p:cSld>
+    <p:spTree>
+      <p:nvGrpSpPr>
+        <p:cNvPr id="1" name=""/>
+        <p:cNvGrpSpPr/>
+        <p:nvPr/>
+      </p:nvGrpSpPr>
+      <p:grpSpPr>
+        <a:xfrm>
+          <a:off x="0" y="0"/>
+          <a:ext cx="0" cy="0"/>
+          <a:chOff x="0" y="0"/>
+          <a:chExt cx="0" cy="0"/>
+        </a:xfrm>
+      </p:grpSpPr>
+      <p:sp>
+        <p:nvSpPr>
+          <p:cNvPr id="6" name="Titel 1">
+            <a:extLst>
+              <a:ext uri="{FF2B5EF4-FFF2-40B4-BE49-F238E27FC236}">
+                <a16:creationId xmlns:a16="http://schemas.microsoft.com/office/drawing/2014/main" id="{7A03F0C2-5E87-4E49-95DC-35AABDD6F726}"/>
+              </a:ext>
+            </a:extLst>
+          </p:cNvPr>
+          <p:cNvSpPr>
+            <a:spLocks noGrp="1"/>
+          </p:cNvSpPr>
+          <p:nvPr>
+            <p:ph type="title"/>
+          </p:nvPr>
+        </p:nvSpPr>
+        <p:spPr>
+          <a:xfrm>
+            <a:off x="838200" y="365125"/>
+            <a:ext cx="10515600" cy="1325563"/>
+          </a:xfrm>
+        </p:spPr>
+        <p:txBody>
+          <a:bodyPr>
+            <a:normAutofit/>
+          </a:bodyPr>
+          <a:lstStyle/>
+          <a:p>
+            <a:r>
+              <a:rPr lang="de-DE" sz="3600" kern="100" dirty="0">
+                <a:effectLst/>
+                <a:latin typeface="Calibri Light" panose="020F0302020204030204" pitchFamily="34" charset="0"/>
+                <a:ea typeface="Calibri Light" panose="020F0302020204030204" pitchFamily="34" charset="0"/>
+                <a:cs typeface="Calibri Light" panose="020F0302020204030204" pitchFamily="34" charset="0"/>
+              </a:rPr>
+              <a:t>Welche Authentifizierung Möglichkeiten? </a:t>
+            </a:r>
+            <a:endParaRPr lang="de-DE" sz="7200" dirty="0">
+              <a:latin typeface="Calibri Light" panose="020F0302020204030204" pitchFamily="34" charset="0"/>
+              <a:ea typeface="Calibri Light" panose="020F0302020204030204" pitchFamily="34" charset="0"/>
+              <a:cs typeface="Calibri Light" panose="020F0302020204030204" pitchFamily="34" charset="0"/>
+            </a:endParaRPr>
+          </a:p>
+        </p:txBody>
+      </p:sp>
+      <p:sp>
+        <p:nvSpPr>
+          <p:cNvPr id="7" name="Inhaltsplatzhalter 2">
+            <a:extLst>
+              <a:ext uri="{FF2B5EF4-FFF2-40B4-BE49-F238E27FC236}">
+                <a16:creationId xmlns:a16="http://schemas.microsoft.com/office/drawing/2014/main" id="{3DCDDE96-D239-46F3-B00B-12F46DB4A7C3}"/>
+              </a:ext>
+            </a:extLst>
+          </p:cNvPr>
+          <p:cNvSpPr>
+            <a:spLocks noGrp="1"/>
+          </p:cNvSpPr>
+          <p:nvPr>
+            <p:ph idx="1"/>
+          </p:nvPr>
+        </p:nvSpPr>
+        <p:spPr>
+          <a:xfrm>
+            <a:off x="838200" y="1825625"/>
+            <a:ext cx="3466381" cy="2580869"/>
+          </a:xfrm>
+        </p:spPr>
+        <p:txBody>
+          <a:bodyPr>
+            <a:normAutofit fontScale="85000" lnSpcReduction="20000"/>
+          </a:bodyPr>
+          <a:lstStyle/>
+          <a:p>
+            <a:pPr>
+              <a:lnSpc>
+                <a:spcPct val="107000"/>
+              </a:lnSpc>
+              <a:spcAft>
+                <a:spcPts val="800"/>
+              </a:spcAft>
+            </a:pPr>
+            <a:r>
+              <a:rPr lang="en-US" sz="3000" kern="100" dirty="0">
+                <a:effectLst/>
+                <a:latin typeface="Calibri" panose="020F0502020204030204" pitchFamily="34" charset="0"/>
+                <a:ea typeface="Calibri" panose="020F0502020204030204" pitchFamily="34" charset="0"/>
+                <a:cs typeface="Times New Roman" panose="02020603050405020304" pitchFamily="18" charset="0"/>
+              </a:rPr>
+              <a:t>Passport</a:t>
+            </a:r>
+          </a:p>
+          <a:p>
+            <a:pPr>
+              <a:lnSpc>
+                <a:spcPct val="107000"/>
+              </a:lnSpc>
+              <a:spcAft>
+                <a:spcPts val="800"/>
+              </a:spcAft>
+            </a:pPr>
+            <a:endParaRPr lang="en-US" sz="1800" kern="100" dirty="0">
+              <a:effectLst/>
+              <a:latin typeface="Calibri" panose="020F0502020204030204" pitchFamily="34" charset="0"/>
+              <a:ea typeface="Calibri" panose="020F0502020204030204" pitchFamily="34" charset="0"/>
+              <a:cs typeface="Times New Roman" panose="02020603050405020304" pitchFamily="18" charset="0"/>
+            </a:endParaRPr>
+          </a:p>
+          <a:p>
+            <a:pPr>
+              <a:lnSpc>
+                <a:spcPct val="107000"/>
+              </a:lnSpc>
+              <a:spcAft>
+                <a:spcPts val="800"/>
+              </a:spcAft>
+            </a:pPr>
+            <a:r>
+              <a:rPr lang="en-US" kern="100" dirty="0">
+                <a:effectLst/>
+                <a:latin typeface="Calibri" panose="020F0502020204030204" pitchFamily="34" charset="0"/>
+                <a:ea typeface="Calibri" panose="020F0502020204030204" pitchFamily="34" charset="0"/>
+                <a:cs typeface="Times New Roman" panose="02020603050405020304" pitchFamily="18" charset="0"/>
+              </a:rPr>
+              <a:t> </a:t>
+            </a:r>
+            <a:r>
+              <a:rPr lang="en-US" sz="3300" kern="100" dirty="0" err="1">
+                <a:latin typeface="Calibri" panose="020F0502020204030204" pitchFamily="34" charset="0"/>
+                <a:ea typeface="Calibri" panose="020F0502020204030204" pitchFamily="34" charset="0"/>
+                <a:cs typeface="Times New Roman" panose="02020603050405020304" pitchFamily="18" charset="0"/>
+              </a:rPr>
+              <a:t>Keycloak</a:t>
+            </a:r>
+            <a:endParaRPr lang="en-US" kern="100" dirty="0">
+              <a:latin typeface="Calibri" panose="020F0502020204030204" pitchFamily="34" charset="0"/>
+              <a:ea typeface="Calibri" panose="020F0502020204030204" pitchFamily="34" charset="0"/>
+              <a:cs typeface="Times New Roman" panose="02020603050405020304" pitchFamily="18" charset="0"/>
+            </a:endParaRPr>
+          </a:p>
+          <a:p>
+            <a:pPr>
+              <a:lnSpc>
+                <a:spcPct val="107000"/>
+              </a:lnSpc>
+              <a:spcAft>
+                <a:spcPts val="800"/>
+              </a:spcAft>
+            </a:pPr>
+            <a:endParaRPr lang="en-US" sz="1800" kern="100" dirty="0">
+              <a:effectLst/>
+              <a:latin typeface="Calibri" panose="020F0502020204030204" pitchFamily="34" charset="0"/>
+              <a:ea typeface="Calibri" panose="020F0502020204030204" pitchFamily="34" charset="0"/>
+              <a:cs typeface="Times New Roman" panose="02020603050405020304" pitchFamily="18" charset="0"/>
+            </a:endParaRPr>
+          </a:p>
+          <a:p>
+            <a:pPr>
+              <a:lnSpc>
+                <a:spcPct val="107000"/>
+              </a:lnSpc>
+              <a:spcAft>
+                <a:spcPts val="800"/>
+              </a:spcAft>
+            </a:pPr>
+            <a:r>
+              <a:rPr lang="en-US" sz="3100" kern="100" dirty="0" err="1">
+                <a:latin typeface="Calibri" panose="020F0502020204030204" pitchFamily="34" charset="0"/>
+                <a:ea typeface="Calibri" panose="020F0502020204030204" pitchFamily="34" charset="0"/>
+                <a:cs typeface="Times New Roman" panose="02020603050405020304" pitchFamily="18" charset="0"/>
+              </a:rPr>
+              <a:t>Gluu</a:t>
+            </a:r>
+            <a:endParaRPr lang="en-US" sz="1800" kern="100" dirty="0">
+              <a:effectLst/>
+              <a:latin typeface="Calibri" panose="020F0502020204030204" pitchFamily="34" charset="0"/>
+              <a:ea typeface="Calibri" panose="020F0502020204030204" pitchFamily="34" charset="0"/>
+              <a:cs typeface="Times New Roman" panose="02020603050405020304" pitchFamily="18" charset="0"/>
+            </a:endParaRPr>
+          </a:p>
+          <a:p>
+            <a:pPr>
+              <a:lnSpc>
+                <a:spcPct val="107000"/>
+              </a:lnSpc>
+              <a:spcAft>
+                <a:spcPts val="800"/>
+              </a:spcAft>
+            </a:pPr>
+            <a:endParaRPr lang="en-US" sz="1800" kern="100" dirty="0">
+              <a:latin typeface="Calibri" panose="020F0502020204030204" pitchFamily="34" charset="0"/>
+              <a:ea typeface="Calibri" panose="020F0502020204030204" pitchFamily="34" charset="0"/>
+              <a:cs typeface="Times New Roman" panose="02020603050405020304" pitchFamily="18" charset="0"/>
+            </a:endParaRPr>
+          </a:p>
+        </p:txBody>
+      </p:sp>
+      <p:pic>
+        <p:nvPicPr>
+          <p:cNvPr id="8" name="Grafik 7" descr="Ein Bild, das Grafiken, Farbigkeit, Kreis, Grafikdesign enthält.&#10;&#10;Automatisch generierte Beschreibung">
+            <a:extLst>
+              <a:ext uri="{FF2B5EF4-FFF2-40B4-BE49-F238E27FC236}">
+                <a16:creationId xmlns:a16="http://schemas.microsoft.com/office/drawing/2014/main" id="{4723B204-5C4B-4D43-AD92-1FE1457D1B5A}"/>
+              </a:ext>
+            </a:extLst>
+          </p:cNvPr>
+          <p:cNvPicPr>
+            <a:picLocks noChangeAspect="1"/>
+          </p:cNvPicPr>
+          <p:nvPr/>
+        </p:nvPicPr>
+        <p:blipFill>
+          <a:blip r:embed="rId2">
+            <a:extLst>
+              <a:ext uri="{28A0092B-C50C-407E-A947-70E740481C1C}">
+                <a14:useLocalDpi xmlns:a14="http://schemas.microsoft.com/office/drawing/2010/main" val="0"/>
+              </a:ext>
+            </a:extLst>
+          </a:blip>
+          <a:stretch>
+            <a:fillRect/>
+          </a:stretch>
+        </p:blipFill>
+        <p:spPr>
+          <a:xfrm>
+            <a:off x="3095216" y="1825625"/>
+            <a:ext cx="523031" cy="523031"/>
+          </a:xfrm>
+          <a:prstGeom prst="rect">
+            <a:avLst/>
+          </a:prstGeom>
+        </p:spPr>
+      </p:pic>
+      <p:sp>
+        <p:nvSpPr>
+          <p:cNvPr id="9" name="Textfeld 8">
+            <a:extLst>
+              <a:ext uri="{FF2B5EF4-FFF2-40B4-BE49-F238E27FC236}">
+                <a16:creationId xmlns:a16="http://schemas.microsoft.com/office/drawing/2014/main" id="{6E86F10C-4483-48C0-AFAA-B1708A3D75E8}"/>
+              </a:ext>
+            </a:extLst>
+          </p:cNvPr>
+          <p:cNvSpPr txBox="1"/>
+          <p:nvPr/>
+        </p:nvSpPr>
+        <p:spPr>
+          <a:xfrm>
+            <a:off x="5285239" y="1825625"/>
+            <a:ext cx="5900468" cy="2585323"/>
+          </a:xfrm>
+          <a:prstGeom prst="rect">
+            <a:avLst/>
+          </a:prstGeom>
+          <a:noFill/>
+        </p:spPr>
+        <p:txBody>
+          <a:bodyPr wrap="square" rtlCol="0">
+            <a:spAutoFit/>
+          </a:bodyPr>
+          <a:lstStyle/>
+          <a:p>
+            <a:pPr marL="285750" indent="-285750">
+              <a:buFont typeface="Arial" panose="020B0604020202020204" pitchFamily="34" charset="0"/>
+              <a:buChar char="•"/>
+            </a:pPr>
+            <a:r>
+              <a:rPr lang="en-US" sz="2400" kern="100" dirty="0">
+                <a:effectLst/>
+                <a:latin typeface="Calibri" panose="020F0502020204030204" pitchFamily="34" charset="0"/>
+                <a:ea typeface="Calibri" panose="020F0502020204030204" pitchFamily="34" charset="0"/>
+                <a:cs typeface="Times New Roman" panose="02020603050405020304" pitchFamily="18" charset="0"/>
+              </a:rPr>
+              <a:t>Firebase Authentication</a:t>
+            </a:r>
+          </a:p>
+          <a:p>
+            <a:pPr marL="285750" indent="-285750">
+              <a:buFont typeface="Arial" panose="020B0604020202020204" pitchFamily="34" charset="0"/>
+              <a:buChar char="•"/>
+            </a:pPr>
+            <a:endParaRPr lang="en-US" sz="1800" kern="100" dirty="0">
+              <a:effectLst/>
+              <a:latin typeface="Calibri" panose="020F0502020204030204" pitchFamily="34" charset="0"/>
+              <a:ea typeface="Calibri" panose="020F0502020204030204" pitchFamily="34" charset="0"/>
+              <a:cs typeface="Times New Roman" panose="02020603050405020304" pitchFamily="18" charset="0"/>
+            </a:endParaRPr>
+          </a:p>
+          <a:p>
+            <a:endParaRPr lang="en-US" kern="100" dirty="0">
+              <a:latin typeface="Calibri" panose="020F0502020204030204" pitchFamily="34" charset="0"/>
+              <a:ea typeface="Calibri" panose="020F0502020204030204" pitchFamily="34" charset="0"/>
+              <a:cs typeface="Times New Roman" panose="02020603050405020304" pitchFamily="18" charset="0"/>
+            </a:endParaRPr>
+          </a:p>
+          <a:p>
+            <a:pPr marL="285750" indent="-285750">
+              <a:buFont typeface="Arial" panose="020B0604020202020204" pitchFamily="34" charset="0"/>
+              <a:buChar char="•"/>
+            </a:pPr>
+            <a:r>
+              <a:rPr lang="en-US" sz="2400" kern="100" dirty="0">
+                <a:effectLst/>
+                <a:latin typeface="Calibri" panose="020F0502020204030204" pitchFamily="34" charset="0"/>
+                <a:ea typeface="Calibri" panose="020F0502020204030204" pitchFamily="34" charset="0"/>
+                <a:cs typeface="Times New Roman" panose="02020603050405020304" pitchFamily="18" charset="0"/>
+              </a:rPr>
+              <a:t>Okta</a:t>
+            </a:r>
+          </a:p>
+          <a:p>
+            <a:pPr marL="285750" indent="-285750">
+              <a:buFont typeface="Arial" panose="020B0604020202020204" pitchFamily="34" charset="0"/>
+              <a:buChar char="•"/>
+            </a:pPr>
+            <a:endParaRPr lang="en-US" sz="1800" kern="100" dirty="0">
+              <a:effectLst/>
+              <a:latin typeface="Calibri" panose="020F0502020204030204" pitchFamily="34" charset="0"/>
+              <a:ea typeface="Calibri" panose="020F0502020204030204" pitchFamily="34" charset="0"/>
+              <a:cs typeface="Times New Roman" panose="02020603050405020304" pitchFamily="18" charset="0"/>
+            </a:endParaRPr>
+          </a:p>
+          <a:p>
+            <a:pPr marL="285750" indent="-285750">
+              <a:buFont typeface="Arial" panose="020B0604020202020204" pitchFamily="34" charset="0"/>
+              <a:buChar char="•"/>
+            </a:pPr>
+            <a:endParaRPr lang="en-US" kern="100" dirty="0">
+              <a:latin typeface="Calibri" panose="020F0502020204030204" pitchFamily="34" charset="0"/>
+              <a:ea typeface="Calibri" panose="020F0502020204030204" pitchFamily="34" charset="0"/>
+              <a:cs typeface="Times New Roman" panose="02020603050405020304" pitchFamily="18" charset="0"/>
+            </a:endParaRPr>
+          </a:p>
+          <a:p>
+            <a:pPr marL="285750" indent="-285750">
+              <a:buFont typeface="Arial" panose="020B0604020202020204" pitchFamily="34" charset="0"/>
+              <a:buChar char="•"/>
+            </a:pPr>
+            <a:r>
+              <a:rPr lang="en-US" sz="2400" kern="100" dirty="0" err="1">
+                <a:effectLst/>
+                <a:latin typeface="Calibri" panose="020F0502020204030204" pitchFamily="34" charset="0"/>
+                <a:ea typeface="Calibri" panose="020F0502020204030204" pitchFamily="34" charset="0"/>
+                <a:cs typeface="Times New Roman" panose="02020603050405020304" pitchFamily="18" charset="0"/>
+              </a:rPr>
+              <a:t>NextAuth</a:t>
+            </a:r>
+            <a:endParaRPr lang="en-US" sz="2400" kern="100" dirty="0">
+              <a:effectLst/>
+              <a:latin typeface="Calibri" panose="020F0502020204030204" pitchFamily="34" charset="0"/>
+              <a:ea typeface="Calibri" panose="020F0502020204030204" pitchFamily="34" charset="0"/>
+              <a:cs typeface="Times New Roman" panose="02020603050405020304" pitchFamily="18" charset="0"/>
+            </a:endParaRPr>
+          </a:p>
+          <a:p>
+            <a:endParaRPr lang="de-DE" dirty="0"/>
+          </a:p>
+        </p:txBody>
+      </p:sp>
+      <p:pic>
+        <p:nvPicPr>
+          <p:cNvPr id="10" name="Grafik 9" descr="Ein Bild, das Logo, Grafiken, Design, Screenshot enthält.&#10;&#10;Automatisch generierte Beschreibung">
+            <a:extLst>
+              <a:ext uri="{FF2B5EF4-FFF2-40B4-BE49-F238E27FC236}">
+                <a16:creationId xmlns:a16="http://schemas.microsoft.com/office/drawing/2014/main" id="{15B41B4A-39CF-4A64-902E-9E0F1D191527}"/>
+              </a:ext>
+            </a:extLst>
+          </p:cNvPr>
+          <p:cNvPicPr>
+            <a:picLocks noChangeAspect="1"/>
+          </p:cNvPicPr>
+          <p:nvPr/>
+        </p:nvPicPr>
+        <p:blipFill>
+          <a:blip r:embed="rId3">
+            <a:extLst>
+              <a:ext uri="{28A0092B-C50C-407E-A947-70E740481C1C}">
+                <a14:useLocalDpi xmlns:a14="http://schemas.microsoft.com/office/drawing/2010/main" val="0"/>
+              </a:ext>
+            </a:extLst>
+          </a:blip>
+          <a:stretch>
+            <a:fillRect/>
+          </a:stretch>
+        </p:blipFill>
+        <p:spPr>
+          <a:xfrm>
+            <a:off x="2786994" y="2585597"/>
+            <a:ext cx="1169071" cy="779381"/>
+          </a:xfrm>
+          <a:prstGeom prst="rect">
+            <a:avLst/>
+          </a:prstGeom>
+        </p:spPr>
+      </p:pic>
+      <p:pic>
+        <p:nvPicPr>
+          <p:cNvPr id="11" name="Grafik 10" descr="Ein Bild, das Schrift, Logo, Grafiken, Symbol enthält.&#10;&#10;Automatisch generierte Beschreibung">
+            <a:extLst>
+              <a:ext uri="{FF2B5EF4-FFF2-40B4-BE49-F238E27FC236}">
+                <a16:creationId xmlns:a16="http://schemas.microsoft.com/office/drawing/2014/main" id="{3DDAB5E3-CFBC-4BD8-A147-AB19C02268B1}"/>
+              </a:ext>
+            </a:extLst>
+          </p:cNvPr>
+          <p:cNvPicPr>
+            <a:picLocks noChangeAspect="1"/>
+          </p:cNvPicPr>
+          <p:nvPr/>
+        </p:nvPicPr>
+        <p:blipFill>
+          <a:blip r:embed="rId4">
+            <a:extLst>
+              <a:ext uri="{28A0092B-C50C-407E-A947-70E740481C1C}">
+                <a14:useLocalDpi xmlns:a14="http://schemas.microsoft.com/office/drawing/2010/main" val="0"/>
+              </a:ext>
+            </a:extLst>
+          </a:blip>
+          <a:stretch>
+            <a:fillRect/>
+          </a:stretch>
+        </p:blipFill>
+        <p:spPr>
+          <a:xfrm>
+            <a:off x="2702250" y="3809196"/>
+            <a:ext cx="1338557" cy="522000"/>
+          </a:xfrm>
+          <a:prstGeom prst="rect">
+            <a:avLst/>
+          </a:prstGeom>
+        </p:spPr>
+      </p:pic>
+      <p:pic>
+        <p:nvPicPr>
+          <p:cNvPr id="12" name="Grafik 11" descr="Ein Bild, das Logo, Schrift, Grafiken, Text enthält.&#10;&#10;Automatisch generierte Beschreibung">
+            <a:extLst>
+              <a:ext uri="{FF2B5EF4-FFF2-40B4-BE49-F238E27FC236}">
+                <a16:creationId xmlns:a16="http://schemas.microsoft.com/office/drawing/2014/main" id="{4B8E4B10-B114-4D1D-B8FF-F58A9B859024}"/>
+              </a:ext>
+            </a:extLst>
+          </p:cNvPr>
+          <p:cNvPicPr>
+            <a:picLocks noChangeAspect="1"/>
+          </p:cNvPicPr>
+          <p:nvPr/>
+        </p:nvPicPr>
+        <p:blipFill>
+          <a:blip r:embed="rId5">
+            <a:extLst>
+              <a:ext uri="{28A0092B-C50C-407E-A947-70E740481C1C}">
+                <a14:useLocalDpi xmlns:a14="http://schemas.microsoft.com/office/drawing/2010/main" val="0"/>
+              </a:ext>
+            </a:extLst>
+          </a:blip>
+          <a:stretch>
+            <a:fillRect/>
+          </a:stretch>
+        </p:blipFill>
+        <p:spPr>
+          <a:xfrm>
+            <a:off x="9127480" y="1667633"/>
+            <a:ext cx="674730" cy="674730"/>
+          </a:xfrm>
+          <a:prstGeom prst="rect">
+            <a:avLst/>
+          </a:prstGeom>
+        </p:spPr>
+      </p:pic>
+      <p:pic>
+        <p:nvPicPr>
+          <p:cNvPr id="13" name="Grafik 12" descr="Ein Bild, das Schrift, Grafiken, Logo, Grafikdesign enthält.&#10;&#10;Automatisch generierte Beschreibung">
+            <a:extLst>
+              <a:ext uri="{FF2B5EF4-FFF2-40B4-BE49-F238E27FC236}">
+                <a16:creationId xmlns:a16="http://schemas.microsoft.com/office/drawing/2014/main" id="{21CC9AB3-0DFA-4546-83B2-EC8C3DB782CB}"/>
+              </a:ext>
+            </a:extLst>
+          </p:cNvPr>
+          <p:cNvPicPr>
+            <a:picLocks noChangeAspect="1"/>
+          </p:cNvPicPr>
+          <p:nvPr/>
+        </p:nvPicPr>
+        <p:blipFill>
+          <a:blip r:embed="rId6">
+            <a:extLst>
+              <a:ext uri="{28A0092B-C50C-407E-A947-70E740481C1C}">
+                <a14:useLocalDpi xmlns:a14="http://schemas.microsoft.com/office/drawing/2010/main" val="0"/>
+              </a:ext>
+            </a:extLst>
+          </a:blip>
+          <a:stretch>
+            <a:fillRect/>
+          </a:stretch>
+        </p:blipFill>
+        <p:spPr>
+          <a:xfrm>
+            <a:off x="8894439" y="2632247"/>
+            <a:ext cx="1349459" cy="522000"/>
+          </a:xfrm>
+          <a:prstGeom prst="rect">
+            <a:avLst/>
+          </a:prstGeom>
+        </p:spPr>
+      </p:pic>
+      <p:pic>
+        <p:nvPicPr>
+          <p:cNvPr id="14" name="Grafik 13" descr="Ein Bild, das Grafiken, Clipart, Cartoon enthält.&#10;&#10;Automatisch generierte Beschreibung">
+            <a:extLst>
+              <a:ext uri="{FF2B5EF4-FFF2-40B4-BE49-F238E27FC236}">
+                <a16:creationId xmlns:a16="http://schemas.microsoft.com/office/drawing/2014/main" id="{47A5FA6A-55B1-4042-B7E6-691C462EA45D}"/>
+              </a:ext>
+            </a:extLst>
+          </p:cNvPr>
+          <p:cNvPicPr>
+            <a:picLocks noChangeAspect="1"/>
+          </p:cNvPicPr>
+          <p:nvPr/>
+        </p:nvPicPr>
+        <p:blipFill>
+          <a:blip r:embed="rId7">
+            <a:extLst>
+              <a:ext uri="{28A0092B-C50C-407E-A947-70E740481C1C}">
+                <a14:useLocalDpi xmlns:a14="http://schemas.microsoft.com/office/drawing/2010/main" val="0"/>
+              </a:ext>
+            </a:extLst>
+          </a:blip>
+          <a:stretch>
+            <a:fillRect/>
+          </a:stretch>
+        </p:blipFill>
+        <p:spPr>
+          <a:xfrm>
+            <a:off x="9213057" y="3544922"/>
+            <a:ext cx="712221" cy="786274"/>
+          </a:xfrm>
+          <a:prstGeom prst="rect">
+            <a:avLst/>
+          </a:prstGeom>
+        </p:spPr>
+      </p:pic>
+    </p:spTree>
+    <p:extLst>
+      <p:ext uri="{BB962C8B-B14F-4D97-AF65-F5344CB8AC3E}">
+        <p14:creationId xmlns:p14="http://schemas.microsoft.com/office/powerpoint/2010/main" val="2485493297"/>
       </p:ext>
     </p:extLst>
   </p:cSld>

--- a/presentation/realtime.pptx
+++ b/presentation/realtime.pptx
@@ -15,10 +15,18 @@
     <p:sldId id="268" r:id="rId9"/>
     <p:sldId id="265" r:id="rId10"/>
     <p:sldId id="266" r:id="rId11"/>
-    <p:sldId id="267" r:id="rId12"/>
-    <p:sldId id="269" r:id="rId13"/>
-    <p:sldId id="260" r:id="rId14"/>
-    <p:sldId id="261" r:id="rId15"/>
+    <p:sldId id="270" r:id="rId12"/>
+    <p:sldId id="267" r:id="rId13"/>
+    <p:sldId id="271" r:id="rId14"/>
+    <p:sldId id="272" r:id="rId15"/>
+    <p:sldId id="273" r:id="rId16"/>
+    <p:sldId id="274" r:id="rId17"/>
+    <p:sldId id="275" r:id="rId18"/>
+    <p:sldId id="276" r:id="rId19"/>
+    <p:sldId id="277" r:id="rId20"/>
+    <p:sldId id="269" r:id="rId21"/>
+    <p:sldId id="260" r:id="rId22"/>
+    <p:sldId id="261" r:id="rId23"/>
   </p:sldIdLst>
   <p:sldSz cx="12192000" cy="6858000"/>
   <p:notesSz cx="6858000" cy="9144000"/>
@@ -416,7 +424,7 @@
           <a:p>
             <a:fld id="{680EDF76-756C-4928-9A7E-4F1260BA48A9}" type="datetimeFigureOut">
               <a:rPr lang="de-DE" smtClean="0"/>
-              <a:t>02.07.2023</a:t>
+              <a:t>04.07.2023</a:t>
             </a:fld>
             <a:endParaRPr lang="de-DE"/>
           </a:p>
@@ -614,7 +622,7 @@
           <a:p>
             <a:fld id="{680EDF76-756C-4928-9A7E-4F1260BA48A9}" type="datetimeFigureOut">
               <a:rPr lang="de-DE" smtClean="0"/>
-              <a:t>02.07.2023</a:t>
+              <a:t>04.07.2023</a:t>
             </a:fld>
             <a:endParaRPr lang="de-DE"/>
           </a:p>
@@ -822,7 +830,7 @@
           <a:p>
             <a:fld id="{680EDF76-756C-4928-9A7E-4F1260BA48A9}" type="datetimeFigureOut">
               <a:rPr lang="de-DE" smtClean="0"/>
-              <a:t>02.07.2023</a:t>
+              <a:t>04.07.2023</a:t>
             </a:fld>
             <a:endParaRPr lang="de-DE"/>
           </a:p>
@@ -1020,7 +1028,7 @@
           <a:p>
             <a:fld id="{680EDF76-756C-4928-9A7E-4F1260BA48A9}" type="datetimeFigureOut">
               <a:rPr lang="de-DE" smtClean="0"/>
-              <a:t>02.07.2023</a:t>
+              <a:t>04.07.2023</a:t>
             </a:fld>
             <a:endParaRPr lang="de-DE"/>
           </a:p>
@@ -1295,7 +1303,7 @@
           <a:p>
             <a:fld id="{680EDF76-756C-4928-9A7E-4F1260BA48A9}" type="datetimeFigureOut">
               <a:rPr lang="de-DE" smtClean="0"/>
-              <a:t>02.07.2023</a:t>
+              <a:t>04.07.2023</a:t>
             </a:fld>
             <a:endParaRPr lang="de-DE"/>
           </a:p>
@@ -1560,7 +1568,7 @@
           <a:p>
             <a:fld id="{680EDF76-756C-4928-9A7E-4F1260BA48A9}" type="datetimeFigureOut">
               <a:rPr lang="de-DE" smtClean="0"/>
-              <a:t>02.07.2023</a:t>
+              <a:t>04.07.2023</a:t>
             </a:fld>
             <a:endParaRPr lang="de-DE"/>
           </a:p>
@@ -1972,7 +1980,7 @@
           <a:p>
             <a:fld id="{680EDF76-756C-4928-9A7E-4F1260BA48A9}" type="datetimeFigureOut">
               <a:rPr lang="de-DE" smtClean="0"/>
-              <a:t>02.07.2023</a:t>
+              <a:t>04.07.2023</a:t>
             </a:fld>
             <a:endParaRPr lang="de-DE"/>
           </a:p>
@@ -2113,7 +2121,7 @@
           <a:p>
             <a:fld id="{680EDF76-756C-4928-9A7E-4F1260BA48A9}" type="datetimeFigureOut">
               <a:rPr lang="de-DE" smtClean="0"/>
-              <a:t>02.07.2023</a:t>
+              <a:t>04.07.2023</a:t>
             </a:fld>
             <a:endParaRPr lang="de-DE"/>
           </a:p>
@@ -2226,7 +2234,7 @@
           <a:p>
             <a:fld id="{680EDF76-756C-4928-9A7E-4F1260BA48A9}" type="datetimeFigureOut">
               <a:rPr lang="de-DE" smtClean="0"/>
-              <a:t>02.07.2023</a:t>
+              <a:t>04.07.2023</a:t>
             </a:fld>
             <a:endParaRPr lang="de-DE"/>
           </a:p>
@@ -2537,7 +2545,7 @@
           <a:p>
             <a:fld id="{680EDF76-756C-4928-9A7E-4F1260BA48A9}" type="datetimeFigureOut">
               <a:rPr lang="de-DE" smtClean="0"/>
-              <a:t>02.07.2023</a:t>
+              <a:t>04.07.2023</a:t>
             </a:fld>
             <a:endParaRPr lang="de-DE"/>
           </a:p>
@@ -2825,7 +2833,7 @@
           <a:p>
             <a:fld id="{680EDF76-756C-4928-9A7E-4F1260BA48A9}" type="datetimeFigureOut">
               <a:rPr lang="de-DE" smtClean="0"/>
-              <a:t>02.07.2023</a:t>
+              <a:t>04.07.2023</a:t>
             </a:fld>
             <a:endParaRPr lang="de-DE"/>
           </a:p>
@@ -3066,7 +3074,7 @@
           <a:p>
             <a:fld id="{680EDF76-756C-4928-9A7E-4F1260BA48A9}" type="datetimeFigureOut">
               <a:rPr lang="de-DE" smtClean="0"/>
-              <a:t>02.07.2023</a:t>
+              <a:t>04.07.2023</a:t>
             </a:fld>
             <a:endParaRPr lang="de-DE"/>
           </a:p>
@@ -3917,10 +3925,10 @@
       </p:grpSpPr>
       <p:sp>
         <p:nvSpPr>
-          <p:cNvPr id="2" name="Titel 1">
-            <a:extLst>
-              <a:ext uri="{FF2B5EF4-FFF2-40B4-BE49-F238E27FC236}">
-                <a16:creationId xmlns:a16="http://schemas.microsoft.com/office/drawing/2014/main" id="{70C9498B-1CE4-4177-9B0F-74AF2F47544B}"/>
+          <p:cNvPr id="4" name="Titel 1">
+            <a:extLst>
+              <a:ext uri="{FF2B5EF4-FFF2-40B4-BE49-F238E27FC236}">
+                <a16:creationId xmlns:a16="http://schemas.microsoft.com/office/drawing/2014/main" id="{3BF8853C-E248-49F1-8791-2184E74CC968}"/>
               </a:ext>
             </a:extLst>
           </p:cNvPr>
@@ -3931,30 +3939,75 @@
             <p:ph type="title"/>
           </p:nvPr>
         </p:nvSpPr>
-        <p:spPr/>
-        <p:txBody>
-          <a:bodyPr/>
+        <p:spPr>
+          <a:xfrm>
+            <a:off x="838200" y="365125"/>
+            <a:ext cx="10515600" cy="1325563"/>
+          </a:xfrm>
+        </p:spPr>
+        <p:txBody>
+          <a:bodyPr>
+            <a:normAutofit/>
+          </a:bodyPr>
           <a:lstStyle/>
           <a:p>
             <a:r>
-              <a:rPr lang="de-DE" sz="4400" kern="100" dirty="0">
-                <a:effectLst/>
-                <a:latin typeface="Calibri Light" panose="020F0302020204030204" pitchFamily="34" charset="0"/>
-                <a:ea typeface="Calibri Light" panose="020F0302020204030204" pitchFamily="34" charset="0"/>
-                <a:cs typeface="Calibri Light" panose="020F0302020204030204" pitchFamily="34" charset="0"/>
-              </a:rPr>
-              <a:t>Problem - Persistieren von externen Usern</a:t>
-            </a:r>
-            <a:endParaRPr lang="de-DE" dirty="0"/>
-          </a:p>
-        </p:txBody>
-      </p:sp>
-      <p:sp>
-        <p:nvSpPr>
-          <p:cNvPr id="3" name="Inhaltsplatzhalter 2">
-            <a:extLst>
-              <a:ext uri="{FF2B5EF4-FFF2-40B4-BE49-F238E27FC236}">
-                <a16:creationId xmlns:a16="http://schemas.microsoft.com/office/drawing/2014/main" id="{328174F8-C984-4B2E-A3A3-52E3366385D6}"/>
+              <a:rPr lang="de-DE" sz="3600" dirty="0"/>
+              <a:t>Wie wird </a:t>
+            </a:r>
+            <a:r>
+              <a:rPr lang="de-DE" sz="3600" dirty="0" err="1"/>
+              <a:t>NextAuth</a:t>
+            </a:r>
+            <a:r>
+              <a:rPr lang="de-DE" sz="3600" dirty="0"/>
+              <a:t> implementiert?</a:t>
+            </a:r>
+          </a:p>
+        </p:txBody>
+      </p:sp>
+      <p:pic>
+        <p:nvPicPr>
+          <p:cNvPr id="5" name="Grafik 4" descr="Ein Bild, das Grafiken, Clipart, Cartoon enthält.&#10;&#10;Automatisch generierte Beschreibung">
+            <a:extLst>
+              <a:ext uri="{FF2B5EF4-FFF2-40B4-BE49-F238E27FC236}">
+                <a16:creationId xmlns:a16="http://schemas.microsoft.com/office/drawing/2014/main" id="{58378D1E-0CFA-4B2C-A419-02DADE4899EF}"/>
+              </a:ext>
+            </a:extLst>
+          </p:cNvPr>
+          <p:cNvPicPr>
+            <a:picLocks noChangeAspect="1"/>
+          </p:cNvPicPr>
+          <p:nvPr/>
+        </p:nvPicPr>
+        <p:blipFill>
+          <a:blip r:embed="rId2">
+            <a:extLst>
+              <a:ext uri="{28A0092B-C50C-407E-A947-70E740481C1C}">
+                <a14:useLocalDpi xmlns:a14="http://schemas.microsoft.com/office/drawing/2010/main" val="0"/>
+              </a:ext>
+            </a:extLst>
+          </a:blip>
+          <a:stretch>
+            <a:fillRect/>
+          </a:stretch>
+        </p:blipFill>
+        <p:spPr>
+          <a:xfrm>
+            <a:off x="10913084" y="186606"/>
+            <a:ext cx="881432" cy="973079"/>
+          </a:xfrm>
+          <a:prstGeom prst="rect">
+            <a:avLst/>
+          </a:prstGeom>
+        </p:spPr>
+      </p:pic>
+      <p:sp>
+        <p:nvSpPr>
+          <p:cNvPr id="6" name="Inhaltsplatzhalter 11">
+            <a:extLst>
+              <a:ext uri="{FF2B5EF4-FFF2-40B4-BE49-F238E27FC236}">
+                <a16:creationId xmlns:a16="http://schemas.microsoft.com/office/drawing/2014/main" id="{EE73AA26-9539-415C-AC14-A767087F7C11}"/>
               </a:ext>
             </a:extLst>
           </p:cNvPr>
@@ -3965,111 +4018,293 @@
             <p:ph idx="1"/>
           </p:nvPr>
         </p:nvSpPr>
-        <p:spPr/>
-        <p:txBody>
-          <a:bodyPr/>
+        <p:spPr>
+          <a:xfrm>
+            <a:off x="838200" y="1751162"/>
+            <a:ext cx="10515600" cy="4425801"/>
+          </a:xfrm>
+          <a:effectLst>
+            <a:softEdge rad="127000"/>
+          </a:effectLst>
+        </p:spPr>
+        <p:txBody>
+          <a:bodyPr>
+            <a:normAutofit/>
+          </a:bodyPr>
           <a:lstStyle/>
           <a:p>
-            <a:pPr marL="0" indent="0">
-              <a:lnSpc>
-                <a:spcPct val="107000"/>
-              </a:lnSpc>
-              <a:spcAft>
-                <a:spcPts val="800"/>
-              </a:spcAft>
-              <a:buNone/>
-            </a:pPr>
-            <a:r>
-              <a:rPr lang="de-DE" sz="1800" kern="100" dirty="0">
-                <a:effectLst/>
-                <a:ea typeface="Calibri" panose="020F0502020204030204" pitchFamily="34" charset="0"/>
-                <a:cs typeface="Times New Roman" panose="02020603050405020304" pitchFamily="18" charset="0"/>
-              </a:rPr>
-              <a:t>Warum?</a:t>
-            </a:r>
-          </a:p>
-          <a:p>
-            <a:pPr>
-              <a:lnSpc>
-                <a:spcPct val="107000"/>
-              </a:lnSpc>
-              <a:spcAft>
-                <a:spcPts val="800"/>
-              </a:spcAft>
-            </a:pPr>
-            <a:r>
-              <a:rPr lang="de-DE" sz="1800" kern="100" dirty="0">
-                <a:effectLst/>
-                <a:ea typeface="Calibri" panose="020F0502020204030204" pitchFamily="34" charset="0"/>
-                <a:cs typeface="Times New Roman" panose="02020603050405020304" pitchFamily="18" charset="0"/>
-              </a:rPr>
-              <a:t>Benutzerverwaltung</a:t>
-            </a:r>
-          </a:p>
-          <a:p>
-            <a:pPr>
-              <a:lnSpc>
-                <a:spcPct val="107000"/>
-              </a:lnSpc>
-            </a:pPr>
-            <a:r>
-              <a:rPr lang="de-DE" sz="1800" kern="100" dirty="0">
-                <a:effectLst/>
-                <a:ea typeface="Calibri" panose="020F0502020204030204" pitchFamily="34" charset="0"/>
-                <a:cs typeface="Times New Roman" panose="02020603050405020304" pitchFamily="18" charset="0"/>
-              </a:rPr>
-              <a:t>Sitzungsverwaltung</a:t>
-            </a:r>
-          </a:p>
-          <a:p>
-            <a:pPr>
-              <a:lnSpc>
-                <a:spcPct val="107000"/>
-              </a:lnSpc>
-              <a:spcAft>
-                <a:spcPts val="800"/>
-              </a:spcAft>
-            </a:pPr>
-            <a:r>
-              <a:rPr lang="de-DE" sz="1800" kern="100" dirty="0">
-                <a:effectLst/>
-                <a:ea typeface="Calibri" panose="020F0502020204030204" pitchFamily="34" charset="0"/>
-                <a:cs typeface="Times New Roman" panose="02020603050405020304" pitchFamily="18" charset="0"/>
-              </a:rPr>
-              <a:t>Personalisierung</a:t>
-            </a:r>
+            <a:r>
+              <a:rPr lang="de-DE" sz="1600" dirty="0"/>
+              <a:t>Next.js erkennt die Ordnerstruktur</a:t>
+            </a:r>
+          </a:p>
+          <a:p>
+            <a:endParaRPr lang="de-DE" sz="1600" dirty="0"/>
+          </a:p>
+          <a:p>
+            <a:endParaRPr lang="de-DE" sz="1600" dirty="0"/>
+          </a:p>
+          <a:p>
+            <a:r>
+              <a:rPr lang="de-DE" sz="1600" dirty="0"/>
+              <a:t> </a:t>
+            </a:r>
+            <a:r>
+              <a:rPr lang="de-DE" sz="1600" dirty="0" err="1"/>
+              <a:t>route.ts</a:t>
+            </a:r>
+            <a:r>
+              <a:rPr lang="de-DE" sz="1600" dirty="0"/>
+              <a:t> importiert die </a:t>
+            </a:r>
+            <a:r>
+              <a:rPr lang="de-DE" sz="1600" dirty="0" err="1"/>
+              <a:t>authOptions.ts</a:t>
+            </a:r>
+            <a:endParaRPr lang="de-DE" sz="1600" dirty="0"/>
+          </a:p>
+          <a:p>
+            <a:endParaRPr lang="de-DE" sz="1600" dirty="0"/>
+          </a:p>
+          <a:p>
+            <a:endParaRPr lang="de-DE" sz="1600" dirty="0"/>
+          </a:p>
+          <a:p>
+            <a:r>
+              <a:rPr lang="de-DE" sz="1600" dirty="0" err="1"/>
+              <a:t>authOptions.ts</a:t>
+            </a:r>
+            <a:endParaRPr lang="de-DE" sz="1600" dirty="0"/>
           </a:p>
           <a:p>
             <a:pPr marL="0" indent="0">
               <a:buNone/>
             </a:pPr>
-            <a:r>
-              <a:rPr lang="de-DE" sz="1800" dirty="0"/>
-              <a:t>Wie?</a:t>
+            <a:endParaRPr lang="de-DE" sz="1600" dirty="0"/>
+          </a:p>
+          <a:p>
+            <a:r>
+              <a:rPr lang="de-DE" sz="1600" dirty="0"/>
+              <a:t> Provider einbinden</a:t>
             </a:r>
           </a:p>
           <a:p>
             <a:pPr marL="0" indent="0">
               <a:buNone/>
             </a:pPr>
-            <a:r>
-              <a:rPr lang="de-DE" sz="1800" dirty="0" err="1"/>
-              <a:t>NextAuth</a:t>
-            </a:r>
-            <a:r>
-              <a:rPr lang="de-DE" sz="1800" dirty="0"/>
-              <a:t> stellt Adapter für unterschiedliche Datenbanken zur Verfügung</a:t>
-            </a:r>
-          </a:p>
-          <a:p>
-            <a:endParaRPr lang="de-DE" dirty="0"/>
-          </a:p>
-        </p:txBody>
-      </p:sp>
+            <a:endParaRPr lang="de-DE" sz="1600" dirty="0"/>
+          </a:p>
+          <a:p>
+            <a:r>
+              <a:rPr lang="de-DE" sz="1600" dirty="0"/>
+              <a:t>Provider Array </a:t>
+            </a:r>
+          </a:p>
+          <a:p>
+            <a:endParaRPr lang="de-DE" sz="1600" dirty="0"/>
+          </a:p>
+          <a:p>
+            <a:endParaRPr lang="de-DE" sz="1600" dirty="0"/>
+          </a:p>
+          <a:p>
+            <a:endParaRPr lang="de-DE" sz="1600" dirty="0"/>
+          </a:p>
+          <a:p>
+            <a:endParaRPr lang="de-DE" sz="1600" dirty="0"/>
+          </a:p>
+          <a:p>
+            <a:endParaRPr lang="de-DE" sz="1600" dirty="0"/>
+          </a:p>
+          <a:p>
+            <a:endParaRPr lang="de-DE" sz="1600" dirty="0"/>
+          </a:p>
+        </p:txBody>
+      </p:sp>
+      <p:pic>
+        <p:nvPicPr>
+          <p:cNvPr id="7" name="Grafik 6" descr="Ein Bild, das Text, Screenshot, Schrift enthält.&#10;&#10;Automatisch generierte Beschreibung">
+            <a:extLst>
+              <a:ext uri="{FF2B5EF4-FFF2-40B4-BE49-F238E27FC236}">
+                <a16:creationId xmlns:a16="http://schemas.microsoft.com/office/drawing/2014/main" id="{08195441-8F0E-46C3-8114-8A78BBD85436}"/>
+              </a:ext>
+            </a:extLst>
+          </p:cNvPr>
+          <p:cNvPicPr>
+            <a:picLocks noChangeAspect="1"/>
+          </p:cNvPicPr>
+          <p:nvPr/>
+        </p:nvPicPr>
+        <p:blipFill rotWithShape="1">
+          <a:blip r:embed="rId3">
+            <a:extLst>
+              <a:ext uri="{28A0092B-C50C-407E-A947-70E740481C1C}">
+                <a14:useLocalDpi xmlns:a14="http://schemas.microsoft.com/office/drawing/2010/main" val="0"/>
+              </a:ext>
+            </a:extLst>
+          </a:blip>
+          <a:srcRect l="10878" r="-234" b="55727"/>
+          <a:stretch/>
+        </p:blipFill>
+        <p:spPr>
+          <a:xfrm>
+            <a:off x="4960941" y="4448191"/>
+            <a:ext cx="3306157" cy="700258"/>
+          </a:xfrm>
+          <a:prstGeom prst="rect">
+            <a:avLst/>
+          </a:prstGeom>
+        </p:spPr>
+      </p:pic>
+      <p:pic>
+        <p:nvPicPr>
+          <p:cNvPr id="8" name="Grafik 7" descr="Ein Bild, das Text, Screenshot, Schrift, Design enthält.&#10;&#10;Automatisch generierte Beschreibung">
+            <a:extLst>
+              <a:ext uri="{FF2B5EF4-FFF2-40B4-BE49-F238E27FC236}">
+                <a16:creationId xmlns:a16="http://schemas.microsoft.com/office/drawing/2014/main" id="{42E7EAC4-F9FF-4C65-899B-0F65BE6B20CD}"/>
+              </a:ext>
+            </a:extLst>
+          </p:cNvPr>
+          <p:cNvPicPr>
+            <a:picLocks noChangeAspect="1"/>
+          </p:cNvPicPr>
+          <p:nvPr/>
+        </p:nvPicPr>
+        <p:blipFill>
+          <a:blip r:embed="rId4">
+            <a:extLst>
+              <a:ext uri="{28A0092B-C50C-407E-A947-70E740481C1C}">
+                <a14:useLocalDpi xmlns:a14="http://schemas.microsoft.com/office/drawing/2010/main" val="0"/>
+              </a:ext>
+            </a:extLst>
+          </a:blip>
+          <a:stretch>
+            <a:fillRect/>
+          </a:stretch>
+        </p:blipFill>
+        <p:spPr>
+          <a:xfrm>
+            <a:off x="4960942" y="3715987"/>
+            <a:ext cx="3306156" cy="585300"/>
+          </a:xfrm>
+          <a:prstGeom prst="rect">
+            <a:avLst/>
+          </a:prstGeom>
+          <a:effectLst>
+            <a:softEdge rad="12700"/>
+          </a:effectLst>
+        </p:spPr>
+      </p:pic>
+      <p:pic>
+        <p:nvPicPr>
+          <p:cNvPr id="9" name="Grafik 8">
+            <a:extLst>
+              <a:ext uri="{FF2B5EF4-FFF2-40B4-BE49-F238E27FC236}">
+                <a16:creationId xmlns:a16="http://schemas.microsoft.com/office/drawing/2014/main" id="{5B3663D0-46B1-4AFD-9D12-9BE2647EA7F1}"/>
+              </a:ext>
+            </a:extLst>
+          </p:cNvPr>
+          <p:cNvPicPr>
+            <a:picLocks noChangeAspect="1"/>
+          </p:cNvPicPr>
+          <p:nvPr/>
+        </p:nvPicPr>
+        <p:blipFill>
+          <a:blip r:embed="rId5">
+            <a:extLst>
+              <a:ext uri="{28A0092B-C50C-407E-A947-70E740481C1C}">
+                <a14:useLocalDpi xmlns:a14="http://schemas.microsoft.com/office/drawing/2010/main" val="0"/>
+              </a:ext>
+            </a:extLst>
+          </a:blip>
+          <a:stretch>
+            <a:fillRect/>
+          </a:stretch>
+        </p:blipFill>
+        <p:spPr>
+          <a:xfrm>
+            <a:off x="4960941" y="5339928"/>
+            <a:ext cx="4525694" cy="465459"/>
+          </a:xfrm>
+          <a:prstGeom prst="rect">
+            <a:avLst/>
+          </a:prstGeom>
+        </p:spPr>
+      </p:pic>
+      <p:pic>
+        <p:nvPicPr>
+          <p:cNvPr id="10" name="Grafik 9" descr="Ein Bild, das Text, Screenshot, Software, Multimedia-Software enthält.&#10;&#10;Automatisch generierte Beschreibung">
+            <a:extLst>
+              <a:ext uri="{FF2B5EF4-FFF2-40B4-BE49-F238E27FC236}">
+                <a16:creationId xmlns:a16="http://schemas.microsoft.com/office/drawing/2014/main" id="{247F155B-FF40-418C-9928-FE3F5777D7B2}"/>
+              </a:ext>
+            </a:extLst>
+          </p:cNvPr>
+          <p:cNvPicPr>
+            <a:picLocks noChangeAspect="1"/>
+          </p:cNvPicPr>
+          <p:nvPr/>
+        </p:nvPicPr>
+        <p:blipFill rotWithShape="1">
+          <a:blip r:embed="rId6">
+            <a:extLst>
+              <a:ext uri="{28A0092B-C50C-407E-A947-70E740481C1C}">
+                <a14:useLocalDpi xmlns:a14="http://schemas.microsoft.com/office/drawing/2010/main" val="0"/>
+              </a:ext>
+            </a:extLst>
+          </a:blip>
+          <a:srcRect l="10236" r="-271" b="42958"/>
+          <a:stretch/>
+        </p:blipFill>
+        <p:spPr>
+          <a:xfrm>
+            <a:off x="4960941" y="2454770"/>
+            <a:ext cx="3078878" cy="1203838"/>
+          </a:xfrm>
+          <a:prstGeom prst="rect">
+            <a:avLst/>
+          </a:prstGeom>
+        </p:spPr>
+      </p:pic>
+      <p:pic>
+        <p:nvPicPr>
+          <p:cNvPr id="11" name="Grafik 10" descr="Ein Bild, das Text, Screenshot, Schrift enthält.&#10;&#10;Automatisch generierte Beschreibung">
+            <a:extLst>
+              <a:ext uri="{FF2B5EF4-FFF2-40B4-BE49-F238E27FC236}">
+                <a16:creationId xmlns:a16="http://schemas.microsoft.com/office/drawing/2014/main" id="{6BB277BE-0D5B-4EC8-A916-8AE312BCEF13}"/>
+              </a:ext>
+            </a:extLst>
+          </p:cNvPr>
+          <p:cNvPicPr>
+            <a:picLocks noChangeAspect="1"/>
+          </p:cNvPicPr>
+          <p:nvPr/>
+        </p:nvPicPr>
+        <p:blipFill>
+          <a:blip r:embed="rId7">
+            <a:extLst>
+              <a:ext uri="{28A0092B-C50C-407E-A947-70E740481C1C}">
+                <a14:useLocalDpi xmlns:a14="http://schemas.microsoft.com/office/drawing/2010/main" val="0"/>
+              </a:ext>
+            </a:extLst>
+          </a:blip>
+          <a:stretch>
+            <a:fillRect/>
+          </a:stretch>
+        </p:blipFill>
+        <p:spPr>
+          <a:xfrm>
+            <a:off x="4960941" y="1355561"/>
+            <a:ext cx="2573110" cy="1041830"/>
+          </a:xfrm>
+          <a:prstGeom prst="rect">
+            <a:avLst/>
+          </a:prstGeom>
+        </p:spPr>
+      </p:pic>
     </p:spTree>
     <p:extLst>
       <p:ext uri="{BB962C8B-B14F-4D97-AF65-F5344CB8AC3E}">
-        <p14:creationId xmlns:p14="http://schemas.microsoft.com/office/powerpoint/2010/main" val="1522834974"/>
+        <p14:creationId xmlns:p14="http://schemas.microsoft.com/office/powerpoint/2010/main" val="2667035210"/>
       </p:ext>
     </p:extLst>
   </p:cSld>
@@ -4098,10 +4333,10 @@
       </p:grpSpPr>
       <p:sp>
         <p:nvSpPr>
-          <p:cNvPr id="2" name="Titel 1">
-            <a:extLst>
-              <a:ext uri="{FF2B5EF4-FFF2-40B4-BE49-F238E27FC236}">
-                <a16:creationId xmlns:a16="http://schemas.microsoft.com/office/drawing/2014/main" id="{CF442ED9-5CF8-4CB4-9653-DAEA3B671E9A}"/>
+          <p:cNvPr id="8" name="Titel 1">
+            <a:extLst>
+              <a:ext uri="{FF2B5EF4-FFF2-40B4-BE49-F238E27FC236}">
+                <a16:creationId xmlns:a16="http://schemas.microsoft.com/office/drawing/2014/main" id="{92D2912C-D11E-4889-BE97-38E57A77A9D3}"/>
               </a:ext>
             </a:extLst>
           </p:cNvPr>
@@ -4112,14 +4347,24 @@
             <p:ph type="title"/>
           </p:nvPr>
         </p:nvSpPr>
-        <p:spPr/>
+        <p:spPr>
+          <a:xfrm>
+            <a:off x="838200" y="365125"/>
+            <a:ext cx="10515600" cy="1325563"/>
+          </a:xfrm>
+        </p:spPr>
         <p:txBody>
           <a:bodyPr/>
           <a:lstStyle/>
           <a:p>
             <a:r>
-              <a:rPr lang="de-DE" dirty="0" err="1"/>
-              <a:t>NextJS</a:t>
+              <a:rPr lang="de-DE" sz="4400" kern="100" dirty="0">
+                <a:effectLst/>
+                <a:latin typeface="Calibri Light" panose="020F0302020204030204" pitchFamily="34" charset="0"/>
+                <a:ea typeface="Calibri Light" panose="020F0302020204030204" pitchFamily="34" charset="0"/>
+                <a:cs typeface="Calibri Light" panose="020F0302020204030204" pitchFamily="34" charset="0"/>
+              </a:rPr>
+              <a:t>Problem - Persistieren von externen Usern</a:t>
             </a:r>
             <a:endParaRPr lang="de-DE" dirty="0"/>
           </a:p>
@@ -4127,10 +4372,10 @@
       </p:sp>
       <p:sp>
         <p:nvSpPr>
-          <p:cNvPr id="3" name="Inhaltsplatzhalter 2">
-            <a:extLst>
-              <a:ext uri="{FF2B5EF4-FFF2-40B4-BE49-F238E27FC236}">
-                <a16:creationId xmlns:a16="http://schemas.microsoft.com/office/drawing/2014/main" id="{F3540F35-E8F5-41AA-8428-5A76FDEA5D75}"/>
+          <p:cNvPr id="9" name="Inhaltsplatzhalter 2">
+            <a:extLst>
+              <a:ext uri="{FF2B5EF4-FFF2-40B4-BE49-F238E27FC236}">
+                <a16:creationId xmlns:a16="http://schemas.microsoft.com/office/drawing/2014/main" id="{798122A1-1D4B-4217-8835-F1354230593B}"/>
               </a:ext>
             </a:extLst>
           </p:cNvPr>
@@ -4141,19 +4386,173 @@
             <p:ph idx="1"/>
           </p:nvPr>
         </p:nvSpPr>
-        <p:spPr/>
+        <p:spPr>
+          <a:xfrm>
+            <a:off x="838200" y="1825625"/>
+            <a:ext cx="10515600" cy="4351338"/>
+          </a:xfrm>
+        </p:spPr>
         <p:txBody>
           <a:bodyPr/>
           <a:lstStyle/>
           <a:p>
+            <a:pPr marL="0" indent="0">
+              <a:lnSpc>
+                <a:spcPct val="107000"/>
+              </a:lnSpc>
+              <a:spcAft>
+                <a:spcPts val="800"/>
+              </a:spcAft>
+              <a:buNone/>
+            </a:pPr>
+            <a:r>
+              <a:rPr lang="de-DE" sz="1800" kern="100" dirty="0">
+                <a:effectLst/>
+                <a:ea typeface="Calibri" panose="020F0502020204030204" pitchFamily="34" charset="0"/>
+                <a:cs typeface="Times New Roman" panose="02020603050405020304" pitchFamily="18" charset="0"/>
+              </a:rPr>
+              <a:t>Warum persistieren?</a:t>
+            </a:r>
+          </a:p>
+          <a:p>
+            <a:pPr>
+              <a:lnSpc>
+                <a:spcPct val="107000"/>
+              </a:lnSpc>
+              <a:spcAft>
+                <a:spcPts val="800"/>
+              </a:spcAft>
+            </a:pPr>
+            <a:r>
+              <a:rPr lang="de-DE" sz="1800" kern="100" dirty="0">
+                <a:effectLst/>
+                <a:ea typeface="Calibri" panose="020F0502020204030204" pitchFamily="34" charset="0"/>
+                <a:cs typeface="Times New Roman" panose="02020603050405020304" pitchFamily="18" charset="0"/>
+              </a:rPr>
+              <a:t>Benutzerverwaltung</a:t>
+            </a:r>
+          </a:p>
+          <a:p>
+            <a:pPr>
+              <a:lnSpc>
+                <a:spcPct val="107000"/>
+              </a:lnSpc>
+              <a:spcAft>
+                <a:spcPts val="800"/>
+              </a:spcAft>
+            </a:pPr>
+            <a:r>
+              <a:rPr lang="de-DE" sz="1800" kern="100" dirty="0">
+                <a:ea typeface="Calibri" panose="020F0502020204030204" pitchFamily="34" charset="0"/>
+                <a:cs typeface="Times New Roman" panose="02020603050405020304" pitchFamily="18" charset="0"/>
+              </a:rPr>
+              <a:t>Sitzungsverwaltung</a:t>
+            </a:r>
+          </a:p>
+          <a:p>
+            <a:pPr>
+              <a:lnSpc>
+                <a:spcPct val="107000"/>
+              </a:lnSpc>
+              <a:spcAft>
+                <a:spcPts val="800"/>
+              </a:spcAft>
+            </a:pPr>
+            <a:r>
+              <a:rPr lang="de-DE" sz="1800" kern="100" dirty="0">
+                <a:ea typeface="Calibri" panose="020F0502020204030204" pitchFamily="34" charset="0"/>
+                <a:cs typeface="Times New Roman" panose="02020603050405020304" pitchFamily="18" charset="0"/>
+              </a:rPr>
+              <a:t>Personalisierung</a:t>
+            </a:r>
+          </a:p>
+          <a:p>
+            <a:pPr>
+              <a:lnSpc>
+                <a:spcPct val="107000"/>
+              </a:lnSpc>
+              <a:spcAft>
+                <a:spcPts val="800"/>
+              </a:spcAft>
+            </a:pPr>
+            <a:r>
+              <a:rPr lang="de-DE" sz="1800" kern="100" dirty="0">
+                <a:ea typeface="Calibri" panose="020F0502020204030204" pitchFamily="34" charset="0"/>
+                <a:cs typeface="Times New Roman" panose="02020603050405020304" pitchFamily="18" charset="0"/>
+              </a:rPr>
+              <a:t>Erkennbar als externer User für lokale User</a:t>
+            </a:r>
+          </a:p>
+          <a:p>
+            <a:pPr marL="0" indent="0">
+              <a:lnSpc>
+                <a:spcPct val="107000"/>
+              </a:lnSpc>
+              <a:spcAft>
+                <a:spcPts val="800"/>
+              </a:spcAft>
+              <a:buNone/>
+            </a:pPr>
+            <a:r>
+              <a:rPr lang="de-DE" sz="1800" dirty="0"/>
+              <a:t>Wie persistieren?</a:t>
+            </a:r>
+          </a:p>
+          <a:p>
+            <a:r>
+              <a:rPr lang="de-DE" sz="1800" dirty="0" err="1"/>
+              <a:t>NextAuth</a:t>
+            </a:r>
+            <a:r>
+              <a:rPr lang="de-DE" sz="1800" dirty="0"/>
+              <a:t> stellt Adapter für unterschiedliche Datenbanken zur Verfügung</a:t>
+            </a:r>
+          </a:p>
+          <a:p>
             <a:endParaRPr lang="de-DE" dirty="0"/>
           </a:p>
         </p:txBody>
       </p:sp>
+      <p:pic>
+        <p:nvPicPr>
+          <p:cNvPr id="10" name="Grafik 9" descr="Ein Bild, das Grafiken, Clipart, Cartoon enthält.&#10;&#10;Automatisch generierte Beschreibung">
+            <a:extLst>
+              <a:ext uri="{FF2B5EF4-FFF2-40B4-BE49-F238E27FC236}">
+                <a16:creationId xmlns:a16="http://schemas.microsoft.com/office/drawing/2014/main" id="{6A38117D-5A19-4B84-80B4-DC6A9D436635}"/>
+              </a:ext>
+            </a:extLst>
+          </p:cNvPr>
+          <p:cNvPicPr>
+            <a:picLocks noChangeAspect="1"/>
+          </p:cNvPicPr>
+          <p:nvPr/>
+        </p:nvPicPr>
+        <p:blipFill>
+          <a:blip r:embed="rId2">
+            <a:extLst>
+              <a:ext uri="{28A0092B-C50C-407E-A947-70E740481C1C}">
+                <a14:useLocalDpi xmlns:a14="http://schemas.microsoft.com/office/drawing/2010/main" val="0"/>
+              </a:ext>
+            </a:extLst>
+          </a:blip>
+          <a:stretch>
+            <a:fillRect/>
+          </a:stretch>
+        </p:blipFill>
+        <p:spPr>
+          <a:xfrm>
+            <a:off x="10913084" y="186606"/>
+            <a:ext cx="881432" cy="973079"/>
+          </a:xfrm>
+          <a:prstGeom prst="rect">
+            <a:avLst/>
+          </a:prstGeom>
+        </p:spPr>
+      </p:pic>
     </p:spTree>
     <p:extLst>
       <p:ext uri="{BB962C8B-B14F-4D97-AF65-F5344CB8AC3E}">
-        <p14:creationId xmlns:p14="http://schemas.microsoft.com/office/powerpoint/2010/main" val="474333026"/>
+        <p14:creationId xmlns:p14="http://schemas.microsoft.com/office/powerpoint/2010/main" val="1522834974"/>
       </p:ext>
     </p:extLst>
   </p:cSld>
@@ -4164,7 +4563,7 @@
 </file>
 
 <file path=ppt/slides/slide13.xml><?xml version="1.0" encoding="utf-8"?>
-<p:sld xmlns:a="http://schemas.openxmlformats.org/drawingml/2006/main" xmlns:r="http://schemas.openxmlformats.org/officeDocument/2006/relationships" xmlns:p="http://schemas.openxmlformats.org/presentationml/2006/main" show="0">
+<p:sld xmlns:a="http://schemas.openxmlformats.org/drawingml/2006/main" xmlns:r="http://schemas.openxmlformats.org/officeDocument/2006/relationships" xmlns:p="http://schemas.openxmlformats.org/presentationml/2006/main">
   <p:cSld>
     <p:spTree>
       <p:nvGrpSpPr>
@@ -4182,10 +4581,10 @@
       </p:grpSpPr>
       <p:sp>
         <p:nvSpPr>
-          <p:cNvPr id="2" name="Titel 1">
-            <a:extLst>
-              <a:ext uri="{FF2B5EF4-FFF2-40B4-BE49-F238E27FC236}">
-                <a16:creationId xmlns:a16="http://schemas.microsoft.com/office/drawing/2014/main" id="{F8229A92-F481-4498-B8EF-3D08A80C8B59}"/>
+          <p:cNvPr id="4" name="Titel 1">
+            <a:extLst>
+              <a:ext uri="{FF2B5EF4-FFF2-40B4-BE49-F238E27FC236}">
+                <a16:creationId xmlns:a16="http://schemas.microsoft.com/office/drawing/2014/main" id="{38D9FDE4-491E-48AD-9EB5-052E9AE9E690}"/>
               </a:ext>
             </a:extLst>
           </p:cNvPr>
@@ -4196,92 +4595,255 @@
             <p:ph type="title"/>
           </p:nvPr>
         </p:nvSpPr>
-        <p:spPr/>
-        <p:txBody>
-          <a:bodyPr/>
+        <p:spPr>
+          <a:xfrm>
+            <a:off x="838200" y="365125"/>
+            <a:ext cx="10515600" cy="1325563"/>
+          </a:xfrm>
+        </p:spPr>
+        <p:txBody>
+          <a:bodyPr>
+            <a:normAutofit fontScale="90000"/>
+          </a:bodyPr>
           <a:lstStyle/>
           <a:p>
             <a:r>
+              <a:rPr lang="de-DE" sz="4400" kern="100" dirty="0">
+                <a:effectLst/>
+                <a:latin typeface="Calibri Light" panose="020F0302020204030204" pitchFamily="34" charset="0"/>
+                <a:ea typeface="Calibri Light" panose="020F0302020204030204" pitchFamily="34" charset="0"/>
+                <a:cs typeface="Calibri Light" panose="020F0302020204030204" pitchFamily="34" charset="0"/>
+              </a:rPr>
+              <a:t>Problem - Persistieren von externen Usern</a:t>
+            </a:r>
+            <a:r>
               <a:rPr lang="de-DE" dirty="0"/>
-              <a:t>Verwendete Tools</a:t>
-            </a:r>
-          </a:p>
-        </p:txBody>
-      </p:sp>
-      <p:sp>
-        <p:nvSpPr>
-          <p:cNvPr id="3" name="Inhaltsplatzhalter 2">
-            <a:extLst>
-              <a:ext uri="{FF2B5EF4-FFF2-40B4-BE49-F238E27FC236}">
-                <a16:creationId xmlns:a16="http://schemas.microsoft.com/office/drawing/2014/main" id="{6FCEA494-1577-4C92-8291-F5691E7BE30E}"/>
-              </a:ext>
-            </a:extLst>
-          </p:cNvPr>
-          <p:cNvSpPr>
-            <a:spLocks noGrp="1"/>
-          </p:cNvSpPr>
+              <a:t> </a:t>
+            </a:r>
+            <a:br>
+              <a:rPr lang="de-DE" dirty="0"/>
+            </a:br>
+            <a:r>
+              <a:rPr lang="de-DE" dirty="0"/>
+              <a:t>Implementierung								</a:t>
+            </a:r>
+          </a:p>
+        </p:txBody>
+      </p:sp>
+      <p:pic>
+        <p:nvPicPr>
+          <p:cNvPr id="5" name="Inhaltsplatzhalter 7" descr="Ein Bild, das Text, Screenshot, Multimedia-Software, Software enthält.">
+            <a:extLst>
+              <a:ext uri="{FF2B5EF4-FFF2-40B4-BE49-F238E27FC236}">
+                <a16:creationId xmlns:a16="http://schemas.microsoft.com/office/drawing/2014/main" id="{E9D3DB22-23C6-4442-A829-068B4F08E741}"/>
+              </a:ext>
+            </a:extLst>
+          </p:cNvPr>
+          <p:cNvPicPr>
+            <a:picLocks noGrp="1" noChangeAspect="1"/>
+          </p:cNvPicPr>
           <p:nvPr>
             <p:ph idx="1"/>
           </p:nvPr>
-        </p:nvSpPr>
-        <p:spPr/>
-        <p:txBody>
-          <a:bodyPr/>
+        </p:nvPicPr>
+        <p:blipFill>
+          <a:blip r:embed="rId2">
+            <a:extLst>
+              <a:ext uri="{28A0092B-C50C-407E-A947-70E740481C1C}">
+                <a14:useLocalDpi xmlns:a14="http://schemas.microsoft.com/office/drawing/2010/main" val="0"/>
+              </a:ext>
+            </a:extLst>
+          </a:blip>
+          <a:stretch>
+            <a:fillRect/>
+          </a:stretch>
+        </p:blipFill>
+        <p:spPr>
+          <a:xfrm>
+            <a:off x="5807365" y="1690688"/>
+            <a:ext cx="3955472" cy="1533038"/>
+          </a:xfrm>
+        </p:spPr>
+      </p:pic>
+      <p:pic>
+        <p:nvPicPr>
+          <p:cNvPr id="6" name="Grafik 5" descr="Ein Bild, das Grafiken, Clipart, Cartoon enthält.&#10;&#10;Automatisch generierte Beschreibung">
+            <a:extLst>
+              <a:ext uri="{FF2B5EF4-FFF2-40B4-BE49-F238E27FC236}">
+                <a16:creationId xmlns:a16="http://schemas.microsoft.com/office/drawing/2014/main" id="{E1C866B2-08A5-4E0B-BE6B-0D4E87FBA55F}"/>
+              </a:ext>
+            </a:extLst>
+          </p:cNvPr>
+          <p:cNvPicPr>
+            <a:picLocks noChangeAspect="1"/>
+          </p:cNvPicPr>
+          <p:nvPr/>
+        </p:nvPicPr>
+        <p:blipFill>
+          <a:blip r:embed="rId3">
+            <a:extLst>
+              <a:ext uri="{28A0092B-C50C-407E-A947-70E740481C1C}">
+                <a14:useLocalDpi xmlns:a14="http://schemas.microsoft.com/office/drawing/2010/main" val="0"/>
+              </a:ext>
+            </a:extLst>
+          </a:blip>
+          <a:stretch>
+            <a:fillRect/>
+          </a:stretch>
+        </p:blipFill>
+        <p:spPr>
+          <a:xfrm>
+            <a:off x="10913084" y="186606"/>
+            <a:ext cx="881432" cy="973079"/>
+          </a:xfrm>
+          <a:prstGeom prst="rect">
+            <a:avLst/>
+          </a:prstGeom>
+        </p:spPr>
+      </p:pic>
+      <p:pic>
+        <p:nvPicPr>
+          <p:cNvPr id="7" name="Grafik 6" descr="Ein Bild, das Text, Screenshot, Software, Multimedia-Software enthält.&#10;&#10;Automatisch generierte Beschreibung">
+            <a:extLst>
+              <a:ext uri="{FF2B5EF4-FFF2-40B4-BE49-F238E27FC236}">
+                <a16:creationId xmlns:a16="http://schemas.microsoft.com/office/drawing/2014/main" id="{A658C5CB-7B65-461F-B7D1-AECB60FA6856}"/>
+              </a:ext>
+            </a:extLst>
+          </p:cNvPr>
+          <p:cNvPicPr>
+            <a:picLocks noChangeAspect="1"/>
+          </p:cNvPicPr>
+          <p:nvPr/>
+        </p:nvPicPr>
+        <p:blipFill>
+          <a:blip r:embed="rId4">
+            <a:extLst>
+              <a:ext uri="{28A0092B-C50C-407E-A947-70E740481C1C}">
+                <a14:useLocalDpi xmlns:a14="http://schemas.microsoft.com/office/drawing/2010/main" val="0"/>
+              </a:ext>
+            </a:extLst>
+          </a:blip>
+          <a:stretch>
+            <a:fillRect/>
+          </a:stretch>
+        </p:blipFill>
+        <p:spPr>
+          <a:xfrm>
+            <a:off x="5807365" y="3429000"/>
+            <a:ext cx="4149435" cy="3060743"/>
+          </a:xfrm>
+          <a:prstGeom prst="rect">
+            <a:avLst/>
+          </a:prstGeom>
+        </p:spPr>
+      </p:pic>
+      <p:sp>
+        <p:nvSpPr>
+          <p:cNvPr id="8" name="Textfeld 7">
+            <a:extLst>
+              <a:ext uri="{FF2B5EF4-FFF2-40B4-BE49-F238E27FC236}">
+                <a16:creationId xmlns:a16="http://schemas.microsoft.com/office/drawing/2014/main" id="{2124A0EE-FB86-47FC-BE08-31B8D12CFA03}"/>
+              </a:ext>
+            </a:extLst>
+          </p:cNvPr>
+          <p:cNvSpPr txBox="1"/>
+          <p:nvPr/>
+        </p:nvSpPr>
+        <p:spPr>
+          <a:xfrm>
+            <a:off x="838200" y="1690688"/>
+            <a:ext cx="4694382" cy="2308324"/>
+          </a:xfrm>
+          <a:prstGeom prst="rect">
+            <a:avLst/>
+          </a:prstGeom>
+          <a:noFill/>
+        </p:spPr>
+        <p:txBody>
+          <a:bodyPr wrap="square" rtlCol="0">
+            <a:spAutoFit/>
+          </a:bodyPr>
           <a:lstStyle/>
           <a:p>
+            <a:pPr marL="285750" indent="-285750">
+              <a:buFont typeface="Arial" panose="020B0604020202020204" pitchFamily="34" charset="0"/>
+              <a:buChar char="•"/>
+            </a:pPr>
+            <a:r>
+              <a:rPr lang="de-DE" dirty="0" err="1"/>
+              <a:t>signIn</a:t>
+            </a:r>
             <a:r>
               <a:rPr lang="de-DE" dirty="0"/>
-              <a:t>Prisma</a:t>
-            </a:r>
-          </a:p>
-          <a:p>
+              <a:t>()</a:t>
+            </a:r>
+          </a:p>
+          <a:p>
+            <a:pPr marL="285750" indent="-285750">
+              <a:buFont typeface="Arial" panose="020B0604020202020204" pitchFamily="34" charset="0"/>
+              <a:buChar char="•"/>
+            </a:pPr>
+            <a:endParaRPr lang="de-DE" dirty="0"/>
+          </a:p>
+          <a:p>
+            <a:pPr marL="285750" indent="-285750">
+              <a:buFont typeface="Arial" panose="020B0604020202020204" pitchFamily="34" charset="0"/>
+              <a:buChar char="•"/>
+            </a:pPr>
+            <a:endParaRPr lang="de-DE" dirty="0"/>
+          </a:p>
+          <a:p>
+            <a:pPr marL="285750" indent="-285750">
+              <a:buFont typeface="Arial" panose="020B0604020202020204" pitchFamily="34" charset="0"/>
+              <a:buChar char="•"/>
+            </a:pPr>
+            <a:endParaRPr lang="de-DE" dirty="0"/>
+          </a:p>
+          <a:p>
+            <a:pPr marL="285750" indent="-285750">
+              <a:buFont typeface="Arial" panose="020B0604020202020204" pitchFamily="34" charset="0"/>
+              <a:buChar char="•"/>
+            </a:pPr>
+            <a:endParaRPr lang="de-DE" dirty="0"/>
+          </a:p>
+          <a:p>
+            <a:pPr marL="285750" indent="-285750">
+              <a:buFont typeface="Arial" panose="020B0604020202020204" pitchFamily="34" charset="0"/>
+              <a:buChar char="•"/>
+            </a:pPr>
+            <a:endParaRPr lang="de-DE" dirty="0"/>
+          </a:p>
+          <a:p>
+            <a:pPr marL="285750" indent="-285750">
+              <a:buFont typeface="Arial" panose="020B0604020202020204" pitchFamily="34" charset="0"/>
+              <a:buChar char="•"/>
+            </a:pPr>
+            <a:endParaRPr lang="de-DE" dirty="0"/>
+          </a:p>
+          <a:p>
+            <a:pPr marL="285750" indent="-285750">
+              <a:buFont typeface="Arial" panose="020B0604020202020204" pitchFamily="34" charset="0"/>
+              <a:buChar char="•"/>
+            </a:pPr>
+            <a:r>
+              <a:rPr lang="de-DE" dirty="0"/>
+              <a:t>Datenbank Eintrag per </a:t>
+            </a:r>
             <a:r>
               <a:rPr lang="de-DE" dirty="0" err="1"/>
-              <a:t>NextJs</a:t>
-            </a:r>
-            <a:endParaRPr lang="de-DE" dirty="0"/>
-          </a:p>
-          <a:p>
-            <a:r>
-              <a:rPr lang="de-DE" dirty="0" err="1"/>
-              <a:t>NextAuth</a:t>
-            </a:r>
-            <a:endParaRPr lang="de-DE" dirty="0"/>
-          </a:p>
-          <a:p>
-            <a:r>
-              <a:rPr lang="de-DE" dirty="0" err="1"/>
-              <a:t>HuggingFace</a:t>
-            </a:r>
-            <a:endParaRPr lang="de-DE" dirty="0"/>
-          </a:p>
-          <a:p>
+              <a:t>prisma.user.create</a:t>
+            </a:r>
             <a:r>
               <a:rPr lang="de-DE" dirty="0"/>
-              <a:t>Socket.IO</a:t>
-            </a:r>
-          </a:p>
-          <a:p>
-            <a:r>
-              <a:rPr lang="de-DE" dirty="0"/>
-              <a:t>Lottie</a:t>
-            </a:r>
-          </a:p>
-          <a:p>
-            <a:endParaRPr lang="de-DE" dirty="0"/>
-          </a:p>
-          <a:p>
-            <a:endParaRPr lang="de-DE" dirty="0"/>
-          </a:p>
-          <a:p>
-            <a:endParaRPr lang="de-DE" dirty="0"/>
+              <a:t>()</a:t>
+            </a:r>
           </a:p>
         </p:txBody>
       </p:sp>
     </p:spTree>
     <p:extLst>
       <p:ext uri="{BB962C8B-B14F-4D97-AF65-F5344CB8AC3E}">
-        <p14:creationId xmlns:p14="http://schemas.microsoft.com/office/powerpoint/2010/main" val="991643680"/>
+        <p14:creationId xmlns:p14="http://schemas.microsoft.com/office/powerpoint/2010/main" val="1400476287"/>
       </p:ext>
     </p:extLst>
   </p:cSld>
@@ -4308,15 +4870,32 @@
           <a:chExt cx="0" cy="0"/>
         </a:xfrm>
       </p:grpSpPr>
-      <p:sp>
-        <p:nvSpPr>
-          <p:cNvPr id="2" name="Titel 1">
-            <a:extLst>
-              <a:ext uri="{FF2B5EF4-FFF2-40B4-BE49-F238E27FC236}">
-                <a16:creationId xmlns:a16="http://schemas.microsoft.com/office/drawing/2014/main" id="{D0287B23-21DF-4CAC-AB06-25F8B12F3E58}"/>
-              </a:ext>
-            </a:extLst>
-          </p:cNvPr>
+      <p:pic>
+        <p:nvPicPr>
+          <p:cNvPr id="122" name="Grafik 1"/>
+          <p:cNvPicPr/>
+          <p:nvPr/>
+        </p:nvPicPr>
+        <p:blipFill>
+          <a:blip r:embed="rId2"/>
+          <a:stretch/>
+        </p:blipFill>
+        <p:spPr>
+          <a:xfrm>
+            <a:off x="8686800" y="0"/>
+            <a:ext cx="2666520" cy="2205000"/>
+          </a:xfrm>
+          <a:prstGeom prst="rect">
+            <a:avLst/>
+          </a:prstGeom>
+          <a:ln w="0">
+            <a:noFill/>
+          </a:ln>
+        </p:spPr>
+      </p:pic>
+      <p:sp>
+        <p:nvSpPr>
+          <p:cNvPr id="123" name="PlaceHolder 1"/>
           <p:cNvSpPr>
             <a:spLocks noGrp="1"/>
           </p:cNvSpPr>
@@ -4324,96 +4903,1669 @@
             <p:ph type="title"/>
           </p:nvPr>
         </p:nvSpPr>
-        <p:spPr/>
+        <p:spPr>
+          <a:xfrm>
+            <a:off x="838080" y="365040"/>
+            <a:ext cx="10515240" cy="1325160"/>
+          </a:xfrm>
+          <a:prstGeom prst="rect">
+            <a:avLst/>
+          </a:prstGeom>
+          <a:noFill/>
+          <a:ln w="0">
+            <a:noFill/>
+          </a:ln>
+        </p:spPr>
+        <p:txBody>
+          <a:bodyPr anchor="ctr">
+            <a:noAutofit/>
+          </a:bodyPr>
+          <a:lstStyle/>
+          <a:p>
+            <a:pPr indent="0">
+              <a:lnSpc>
+                <a:spcPct val="90000"/>
+              </a:lnSpc>
+              <a:buNone/>
+            </a:pPr>
+            <a:r>
+              <a:rPr lang="de-DE" sz="4400" b="0" strike="noStrike" spc="-1">
+                <a:solidFill>
+                  <a:srgbClr val="000000"/>
+                </a:solidFill>
+                <a:latin typeface="Calibri Light"/>
+              </a:rPr>
+              <a:t>NextJS und Socket.IO</a:t>
+            </a:r>
+            <a:endParaRPr lang="de-DE" sz="4400" b="0" strike="noStrike" spc="-1">
+              <a:solidFill>
+                <a:srgbClr val="000000"/>
+              </a:solidFill>
+              <a:latin typeface="Calibri"/>
+            </a:endParaRPr>
+          </a:p>
+        </p:txBody>
+      </p:sp>
+      <p:sp>
+        <p:nvSpPr>
+          <p:cNvPr id="124" name="PlaceHolder 2"/>
+          <p:cNvSpPr>
+            <a:spLocks noGrp="1"/>
+          </p:cNvSpPr>
+          <p:nvPr>
+            <p:ph/>
+          </p:nvPr>
+        </p:nvSpPr>
+        <p:spPr>
+          <a:xfrm>
+            <a:off x="914400" y="1828800"/>
+            <a:ext cx="10515240" cy="4350960"/>
+          </a:xfrm>
+          <a:prstGeom prst="rect">
+            <a:avLst/>
+          </a:prstGeom>
+          <a:noFill/>
+          <a:ln w="0">
+            <a:noFill/>
+          </a:ln>
+        </p:spPr>
+        <p:txBody>
+          <a:bodyPr anchor="t">
+            <a:noAutofit/>
+          </a:bodyPr>
+          <a:lstStyle/>
+          <a:p>
+            <a:pPr marL="432000" indent="-324000">
+              <a:lnSpc>
+                <a:spcPct val="90000"/>
+              </a:lnSpc>
+              <a:spcBef>
+                <a:spcPts val="1417"/>
+              </a:spcBef>
+              <a:buClr>
+                <a:srgbClr val="000000"/>
+              </a:buClr>
+              <a:buSzPct val="45000"/>
+              <a:buFont typeface="Wingdings" charset="2"/>
+              <a:buChar char=""/>
+            </a:pPr>
+            <a:r>
+              <a:rPr lang="de-DE" sz="2800" b="0" strike="noStrike" spc="-1">
+                <a:solidFill>
+                  <a:srgbClr val="000000"/>
+                </a:solidFill>
+                <a:latin typeface="Calibri"/>
+              </a:rPr>
+              <a:t>NextJs</a:t>
+            </a:r>
+            <a:endParaRPr lang="de-DE" sz="2800" b="0" strike="noStrike" spc="-1">
+              <a:solidFill>
+                <a:srgbClr val="000000"/>
+              </a:solidFill>
+              <a:latin typeface="Calibri"/>
+              <a:ea typeface="Noto Sans CJK SC"/>
+            </a:endParaRPr>
+          </a:p>
+          <a:p>
+            <a:pPr marL="864000" lvl="1" indent="-324000">
+              <a:lnSpc>
+                <a:spcPct val="90000"/>
+              </a:lnSpc>
+              <a:spcBef>
+                <a:spcPts val="1134"/>
+              </a:spcBef>
+              <a:buClr>
+                <a:srgbClr val="000000"/>
+              </a:buClr>
+              <a:buSzPct val="75000"/>
+              <a:buFont typeface="Symbol" charset="2"/>
+              <a:buChar char=""/>
+            </a:pPr>
+            <a:r>
+              <a:rPr lang="de-DE" sz="2000" b="0" strike="noStrike" spc="-1">
+                <a:solidFill>
+                  <a:srgbClr val="000000"/>
+                </a:solidFill>
+                <a:latin typeface="Calibri"/>
+              </a:rPr>
+              <a:t>Framework zur Erstellung von Full-Stack Applikationen.</a:t>
+            </a:r>
+          </a:p>
+          <a:p>
+            <a:pPr marL="864000" lvl="1" indent="-324000">
+              <a:lnSpc>
+                <a:spcPct val="90000"/>
+              </a:lnSpc>
+              <a:spcBef>
+                <a:spcPts val="1134"/>
+              </a:spcBef>
+              <a:buClr>
+                <a:srgbClr val="000000"/>
+              </a:buClr>
+              <a:buSzPct val="75000"/>
+              <a:buFont typeface="Symbol" charset="2"/>
+              <a:buChar char=""/>
+            </a:pPr>
+            <a:r>
+              <a:rPr lang="de-DE" sz="2000" b="0" strike="noStrike" spc="-1">
+                <a:solidFill>
+                  <a:srgbClr val="000000"/>
+                </a:solidFill>
+                <a:latin typeface="Calibri"/>
+              </a:rPr>
+              <a:t>Sehr prominente Verwendung von React in Client &amp; Server Logik.</a:t>
+            </a:r>
+          </a:p>
+          <a:p>
+            <a:pPr marL="864000" lvl="1" indent="-324000">
+              <a:lnSpc>
+                <a:spcPct val="90000"/>
+              </a:lnSpc>
+              <a:spcBef>
+                <a:spcPts val="1134"/>
+              </a:spcBef>
+              <a:buClr>
+                <a:srgbClr val="000000"/>
+              </a:buClr>
+              <a:buSzPct val="75000"/>
+              <a:buFont typeface="Symbol" charset="2"/>
+              <a:buChar char=""/>
+            </a:pPr>
+            <a:r>
+              <a:rPr lang="de-DE" sz="2000" b="0" strike="noStrike" spc="-1">
+                <a:solidFill>
+                  <a:srgbClr val="000000"/>
+                </a:solidFill>
+                <a:latin typeface="Calibri"/>
+              </a:rPr>
+              <a:t>Eines der führenden Frameworks für React-basierte Applikationen.</a:t>
+            </a:r>
+          </a:p>
+          <a:p>
+            <a:pPr marL="432000" indent="-324000">
+              <a:lnSpc>
+                <a:spcPct val="90000"/>
+              </a:lnSpc>
+              <a:spcBef>
+                <a:spcPts val="1417"/>
+              </a:spcBef>
+              <a:buClr>
+                <a:srgbClr val="000000"/>
+              </a:buClr>
+              <a:buSzPct val="45000"/>
+              <a:buFont typeface="Wingdings" charset="2"/>
+              <a:buChar char=""/>
+            </a:pPr>
+            <a:r>
+              <a:rPr lang="de-DE" sz="2800" b="0" strike="noStrike" spc="-1">
+                <a:solidFill>
+                  <a:srgbClr val="000000"/>
+                </a:solidFill>
+                <a:latin typeface="Calibri"/>
+              </a:rPr>
+              <a:t>Socket.IO</a:t>
+            </a:r>
+          </a:p>
+          <a:p>
+            <a:pPr marL="864000" lvl="1" indent="-324000">
+              <a:lnSpc>
+                <a:spcPct val="90000"/>
+              </a:lnSpc>
+              <a:spcBef>
+                <a:spcPts val="1134"/>
+              </a:spcBef>
+              <a:buClr>
+                <a:srgbClr val="000000"/>
+              </a:buClr>
+              <a:buSzPct val="75000"/>
+              <a:buFont typeface="Symbol" charset="2"/>
+              <a:buChar char=""/>
+            </a:pPr>
+            <a:r>
+              <a:rPr lang="de-DE" sz="2000" b="0" strike="noStrike" spc="-1">
+                <a:solidFill>
+                  <a:srgbClr val="000000"/>
+                </a:solidFill>
+                <a:latin typeface="Calibri"/>
+              </a:rPr>
+              <a:t>Beliebte Bibliothek für Kommunikation über Websockets.</a:t>
+            </a:r>
+          </a:p>
+          <a:p>
+            <a:pPr marL="864000" lvl="1" indent="-324000">
+              <a:lnSpc>
+                <a:spcPct val="90000"/>
+              </a:lnSpc>
+              <a:spcBef>
+                <a:spcPts val="1134"/>
+              </a:spcBef>
+              <a:buClr>
+                <a:srgbClr val="000000"/>
+              </a:buClr>
+              <a:buSzPct val="75000"/>
+              <a:buFont typeface="Symbol" charset="2"/>
+              <a:buChar char=""/>
+            </a:pPr>
+            <a:r>
+              <a:rPr lang="de-DE" sz="2000" b="0" strike="noStrike" spc="-1">
+                <a:solidFill>
+                  <a:srgbClr val="000000"/>
+                </a:solidFill>
+                <a:latin typeface="Calibri"/>
+              </a:rPr>
+              <a:t>Bietet Client und Server Bibliotheken.</a:t>
+            </a:r>
+          </a:p>
+          <a:p>
+            <a:pPr marL="864000" lvl="1" indent="-324000">
+              <a:lnSpc>
+                <a:spcPct val="90000"/>
+              </a:lnSpc>
+              <a:spcBef>
+                <a:spcPts val="1134"/>
+              </a:spcBef>
+              <a:buClr>
+                <a:srgbClr val="000000"/>
+              </a:buClr>
+              <a:buSzPct val="75000"/>
+              <a:buFont typeface="Symbol" charset="2"/>
+              <a:buChar char=""/>
+            </a:pPr>
+            <a:r>
+              <a:rPr lang="de-DE" sz="2000" b="0" strike="noStrike" spc="-1">
+                <a:solidFill>
+                  <a:srgbClr val="000000"/>
+                </a:solidFill>
+                <a:latin typeface="Calibri"/>
+              </a:rPr>
+              <a:t>Weit verbreitet und sehr gute Unterstützung auf nahezu allen Plattformen. </a:t>
+            </a:r>
+          </a:p>
+        </p:txBody>
+      </p:sp>
+    </p:spTree>
+  </p:cSld>
+  <p:clrMapOvr>
+    <a:masterClrMapping/>
+  </p:clrMapOvr>
+</p:sld>
+</file>
+
+<file path=ppt/slides/slide15.xml><?xml version="1.0" encoding="utf-8"?>
+<p:sld xmlns:a="http://schemas.openxmlformats.org/drawingml/2006/main" xmlns:r="http://schemas.openxmlformats.org/officeDocument/2006/relationships" xmlns:p="http://schemas.openxmlformats.org/presentationml/2006/main">
+  <p:cSld>
+    <p:spTree>
+      <p:nvGrpSpPr>
+        <p:cNvPr id="1" name=""/>
+        <p:cNvGrpSpPr/>
+        <p:nvPr/>
+      </p:nvGrpSpPr>
+      <p:grpSpPr>
+        <a:xfrm>
+          <a:off x="0" y="0"/>
+          <a:ext cx="0" cy="0"/>
+          <a:chOff x="0" y="0"/>
+          <a:chExt cx="0" cy="0"/>
+        </a:xfrm>
+      </p:grpSpPr>
+      <p:pic>
+        <p:nvPicPr>
+          <p:cNvPr id="125" name="Grafik 2"/>
+          <p:cNvPicPr/>
+          <p:nvPr/>
+        </p:nvPicPr>
+        <p:blipFill>
+          <a:blip r:embed="rId2"/>
+          <a:stretch/>
+        </p:blipFill>
+        <p:spPr>
+          <a:xfrm>
+            <a:off x="8686800" y="0"/>
+            <a:ext cx="2666520" cy="2205000"/>
+          </a:xfrm>
+          <a:prstGeom prst="rect">
+            <a:avLst/>
+          </a:prstGeom>
+          <a:ln w="0">
+            <a:noFill/>
+          </a:ln>
+        </p:spPr>
+      </p:pic>
+      <p:sp>
+        <p:nvSpPr>
+          <p:cNvPr id="126" name="PlaceHolder 1"/>
+          <p:cNvSpPr>
+            <a:spLocks noGrp="1"/>
+          </p:cNvSpPr>
+          <p:nvPr>
+            <p:ph type="title"/>
+          </p:nvPr>
+        </p:nvSpPr>
+        <p:spPr>
+          <a:xfrm>
+            <a:off x="838080" y="365040"/>
+            <a:ext cx="10515240" cy="1325160"/>
+          </a:xfrm>
+          <a:prstGeom prst="rect">
+            <a:avLst/>
+          </a:prstGeom>
+          <a:noFill/>
+          <a:ln w="0">
+            <a:noFill/>
+          </a:ln>
+        </p:spPr>
+        <p:txBody>
+          <a:bodyPr anchor="ctr">
+            <a:noAutofit/>
+          </a:bodyPr>
+          <a:lstStyle/>
+          <a:p>
+            <a:pPr indent="0">
+              <a:lnSpc>
+                <a:spcPct val="90000"/>
+              </a:lnSpc>
+              <a:buNone/>
+            </a:pPr>
+            <a:r>
+              <a:rPr lang="de-DE" sz="4400" b="0" strike="noStrike" spc="-1">
+                <a:solidFill>
+                  <a:srgbClr val="000000"/>
+                </a:solidFill>
+                <a:latin typeface="Calibri Light"/>
+              </a:rPr>
+              <a:t>Warum NextJS?</a:t>
+            </a:r>
+            <a:endParaRPr lang="de-DE" sz="4400" b="0" strike="noStrike" spc="-1">
+              <a:solidFill>
+                <a:srgbClr val="000000"/>
+              </a:solidFill>
+              <a:latin typeface="Calibri"/>
+            </a:endParaRPr>
+          </a:p>
+        </p:txBody>
+      </p:sp>
+      <p:sp>
+        <p:nvSpPr>
+          <p:cNvPr id="127" name="PlaceHolder 2"/>
+          <p:cNvSpPr>
+            <a:spLocks noGrp="1"/>
+          </p:cNvSpPr>
+          <p:nvPr>
+            <p:ph/>
+          </p:nvPr>
+        </p:nvSpPr>
+        <p:spPr>
+          <a:xfrm>
+            <a:off x="838080" y="1825560"/>
+            <a:ext cx="10515240" cy="4350960"/>
+          </a:xfrm>
+          <a:prstGeom prst="rect">
+            <a:avLst/>
+          </a:prstGeom>
+          <a:noFill/>
+          <a:ln w="0">
+            <a:noFill/>
+          </a:ln>
+        </p:spPr>
+        <p:txBody>
+          <a:bodyPr anchor="t">
+            <a:noAutofit/>
+          </a:bodyPr>
+          <a:lstStyle/>
+          <a:p>
+            <a:pPr marL="432000" indent="-324000">
+              <a:lnSpc>
+                <a:spcPct val="90000"/>
+              </a:lnSpc>
+              <a:spcBef>
+                <a:spcPts val="1417"/>
+              </a:spcBef>
+              <a:buClr>
+                <a:srgbClr val="000000"/>
+              </a:buClr>
+              <a:buSzPct val="45000"/>
+              <a:buFont typeface="Wingdings" charset="2"/>
+              <a:buChar char=""/>
+            </a:pPr>
+            <a:r>
+              <a:rPr lang="de-DE" sz="2800" b="0" strike="noStrike" spc="-1">
+                <a:solidFill>
+                  <a:srgbClr val="000000"/>
+                </a:solidFill>
+                <a:latin typeface="Calibri"/>
+              </a:rPr>
+              <a:t>Bietet:</a:t>
+            </a:r>
+          </a:p>
+          <a:p>
+            <a:pPr marL="864000" lvl="1" indent="-324000">
+              <a:lnSpc>
+                <a:spcPct val="90000"/>
+              </a:lnSpc>
+              <a:spcBef>
+                <a:spcPts val="1134"/>
+              </a:spcBef>
+              <a:buClr>
+                <a:srgbClr val="000000"/>
+              </a:buClr>
+              <a:buSzPct val="75000"/>
+              <a:buFont typeface="Symbol" charset="2"/>
+              <a:buChar char=""/>
+            </a:pPr>
+            <a:r>
+              <a:rPr lang="de-DE" sz="2000" b="0" strike="noStrike" spc="-1">
+                <a:solidFill>
+                  <a:srgbClr val="000000"/>
+                </a:solidFill>
+                <a:latin typeface="Calibri"/>
+              </a:rPr>
+              <a:t>Full-Stack: Backend und Frontend in einem Projekt</a:t>
+            </a:r>
+          </a:p>
+          <a:p>
+            <a:pPr marL="864000" lvl="1" indent="-324000">
+              <a:lnSpc>
+                <a:spcPct val="90000"/>
+              </a:lnSpc>
+              <a:spcBef>
+                <a:spcPts val="1134"/>
+              </a:spcBef>
+              <a:buClr>
+                <a:srgbClr val="000000"/>
+              </a:buClr>
+              <a:buSzPct val="75000"/>
+              <a:buFont typeface="Symbol" charset="2"/>
+              <a:buChar char=""/>
+            </a:pPr>
+            <a:r>
+              <a:rPr lang="de-DE" sz="2000" b="0" strike="noStrike" spc="-1">
+                <a:solidFill>
+                  <a:srgbClr val="000000"/>
+                </a:solidFill>
+                <a:latin typeface="Calibri"/>
+              </a:rPr>
+              <a:t>File-System basiertes Routing</a:t>
+            </a:r>
+          </a:p>
+          <a:p>
+            <a:pPr marL="864000" lvl="1" indent="-324000">
+              <a:lnSpc>
+                <a:spcPct val="90000"/>
+              </a:lnSpc>
+              <a:spcBef>
+                <a:spcPts val="1134"/>
+              </a:spcBef>
+              <a:buClr>
+                <a:srgbClr val="000000"/>
+              </a:buClr>
+              <a:buSzPct val="75000"/>
+              <a:buFont typeface="Symbol" charset="2"/>
+              <a:buChar char=""/>
+            </a:pPr>
+            <a:r>
+              <a:rPr lang="de-DE" sz="2000" b="0" strike="noStrike" spc="-1">
+                <a:solidFill>
+                  <a:srgbClr val="000000"/>
+                </a:solidFill>
+                <a:latin typeface="Calibri"/>
+              </a:rPr>
+              <a:t>React im Frontend</a:t>
+            </a:r>
+          </a:p>
+          <a:p>
+            <a:pPr marL="864000" lvl="1" indent="-324000">
+              <a:lnSpc>
+                <a:spcPct val="90000"/>
+              </a:lnSpc>
+              <a:spcBef>
+                <a:spcPts val="1134"/>
+              </a:spcBef>
+              <a:buClr>
+                <a:srgbClr val="000000"/>
+              </a:buClr>
+              <a:buSzPct val="75000"/>
+              <a:buFont typeface="Symbol" charset="2"/>
+              <a:buChar char=""/>
+            </a:pPr>
+            <a:r>
+              <a:rPr lang="de-DE" sz="2000" b="0" strike="noStrike" spc="-1">
+                <a:solidFill>
+                  <a:srgbClr val="000000"/>
+                </a:solidFill>
+                <a:latin typeface="Calibri"/>
+              </a:rPr>
+              <a:t>Server Side Rendered Components</a:t>
+            </a:r>
+          </a:p>
+          <a:p>
+            <a:pPr marL="864000" lvl="1" indent="-324000">
+              <a:lnSpc>
+                <a:spcPct val="90000"/>
+              </a:lnSpc>
+              <a:spcBef>
+                <a:spcPts val="1134"/>
+              </a:spcBef>
+              <a:buClr>
+                <a:srgbClr val="000000"/>
+              </a:buClr>
+              <a:buSzPct val="75000"/>
+              <a:buFont typeface="Symbol" charset="2"/>
+              <a:buChar char=""/>
+            </a:pPr>
+            <a:r>
+              <a:rPr lang="de-DE" sz="2000" b="0" strike="noStrike" spc="-1">
+                <a:solidFill>
+                  <a:srgbClr val="000000"/>
+                </a:solidFill>
+                <a:latin typeface="Calibri"/>
+              </a:rPr>
+              <a:t>Einfaches einbauen von Middleware</a:t>
+            </a:r>
+          </a:p>
+          <a:p>
+            <a:pPr marL="864000" lvl="1" indent="0">
+              <a:lnSpc>
+                <a:spcPct val="90000"/>
+              </a:lnSpc>
+              <a:spcBef>
+                <a:spcPts val="1134"/>
+              </a:spcBef>
+              <a:buNone/>
+            </a:pPr>
+            <a:endParaRPr lang="de-DE" sz="2000" b="0" strike="noStrike" spc="-1">
+              <a:solidFill>
+                <a:srgbClr val="000000"/>
+              </a:solidFill>
+              <a:latin typeface="Calibri"/>
+            </a:endParaRPr>
+          </a:p>
+        </p:txBody>
+      </p:sp>
+    </p:spTree>
+  </p:cSld>
+  <p:clrMapOvr>
+    <a:masterClrMapping/>
+  </p:clrMapOvr>
+</p:sld>
+</file>
+
+<file path=ppt/slides/slide16.xml><?xml version="1.0" encoding="utf-8"?>
+<p:sld xmlns:a="http://schemas.openxmlformats.org/drawingml/2006/main" xmlns:r="http://schemas.openxmlformats.org/officeDocument/2006/relationships" xmlns:p="http://schemas.openxmlformats.org/presentationml/2006/main">
+  <p:cSld>
+    <p:spTree>
+      <p:nvGrpSpPr>
+        <p:cNvPr id="1" name=""/>
+        <p:cNvGrpSpPr/>
+        <p:nvPr/>
+      </p:nvGrpSpPr>
+      <p:grpSpPr>
+        <a:xfrm>
+          <a:off x="0" y="0"/>
+          <a:ext cx="0" cy="0"/>
+          <a:chOff x="0" y="0"/>
+          <a:chExt cx="0" cy="0"/>
+        </a:xfrm>
+      </p:grpSpPr>
+      <p:sp>
+        <p:nvSpPr>
+          <p:cNvPr id="128" name="PlaceHolder 1"/>
+          <p:cNvSpPr>
+            <a:spLocks noGrp="1"/>
+          </p:cNvSpPr>
+          <p:nvPr>
+            <p:ph type="title"/>
+          </p:nvPr>
+        </p:nvSpPr>
+        <p:spPr>
+          <a:xfrm>
+            <a:off x="914400" y="457200"/>
+            <a:ext cx="10515240" cy="1325160"/>
+          </a:xfrm>
+          <a:prstGeom prst="rect">
+            <a:avLst/>
+          </a:prstGeom>
+          <a:noFill/>
+          <a:ln w="0">
+            <a:noFill/>
+          </a:ln>
+        </p:spPr>
+        <p:txBody>
+          <a:bodyPr anchor="ctr">
+            <a:noAutofit/>
+          </a:bodyPr>
+          <a:lstStyle/>
+          <a:p>
+            <a:pPr indent="0">
+              <a:lnSpc>
+                <a:spcPct val="90000"/>
+              </a:lnSpc>
+              <a:buNone/>
+            </a:pPr>
+            <a:r>
+              <a:rPr lang="de-DE" sz="4400" b="0" strike="noStrike" spc="-1">
+                <a:solidFill>
+                  <a:srgbClr val="000000"/>
+                </a:solidFill>
+                <a:latin typeface="Calibri Light"/>
+              </a:rPr>
+              <a:t>Warum Socket.IO?</a:t>
+            </a:r>
+            <a:endParaRPr lang="de-DE" sz="4400" b="0" strike="noStrike" spc="-1">
+              <a:solidFill>
+                <a:srgbClr val="000000"/>
+              </a:solidFill>
+              <a:latin typeface="Calibri"/>
+            </a:endParaRPr>
+          </a:p>
+        </p:txBody>
+      </p:sp>
+      <p:sp>
+        <p:nvSpPr>
+          <p:cNvPr id="129" name="PlaceHolder 2"/>
+          <p:cNvSpPr>
+            <a:spLocks noGrp="1"/>
+          </p:cNvSpPr>
+          <p:nvPr>
+            <p:ph/>
+          </p:nvPr>
+        </p:nvSpPr>
+        <p:spPr>
+          <a:xfrm>
+            <a:off x="838080" y="1825560"/>
+            <a:ext cx="10515240" cy="4350960"/>
+          </a:xfrm>
+          <a:prstGeom prst="rect">
+            <a:avLst/>
+          </a:prstGeom>
+          <a:noFill/>
+          <a:ln w="0">
+            <a:noFill/>
+          </a:ln>
+        </p:spPr>
+        <p:txBody>
+          <a:bodyPr anchor="t">
+            <a:noAutofit/>
+          </a:bodyPr>
+          <a:lstStyle/>
+          <a:p>
+            <a:pPr marL="432000" indent="-324000">
+              <a:lnSpc>
+                <a:spcPct val="90000"/>
+              </a:lnSpc>
+              <a:spcBef>
+                <a:spcPts val="1417"/>
+              </a:spcBef>
+              <a:buClr>
+                <a:srgbClr val="000000"/>
+              </a:buClr>
+              <a:buSzPct val="45000"/>
+              <a:buFont typeface="Wingdings" charset="2"/>
+              <a:buChar char=""/>
+            </a:pPr>
+            <a:r>
+              <a:rPr lang="de-DE" sz="2800" b="0" strike="noStrike" spc="-1">
+                <a:solidFill>
+                  <a:srgbClr val="000000"/>
+                </a:solidFill>
+                <a:latin typeface="Calibri"/>
+              </a:rPr>
+              <a:t>Der de-facto Platzhirsch bei Bibliotheken für Websockets.</a:t>
+            </a:r>
+          </a:p>
+          <a:p>
+            <a:pPr marL="432000" indent="-324000">
+              <a:lnSpc>
+                <a:spcPct val="90000"/>
+              </a:lnSpc>
+              <a:spcBef>
+                <a:spcPts val="1417"/>
+              </a:spcBef>
+              <a:buClr>
+                <a:srgbClr val="000000"/>
+              </a:buClr>
+              <a:buSzPct val="45000"/>
+              <a:buFont typeface="Wingdings" charset="2"/>
+              <a:buChar char=""/>
+            </a:pPr>
+            <a:r>
+              <a:rPr lang="de-DE" sz="2800" b="0" strike="noStrike" spc="-1">
+                <a:solidFill>
+                  <a:srgbClr val="000000"/>
+                </a:solidFill>
+                <a:latin typeface="Calibri"/>
+              </a:rPr>
+              <a:t>Unterstützt alle modernen Browser.</a:t>
+            </a:r>
+          </a:p>
+          <a:p>
+            <a:pPr marL="432000" indent="-324000">
+              <a:lnSpc>
+                <a:spcPct val="90000"/>
+              </a:lnSpc>
+              <a:spcBef>
+                <a:spcPts val="1417"/>
+              </a:spcBef>
+              <a:buClr>
+                <a:srgbClr val="000000"/>
+              </a:buClr>
+              <a:buSzPct val="45000"/>
+              <a:buFont typeface="Wingdings" charset="2"/>
+              <a:buChar char=""/>
+            </a:pPr>
+            <a:r>
+              <a:rPr lang="de-DE" sz="2800" b="0" strike="noStrike" spc="-1">
+                <a:solidFill>
+                  <a:srgbClr val="000000"/>
+                </a:solidFill>
+                <a:latin typeface="Calibri"/>
+              </a:rPr>
+              <a:t>Automatisches Reconnect.</a:t>
+            </a:r>
+          </a:p>
+          <a:p>
+            <a:pPr marL="432000" indent="-324000">
+              <a:lnSpc>
+                <a:spcPct val="90000"/>
+              </a:lnSpc>
+              <a:spcBef>
+                <a:spcPts val="1417"/>
+              </a:spcBef>
+              <a:buClr>
+                <a:srgbClr val="000000"/>
+              </a:buClr>
+              <a:buSzPct val="45000"/>
+              <a:buFont typeface="Wingdings" charset="2"/>
+              <a:buChar char=""/>
+            </a:pPr>
+            <a:r>
+              <a:rPr lang="de-DE" sz="2800" b="0" strike="noStrike" spc="-1">
+                <a:solidFill>
+                  <a:srgbClr val="000000"/>
+                </a:solidFill>
+                <a:latin typeface="Calibri"/>
+              </a:rPr>
+              <a:t>Rooms, Broadcasts.</a:t>
+            </a:r>
+          </a:p>
+          <a:p>
+            <a:pPr marL="432000" indent="-324000">
+              <a:lnSpc>
+                <a:spcPct val="90000"/>
+              </a:lnSpc>
+              <a:spcBef>
+                <a:spcPts val="1417"/>
+              </a:spcBef>
+              <a:buClr>
+                <a:srgbClr val="000000"/>
+              </a:buClr>
+              <a:buSzPct val="45000"/>
+              <a:buFont typeface="Wingdings" charset="2"/>
+              <a:buChar char=""/>
+            </a:pPr>
+            <a:r>
+              <a:rPr lang="de-DE" sz="2800" b="0" strike="noStrike" spc="-1">
+                <a:solidFill>
+                  <a:srgbClr val="000000"/>
+                </a:solidFill>
+                <a:latin typeface="Calibri"/>
+              </a:rPr>
+              <a:t>Bietet Fallback auf http-long-polling wenn Browser keine Websockets untersützt.</a:t>
+            </a:r>
+          </a:p>
+        </p:txBody>
+      </p:sp>
+      <p:pic>
+        <p:nvPicPr>
+          <p:cNvPr id="130" name="Grafik 4"/>
+          <p:cNvPicPr/>
+          <p:nvPr/>
+        </p:nvPicPr>
+        <p:blipFill>
+          <a:blip r:embed="rId2"/>
+          <a:stretch/>
+        </p:blipFill>
+        <p:spPr>
+          <a:xfrm>
+            <a:off x="9502560" y="548640"/>
+            <a:ext cx="1850760" cy="1233720"/>
+          </a:xfrm>
+          <a:prstGeom prst="rect">
+            <a:avLst/>
+          </a:prstGeom>
+          <a:ln w="0">
+            <a:noFill/>
+          </a:ln>
+        </p:spPr>
+      </p:pic>
+    </p:spTree>
+  </p:cSld>
+  <p:clrMapOvr>
+    <a:masterClrMapping/>
+  </p:clrMapOvr>
+</p:sld>
+</file>
+
+<file path=ppt/slides/slide17.xml><?xml version="1.0" encoding="utf-8"?>
+<p:sld xmlns:a="http://schemas.openxmlformats.org/drawingml/2006/main" xmlns:r="http://schemas.openxmlformats.org/officeDocument/2006/relationships" xmlns:p="http://schemas.openxmlformats.org/presentationml/2006/main">
+  <p:cSld>
+    <p:spTree>
+      <p:nvGrpSpPr>
+        <p:cNvPr id="1" name=""/>
+        <p:cNvGrpSpPr/>
+        <p:nvPr/>
+      </p:nvGrpSpPr>
+      <p:grpSpPr>
+        <a:xfrm>
+          <a:off x="0" y="0"/>
+          <a:ext cx="0" cy="0"/>
+          <a:chOff x="0" y="0"/>
+          <a:chExt cx="0" cy="0"/>
+        </a:xfrm>
+      </p:grpSpPr>
+      <p:pic>
+        <p:nvPicPr>
+          <p:cNvPr id="131" name="Grafik 3"/>
+          <p:cNvPicPr/>
+          <p:nvPr/>
+        </p:nvPicPr>
+        <p:blipFill>
+          <a:blip r:embed="rId2"/>
+          <a:stretch/>
+        </p:blipFill>
+        <p:spPr>
+          <a:xfrm>
+            <a:off x="8686800" y="0"/>
+            <a:ext cx="2666520" cy="2205000"/>
+          </a:xfrm>
+          <a:prstGeom prst="rect">
+            <a:avLst/>
+          </a:prstGeom>
+          <a:ln w="0">
+            <a:noFill/>
+          </a:ln>
+        </p:spPr>
+      </p:pic>
+      <p:sp>
+        <p:nvSpPr>
+          <p:cNvPr id="132" name="PlaceHolder 1"/>
+          <p:cNvSpPr>
+            <a:spLocks noGrp="1"/>
+          </p:cNvSpPr>
+          <p:nvPr>
+            <p:ph type="title"/>
+          </p:nvPr>
+        </p:nvSpPr>
+        <p:spPr>
+          <a:xfrm>
+            <a:off x="838080" y="365040"/>
+            <a:ext cx="10515240" cy="1325160"/>
+          </a:xfrm>
+          <a:prstGeom prst="rect">
+            <a:avLst/>
+          </a:prstGeom>
+          <a:noFill/>
+          <a:ln w="0">
+            <a:noFill/>
+          </a:ln>
+        </p:spPr>
+        <p:txBody>
+          <a:bodyPr anchor="ctr">
+            <a:noAutofit/>
+          </a:bodyPr>
+          <a:lstStyle/>
+          <a:p>
+            <a:pPr indent="0">
+              <a:lnSpc>
+                <a:spcPct val="90000"/>
+              </a:lnSpc>
+              <a:buNone/>
+            </a:pPr>
+            <a:r>
+              <a:rPr lang="de-DE" sz="4400" b="0" strike="noStrike" spc="-1">
+                <a:solidFill>
+                  <a:srgbClr val="000000"/>
+                </a:solidFill>
+                <a:latin typeface="Calibri Light"/>
+              </a:rPr>
+              <a:t>Probleme</a:t>
+            </a:r>
+            <a:endParaRPr lang="de-DE" sz="4400" b="0" strike="noStrike" spc="-1">
+              <a:solidFill>
+                <a:srgbClr val="000000"/>
+              </a:solidFill>
+              <a:latin typeface="Calibri"/>
+            </a:endParaRPr>
+          </a:p>
+        </p:txBody>
+      </p:sp>
+      <p:sp>
+        <p:nvSpPr>
+          <p:cNvPr id="133" name="PlaceHolder 2"/>
+          <p:cNvSpPr>
+            <a:spLocks noGrp="1"/>
+          </p:cNvSpPr>
+          <p:nvPr>
+            <p:ph/>
+          </p:nvPr>
+        </p:nvSpPr>
+        <p:spPr>
+          <a:xfrm>
+            <a:off x="838080" y="1825560"/>
+            <a:ext cx="10515240" cy="4350960"/>
+          </a:xfrm>
+          <a:prstGeom prst="rect">
+            <a:avLst/>
+          </a:prstGeom>
+          <a:noFill/>
+          <a:ln w="0">
+            <a:noFill/>
+          </a:ln>
+        </p:spPr>
+        <p:txBody>
+          <a:bodyPr anchor="t">
+            <a:noAutofit/>
+          </a:bodyPr>
+          <a:lstStyle/>
+          <a:p>
+            <a:pPr marL="432000" indent="-324000">
+              <a:lnSpc>
+                <a:spcPct val="90000"/>
+              </a:lnSpc>
+              <a:spcBef>
+                <a:spcPts val="1417"/>
+              </a:spcBef>
+              <a:buClr>
+                <a:srgbClr val="000000"/>
+              </a:buClr>
+              <a:buSzPct val="45000"/>
+              <a:buFont typeface="Wingdings" charset="2"/>
+              <a:buChar char=""/>
+            </a:pPr>
+            <a:r>
+              <a:rPr lang="de-DE" sz="2800" b="0" strike="noStrike" spc="-1">
+                <a:solidFill>
+                  <a:srgbClr val="000000"/>
+                </a:solidFill>
+                <a:latin typeface="Calibri"/>
+              </a:rPr>
+              <a:t>NextJS bringt eigenen vorgebauten Server mit.</a:t>
+            </a:r>
+          </a:p>
+          <a:p>
+            <a:pPr marL="864000" lvl="1" indent="-324000">
+              <a:lnSpc>
+                <a:spcPct val="90000"/>
+              </a:lnSpc>
+              <a:spcBef>
+                <a:spcPts val="1134"/>
+              </a:spcBef>
+              <a:buClr>
+                <a:srgbClr val="000000"/>
+              </a:buClr>
+              <a:buSzPct val="75000"/>
+              <a:buFont typeface="Symbol" charset="2"/>
+              <a:buChar char=""/>
+            </a:pPr>
+            <a:r>
+              <a:rPr lang="de-DE" sz="2000" b="0" strike="noStrike" spc="-1">
+                <a:solidFill>
+                  <a:srgbClr val="000000"/>
+                </a:solidFill>
+                <a:latin typeface="Calibri"/>
+              </a:rPr>
+              <a:t>Socket.IO kann nicht an den API-Endpunkten eingebunden werden</a:t>
+            </a:r>
+          </a:p>
+          <a:p>
+            <a:pPr marL="864000" lvl="1" indent="-324000">
+              <a:lnSpc>
+                <a:spcPct val="90000"/>
+              </a:lnSpc>
+              <a:spcBef>
+                <a:spcPts val="1134"/>
+              </a:spcBef>
+              <a:buClr>
+                <a:srgbClr val="000000"/>
+              </a:buClr>
+              <a:buSzPct val="75000"/>
+              <a:buFont typeface="Symbol" charset="2"/>
+              <a:buChar char=""/>
+            </a:pPr>
+            <a:r>
+              <a:rPr lang="de-DE" sz="2000" b="0" strike="noStrike" spc="-1">
+                <a:solidFill>
+                  <a:srgbClr val="000000"/>
+                </a:solidFill>
+                <a:latin typeface="Calibri"/>
+              </a:rPr>
+              <a:t>Socket.IO benötigt auf dem Backend eine eigene Server-Instanz</a:t>
+            </a:r>
+          </a:p>
+          <a:p>
+            <a:pPr marL="864000" lvl="1" indent="-324000">
+              <a:lnSpc>
+                <a:spcPct val="90000"/>
+              </a:lnSpc>
+              <a:spcBef>
+                <a:spcPts val="1134"/>
+              </a:spcBef>
+              <a:buClr>
+                <a:srgbClr val="000000"/>
+              </a:buClr>
+              <a:buSzPct val="75000"/>
+              <a:buFont typeface="Symbol" charset="2"/>
+              <a:buChar char=""/>
+            </a:pPr>
+            <a:r>
+              <a:rPr lang="de-DE" sz="2000" b="0" strike="noStrike" spc="-1">
+                <a:solidFill>
+                  <a:srgbClr val="000000"/>
+                </a:solidFill>
+                <a:latin typeface="Calibri"/>
+              </a:rPr>
+              <a:t>Daher musste der Socket.IO-Server auf den NextJS-Server attached werden.</a:t>
+            </a:r>
+          </a:p>
+          <a:p>
+            <a:pPr marL="864000" lvl="1" indent="-324000">
+              <a:lnSpc>
+                <a:spcPct val="90000"/>
+              </a:lnSpc>
+              <a:spcBef>
+                <a:spcPts val="1134"/>
+              </a:spcBef>
+              <a:buClr>
+                <a:srgbClr val="000000"/>
+              </a:buClr>
+              <a:buSzPct val="75000"/>
+              <a:buFont typeface="Symbol" charset="2"/>
+              <a:buChar char=""/>
+            </a:pPr>
+            <a:r>
+              <a:rPr lang="de-DE" sz="2000" b="0" strike="noStrike" spc="-1">
+                <a:solidFill>
+                  <a:srgbClr val="000000"/>
+                </a:solidFill>
+                <a:latin typeface="Calibri"/>
+              </a:rPr>
+              <a:t>Allerdings kann default NextJS-Server nicht modifiziert werden.</a:t>
+            </a:r>
+          </a:p>
+          <a:p>
+            <a:pPr marL="432000" indent="0">
+              <a:lnSpc>
+                <a:spcPct val="90000"/>
+              </a:lnSpc>
+              <a:spcBef>
+                <a:spcPts val="1417"/>
+              </a:spcBef>
+              <a:buNone/>
+            </a:pPr>
+            <a:endParaRPr lang="de-DE" sz="2800" b="0" strike="noStrike" spc="-1">
+              <a:solidFill>
+                <a:srgbClr val="000000"/>
+              </a:solidFill>
+              <a:latin typeface="Calibri"/>
+            </a:endParaRPr>
+          </a:p>
+          <a:p>
+            <a:pPr marL="432000" indent="-324000">
+              <a:lnSpc>
+                <a:spcPct val="90000"/>
+              </a:lnSpc>
+              <a:spcBef>
+                <a:spcPts val="1417"/>
+              </a:spcBef>
+              <a:buClr>
+                <a:srgbClr val="000000"/>
+              </a:buClr>
+              <a:buSzPct val="45000"/>
+              <a:buFont typeface="Wingdings" charset="2"/>
+              <a:buChar char=""/>
+            </a:pPr>
+            <a:r>
+              <a:rPr lang="de-DE" sz="2800" b="0" strike="noStrike" spc="-1">
+                <a:solidFill>
+                  <a:srgbClr val="000000"/>
+                </a:solidFill>
+                <a:latin typeface="Calibri"/>
+              </a:rPr>
+              <a:t>Lösung:</a:t>
+            </a:r>
+          </a:p>
+          <a:p>
+            <a:pPr marL="864000" lvl="1" indent="-324000">
+              <a:lnSpc>
+                <a:spcPct val="90000"/>
+              </a:lnSpc>
+              <a:spcBef>
+                <a:spcPts val="1134"/>
+              </a:spcBef>
+              <a:buClr>
+                <a:srgbClr val="000000"/>
+              </a:buClr>
+              <a:buSzPct val="75000"/>
+              <a:buFont typeface="Symbol" charset="2"/>
+              <a:buChar char=""/>
+            </a:pPr>
+            <a:r>
+              <a:rPr lang="de-DE" sz="2000" b="0" strike="noStrike" spc="-1">
+                <a:solidFill>
+                  <a:srgbClr val="000000"/>
+                </a:solidFill>
+                <a:latin typeface="Calibri"/>
+              </a:rPr>
+              <a:t>Implementieren eines custom Servers auf Basis von Express</a:t>
+            </a:r>
+          </a:p>
+          <a:p>
+            <a:pPr marL="864000" lvl="1" indent="-324000">
+              <a:lnSpc>
+                <a:spcPct val="90000"/>
+              </a:lnSpc>
+              <a:spcBef>
+                <a:spcPts val="1134"/>
+              </a:spcBef>
+              <a:buClr>
+                <a:srgbClr val="000000"/>
+              </a:buClr>
+              <a:buSzPct val="75000"/>
+              <a:buFont typeface="Symbol" charset="2"/>
+              <a:buChar char=""/>
+            </a:pPr>
+            <a:r>
+              <a:rPr lang="de-DE" sz="2000" b="0" strike="noStrike" spc="-1">
+                <a:solidFill>
+                  <a:srgbClr val="000000"/>
+                </a:solidFill>
+                <a:latin typeface="Calibri"/>
+              </a:rPr>
+              <a:t>Anbinden des Socket.IO-Servers an Express-Server und Weiterleitung aller anderen Anfragen an NextJS-Server</a:t>
+            </a:r>
+          </a:p>
+        </p:txBody>
+      </p:sp>
+      <p:pic>
+        <p:nvPicPr>
+          <p:cNvPr id="134" name="Grafik 5"/>
+          <p:cNvPicPr/>
+          <p:nvPr/>
+        </p:nvPicPr>
+        <p:blipFill>
+          <a:blip r:embed="rId3"/>
+          <a:stretch/>
+        </p:blipFill>
+        <p:spPr>
+          <a:xfrm>
+            <a:off x="7315200" y="591840"/>
+            <a:ext cx="1850760" cy="1233720"/>
+          </a:xfrm>
+          <a:prstGeom prst="rect">
+            <a:avLst/>
+          </a:prstGeom>
+          <a:ln w="0">
+            <a:noFill/>
+          </a:ln>
+        </p:spPr>
+      </p:pic>
+    </p:spTree>
+  </p:cSld>
+  <p:clrMapOvr>
+    <a:masterClrMapping/>
+  </p:clrMapOvr>
+</p:sld>
+</file>
+
+<file path=ppt/slides/slide18.xml><?xml version="1.0" encoding="utf-8"?>
+<p:sld xmlns:a="http://schemas.openxmlformats.org/drawingml/2006/main" xmlns:r="http://schemas.openxmlformats.org/officeDocument/2006/relationships" xmlns:p="http://schemas.openxmlformats.org/presentationml/2006/main">
+  <p:cSld>
+    <p:spTree>
+      <p:nvGrpSpPr>
+        <p:cNvPr id="1" name=""/>
+        <p:cNvGrpSpPr/>
+        <p:nvPr/>
+      </p:nvGrpSpPr>
+      <p:grpSpPr>
+        <a:xfrm>
+          <a:off x="0" y="0"/>
+          <a:ext cx="0" cy="0"/>
+          <a:chOff x="0" y="0"/>
+          <a:chExt cx="0" cy="0"/>
+        </a:xfrm>
+      </p:grpSpPr>
+      <p:sp>
+        <p:nvSpPr>
+          <p:cNvPr id="6" name="Titel 1">
+            <a:extLst>
+              <a:ext uri="{FF2B5EF4-FFF2-40B4-BE49-F238E27FC236}">
+                <a16:creationId xmlns:a16="http://schemas.microsoft.com/office/drawing/2014/main" id="{C9121EA8-415A-4D7E-906F-D2EF9EBC61A0}"/>
+              </a:ext>
+            </a:extLst>
+          </p:cNvPr>
+          <p:cNvSpPr>
+            <a:spLocks noGrp="1"/>
+          </p:cNvSpPr>
+          <p:nvPr>
+            <p:ph type="title"/>
+          </p:nvPr>
+        </p:nvSpPr>
+        <p:spPr>
+          <a:xfrm>
+            <a:off x="838200" y="365125"/>
+            <a:ext cx="10515600" cy="1325563"/>
+          </a:xfrm>
+        </p:spPr>
+        <p:txBody>
+          <a:bodyPr>
+            <a:normAutofit/>
+          </a:bodyPr>
+          <a:lstStyle/>
+          <a:p>
+            <a:r>
+              <a:rPr lang="de-DE" sz="3600"/>
+              <a:t>Warum ReactJS?</a:t>
+            </a:r>
+            <a:endParaRPr lang="de-DE" sz="3600" dirty="0"/>
+          </a:p>
+        </p:txBody>
+      </p:sp>
+      <p:sp>
+        <p:nvSpPr>
+          <p:cNvPr id="7" name="Inhaltsplatzhalter 2">
+            <a:extLst>
+              <a:ext uri="{FF2B5EF4-FFF2-40B4-BE49-F238E27FC236}">
+                <a16:creationId xmlns:a16="http://schemas.microsoft.com/office/drawing/2014/main" id="{D1DE88C1-BC69-426E-96B8-C606AE3F2FA8}"/>
+              </a:ext>
+            </a:extLst>
+          </p:cNvPr>
+          <p:cNvSpPr>
+            <a:spLocks noGrp="1"/>
+          </p:cNvSpPr>
+          <p:nvPr>
+            <p:ph idx="1"/>
+          </p:nvPr>
+        </p:nvSpPr>
+        <p:spPr>
+          <a:xfrm>
+            <a:off x="838200" y="1825625"/>
+            <a:ext cx="10515600" cy="4351338"/>
+          </a:xfrm>
+        </p:spPr>
         <p:txBody>
           <a:bodyPr/>
           <a:lstStyle/>
           <a:p>
-            <a:r>
-              <a:rPr lang="de-DE" dirty="0"/>
-              <a:t>Probleme</a:t>
-            </a:r>
-          </a:p>
-        </p:txBody>
-      </p:sp>
-      <p:sp>
-        <p:nvSpPr>
-          <p:cNvPr id="3" name="Inhaltsplatzhalter 2">
-            <a:extLst>
-              <a:ext uri="{FF2B5EF4-FFF2-40B4-BE49-F238E27FC236}">
-                <a16:creationId xmlns:a16="http://schemas.microsoft.com/office/drawing/2014/main" id="{A485DA66-E4CB-4659-B8CE-53F10D9DFD96}"/>
-              </a:ext>
-            </a:extLst>
-          </p:cNvPr>
-          <p:cNvSpPr>
-            <a:spLocks noGrp="1"/>
-          </p:cNvSpPr>
-          <p:nvPr>
-            <p:ph idx="1"/>
-          </p:nvPr>
-        </p:nvSpPr>
-        <p:spPr/>
-        <p:txBody>
-          <a:bodyPr/>
-          <a:lstStyle/>
-          <a:p>
-            <a:r>
-              <a:rPr lang="de-DE" dirty="0"/>
-              <a:t>MongoDB Replica Set (Jonas)</a:t>
-            </a:r>
-          </a:p>
-          <a:p>
-            <a:r>
-              <a:rPr lang="de-DE" dirty="0"/>
-              <a:t>Custom </a:t>
-            </a:r>
-            <a:r>
-              <a:rPr lang="de-DE" dirty="0" err="1"/>
-              <a:t>NextJS</a:t>
-            </a:r>
-            <a:r>
-              <a:rPr lang="de-DE" dirty="0"/>
-              <a:t> Server Logik </a:t>
-            </a:r>
-            <a:r>
-              <a:rPr lang="de-DE"/>
-              <a:t>(Tilman)</a:t>
-            </a:r>
-            <a:endParaRPr lang="de-DE" dirty="0"/>
-          </a:p>
-          <a:p>
-            <a:r>
-              <a:rPr lang="de-DE" dirty="0" err="1"/>
+            <a:pPr>
+              <a:spcAft>
+                <a:spcPts val="800"/>
+              </a:spcAft>
+            </a:pPr>
+            <a:r>
+              <a:rPr lang="de-DE" sz="1800" kern="100" dirty="0">
+                <a:effectLst/>
+                <a:latin typeface="Calibri" panose="020F0502020204030204" pitchFamily="34" charset="0"/>
+                <a:ea typeface="Calibri" panose="020F0502020204030204" pitchFamily="34" charset="0"/>
+                <a:cs typeface="Times New Roman" panose="02020603050405020304" pitchFamily="18" charset="0"/>
+              </a:rPr>
+              <a:t>Komponentenbasierte Architektur</a:t>
+            </a:r>
+          </a:p>
+          <a:p>
+            <a:pPr>
+              <a:spcAft>
+                <a:spcPts val="800"/>
+              </a:spcAft>
+            </a:pPr>
+            <a:r>
+              <a:rPr lang="de-DE" sz="1800" kern="100" dirty="0">
+                <a:effectLst/>
+                <a:latin typeface="Calibri" panose="020F0502020204030204" pitchFamily="34" charset="0"/>
+                <a:ea typeface="Calibri" panose="020F0502020204030204" pitchFamily="34" charset="0"/>
+                <a:cs typeface="Times New Roman" panose="02020603050405020304" pitchFamily="18" charset="0"/>
+              </a:rPr>
+              <a:t>Virtual DOMS</a:t>
+            </a:r>
+          </a:p>
+          <a:p>
+            <a:pPr>
+              <a:spcAft>
+                <a:spcPts val="800"/>
+              </a:spcAft>
+            </a:pPr>
+            <a:r>
+              <a:rPr lang="de-DE" sz="1800" kern="100" dirty="0">
+                <a:latin typeface="Calibri" panose="020F0502020204030204" pitchFamily="34" charset="0"/>
+                <a:cs typeface="Times New Roman" panose="02020603050405020304" pitchFamily="18" charset="0"/>
+              </a:rPr>
+              <a:t>Reaktives Rendering</a:t>
+            </a:r>
+          </a:p>
+          <a:p>
+            <a:pPr>
+              <a:spcAft>
+                <a:spcPts val="800"/>
+              </a:spcAft>
+            </a:pPr>
+            <a:r>
+              <a:rPr lang="de-DE" sz="1800" kern="100" dirty="0" err="1">
+                <a:latin typeface="Calibri" panose="020F0502020204030204" pitchFamily="34" charset="0"/>
+                <a:cs typeface="Times New Roman" panose="02020603050405020304" pitchFamily="18" charset="0"/>
+              </a:rPr>
               <a:t>React</a:t>
             </a:r>
             <a:r>
-              <a:rPr lang="de-DE" dirty="0"/>
-              <a:t> Performance: Use </a:t>
-            </a:r>
-            <a:r>
-              <a:rPr lang="de-DE" dirty="0" err="1"/>
-              <a:t>Effect</a:t>
-            </a:r>
-            <a:r>
-              <a:rPr lang="de-DE" dirty="0"/>
-              <a:t> (Pascal)</a:t>
-            </a:r>
-          </a:p>
-          <a:p>
-            <a:r>
-              <a:rPr lang="de-DE" dirty="0"/>
-              <a:t>Persistieren von Externen Usern (Ludwig)</a:t>
-            </a:r>
-          </a:p>
-          <a:p>
-            <a:endParaRPr lang="de-DE" dirty="0"/>
-          </a:p>
-        </p:txBody>
-      </p:sp>
+              <a:rPr lang="de-DE" sz="1800" kern="100" dirty="0">
+                <a:latin typeface="Calibri" panose="020F0502020204030204" pitchFamily="34" charset="0"/>
+                <a:cs typeface="Times New Roman" panose="02020603050405020304" pitchFamily="18" charset="0"/>
+              </a:rPr>
+              <a:t> Hooks</a:t>
+            </a:r>
+          </a:p>
+          <a:p>
+            <a:pPr>
+              <a:spcAft>
+                <a:spcPts val="800"/>
+              </a:spcAft>
+            </a:pPr>
+            <a:r>
+              <a:rPr lang="de-DE" sz="1800" kern="100" dirty="0">
+                <a:latin typeface="Calibri" panose="020F0502020204030204" pitchFamily="34" charset="0"/>
+                <a:cs typeface="Times New Roman" panose="02020603050405020304" pitchFamily="18" charset="0"/>
+              </a:rPr>
+              <a:t>Serverseitiges Rendern</a:t>
+            </a:r>
+          </a:p>
+        </p:txBody>
+      </p:sp>
+      <p:pic>
+        <p:nvPicPr>
+          <p:cNvPr id="1026" name="Picture 2">
+            <a:extLst>
+              <a:ext uri="{FF2B5EF4-FFF2-40B4-BE49-F238E27FC236}">
+                <a16:creationId xmlns:a16="http://schemas.microsoft.com/office/drawing/2014/main" id="{D7A9F640-584E-98C0-7C8B-78950F09D559}"/>
+              </a:ext>
+            </a:extLst>
+          </p:cNvPr>
+          <p:cNvPicPr>
+            <a:picLocks noChangeAspect="1" noChangeArrowheads="1"/>
+          </p:cNvPicPr>
+          <p:nvPr/>
+        </p:nvPicPr>
+        <p:blipFill>
+          <a:blip r:embed="rId2">
+            <a:extLst>
+              <a:ext uri="{28A0092B-C50C-407E-A947-70E740481C1C}">
+                <a14:useLocalDpi xmlns:a14="http://schemas.microsoft.com/office/drawing/2010/main" val="0"/>
+              </a:ext>
+            </a:extLst>
+          </a:blip>
+          <a:srcRect/>
+          <a:stretch>
+            <a:fillRect/>
+          </a:stretch>
+        </p:blipFill>
+        <p:spPr bwMode="auto">
+          <a:xfrm>
+            <a:off x="9189044" y="193776"/>
+            <a:ext cx="2164756" cy="1881477"/>
+          </a:xfrm>
+          <a:prstGeom prst="rect">
+            <a:avLst/>
+          </a:prstGeom>
+          <a:noFill/>
+          <a:extLst>
+            <a:ext uri="{909E8E84-426E-40DD-AFC4-6F175D3DCCD1}">
+              <a14:hiddenFill xmlns:a14="http://schemas.microsoft.com/office/drawing/2010/main">
+                <a:solidFill>
+                  <a:srgbClr val="FFFFFF"/>
+                </a:solidFill>
+              </a14:hiddenFill>
+            </a:ext>
+          </a:extLst>
+        </p:spPr>
+      </p:pic>
     </p:spTree>
     <p:extLst>
       <p:ext uri="{BB962C8B-B14F-4D97-AF65-F5344CB8AC3E}">
-        <p14:creationId xmlns:p14="http://schemas.microsoft.com/office/powerpoint/2010/main" val="2178727426"/>
+        <p14:creationId xmlns:p14="http://schemas.microsoft.com/office/powerpoint/2010/main" val="936783842"/>
+      </p:ext>
+    </p:extLst>
+  </p:cSld>
+  <p:clrMapOvr>
+    <a:masterClrMapping/>
+  </p:clrMapOvr>
+</p:sld>
+</file>
+
+<file path=ppt/slides/slide19.xml><?xml version="1.0" encoding="utf-8"?>
+<p:sld xmlns:a="http://schemas.openxmlformats.org/drawingml/2006/main" xmlns:r="http://schemas.openxmlformats.org/officeDocument/2006/relationships" xmlns:p="http://schemas.openxmlformats.org/presentationml/2006/main">
+  <p:cSld>
+    <p:spTree>
+      <p:nvGrpSpPr>
+        <p:cNvPr id="1" name=""/>
+        <p:cNvGrpSpPr/>
+        <p:nvPr/>
+      </p:nvGrpSpPr>
+      <p:grpSpPr>
+        <a:xfrm>
+          <a:off x="0" y="0"/>
+          <a:ext cx="0" cy="0"/>
+          <a:chOff x="0" y="0"/>
+          <a:chExt cx="0" cy="0"/>
+        </a:xfrm>
+      </p:grpSpPr>
+      <p:sp>
+        <p:nvSpPr>
+          <p:cNvPr id="6" name="Titel 1">
+            <a:extLst>
+              <a:ext uri="{FF2B5EF4-FFF2-40B4-BE49-F238E27FC236}">
+                <a16:creationId xmlns:a16="http://schemas.microsoft.com/office/drawing/2014/main" id="{C9121EA8-415A-4D7E-906F-D2EF9EBC61A0}"/>
+              </a:ext>
+            </a:extLst>
+          </p:cNvPr>
+          <p:cNvSpPr>
+            <a:spLocks noGrp="1"/>
+          </p:cNvSpPr>
+          <p:nvPr>
+            <p:ph type="title"/>
+          </p:nvPr>
+        </p:nvSpPr>
+        <p:spPr>
+          <a:xfrm>
+            <a:off x="838200" y="365125"/>
+            <a:ext cx="10515600" cy="1325563"/>
+          </a:xfrm>
+        </p:spPr>
+        <p:txBody>
+          <a:bodyPr>
+            <a:normAutofit/>
+          </a:bodyPr>
+          <a:lstStyle/>
+          <a:p>
+            <a:r>
+              <a:rPr lang="de-DE" sz="3600" kern="100" dirty="0">
+                <a:effectLst/>
+                <a:latin typeface="Calibri Light" panose="020F0302020204030204" pitchFamily="34" charset="0"/>
+                <a:ea typeface="Calibri Light" panose="020F0302020204030204" pitchFamily="34" charset="0"/>
+                <a:cs typeface="Calibri Light" panose="020F0302020204030204" pitchFamily="34" charset="0"/>
+              </a:rPr>
+              <a:t>Problem - </a:t>
+            </a:r>
+            <a:r>
+              <a:rPr lang="de-DE" sz="3600" kern="100" dirty="0" err="1">
+                <a:effectLst/>
+                <a:latin typeface="Calibri Light" panose="020F0302020204030204" pitchFamily="34" charset="0"/>
+                <a:ea typeface="Calibri Light" panose="020F0302020204030204" pitchFamily="34" charset="0"/>
+                <a:cs typeface="Calibri Light" panose="020F0302020204030204" pitchFamily="34" charset="0"/>
+              </a:rPr>
+              <a:t>React</a:t>
+            </a:r>
+            <a:r>
+              <a:rPr lang="de-DE" sz="3600" kern="100" dirty="0">
+                <a:effectLst/>
+                <a:latin typeface="Calibri Light" panose="020F0302020204030204" pitchFamily="34" charset="0"/>
+                <a:ea typeface="Calibri Light" panose="020F0302020204030204" pitchFamily="34" charset="0"/>
+                <a:cs typeface="Calibri Light" panose="020F0302020204030204" pitchFamily="34" charset="0"/>
+              </a:rPr>
+              <a:t> Performance</a:t>
+            </a:r>
+            <a:endParaRPr lang="de-DE" sz="3600" dirty="0"/>
+          </a:p>
+        </p:txBody>
+      </p:sp>
+      <p:sp>
+        <p:nvSpPr>
+          <p:cNvPr id="7" name="Inhaltsplatzhalter 2">
+            <a:extLst>
+              <a:ext uri="{FF2B5EF4-FFF2-40B4-BE49-F238E27FC236}">
+                <a16:creationId xmlns:a16="http://schemas.microsoft.com/office/drawing/2014/main" id="{D1DE88C1-BC69-426E-96B8-C606AE3F2FA8}"/>
+              </a:ext>
+            </a:extLst>
+          </p:cNvPr>
+          <p:cNvSpPr>
+            <a:spLocks noGrp="1"/>
+          </p:cNvSpPr>
+          <p:nvPr>
+            <p:ph idx="1"/>
+          </p:nvPr>
+        </p:nvSpPr>
+        <p:spPr>
+          <a:xfrm>
+            <a:off x="838200" y="1825625"/>
+            <a:ext cx="10515600" cy="4351338"/>
+          </a:xfrm>
+        </p:spPr>
+        <p:txBody>
+          <a:bodyPr/>
+          <a:lstStyle/>
+          <a:p>
+            <a:pPr>
+              <a:spcAft>
+                <a:spcPts val="800"/>
+              </a:spcAft>
+            </a:pPr>
+            <a:r>
+              <a:rPr lang="de-DE" sz="1800" kern="100" dirty="0" err="1">
+                <a:latin typeface="Calibri" panose="020F0502020204030204" pitchFamily="34" charset="0"/>
+                <a:ea typeface="Calibri" panose="020F0502020204030204" pitchFamily="34" charset="0"/>
+                <a:cs typeface="Times New Roman" panose="02020603050405020304" pitchFamily="18" charset="0"/>
+              </a:rPr>
+              <a:t>React</a:t>
+            </a:r>
+            <a:r>
+              <a:rPr lang="de-DE" sz="1800" kern="100" dirty="0">
+                <a:latin typeface="Calibri" panose="020F0502020204030204" pitchFamily="34" charset="0"/>
+                <a:ea typeface="Calibri" panose="020F0502020204030204" pitchFamily="34" charset="0"/>
+                <a:cs typeface="Times New Roman" panose="02020603050405020304" pitchFamily="18" charset="0"/>
+              </a:rPr>
+              <a:t> Hooks</a:t>
+            </a:r>
+            <a:endParaRPr lang="de-DE" sz="1800" kern="100" dirty="0">
+              <a:effectLst/>
+              <a:latin typeface="Calibri" panose="020F0502020204030204" pitchFamily="34" charset="0"/>
+              <a:ea typeface="Calibri" panose="020F0502020204030204" pitchFamily="34" charset="0"/>
+              <a:cs typeface="Times New Roman" panose="02020603050405020304" pitchFamily="18" charset="0"/>
+            </a:endParaRPr>
+          </a:p>
+          <a:p>
+            <a:pPr>
+              <a:spcAft>
+                <a:spcPts val="800"/>
+              </a:spcAft>
+            </a:pPr>
+            <a:r>
+              <a:rPr lang="de-DE" sz="1800" kern="100" dirty="0">
+                <a:effectLst/>
+                <a:latin typeface="Calibri" panose="020F0502020204030204" pitchFamily="34" charset="0"/>
+                <a:ea typeface="Calibri" panose="020F0502020204030204" pitchFamily="34" charset="0"/>
+                <a:cs typeface="Times New Roman" panose="02020603050405020304" pitchFamily="18" charset="0"/>
+              </a:rPr>
+              <a:t>Schlüsselfunktion </a:t>
+            </a:r>
+            <a:r>
+              <a:rPr lang="de-DE" sz="1800" kern="100" dirty="0" err="1">
+                <a:effectLst/>
+                <a:latin typeface="Calibri" panose="020F0502020204030204" pitchFamily="34" charset="0"/>
+                <a:ea typeface="Calibri" panose="020F0502020204030204" pitchFamily="34" charset="0"/>
+                <a:cs typeface="Times New Roman" panose="02020603050405020304" pitchFamily="18" charset="0"/>
+              </a:rPr>
+              <a:t>useEffect</a:t>
+            </a:r>
+            <a:endParaRPr lang="de-DE" sz="1800" kern="100" dirty="0">
+              <a:effectLst/>
+              <a:latin typeface="Calibri" panose="020F0502020204030204" pitchFamily="34" charset="0"/>
+              <a:ea typeface="Calibri" panose="020F0502020204030204" pitchFamily="34" charset="0"/>
+              <a:cs typeface="Times New Roman" panose="02020603050405020304" pitchFamily="18" charset="0"/>
+            </a:endParaRPr>
+          </a:p>
+          <a:p>
+            <a:pPr>
+              <a:spcAft>
+                <a:spcPts val="800"/>
+              </a:spcAft>
+            </a:pPr>
+            <a:r>
+              <a:rPr lang="de-DE" sz="1800" kern="100" dirty="0">
+                <a:latin typeface="Calibri" panose="020F0502020204030204" pitchFamily="34" charset="0"/>
+                <a:cs typeface="Times New Roman" panose="02020603050405020304" pitchFamily="18" charset="0"/>
+              </a:rPr>
+              <a:t>Performanceprobleme durch häufige Ausführung von </a:t>
+            </a:r>
+            <a:r>
+              <a:rPr lang="de-DE" sz="1800" kern="100" dirty="0" err="1">
+                <a:latin typeface="Calibri" panose="020F0502020204030204" pitchFamily="34" charset="0"/>
+                <a:cs typeface="Times New Roman" panose="02020603050405020304" pitchFamily="18" charset="0"/>
+              </a:rPr>
+              <a:t>useEffect</a:t>
+            </a:r>
+            <a:endParaRPr lang="de-DE" sz="1800" kern="100" dirty="0">
+              <a:latin typeface="Calibri" panose="020F0502020204030204" pitchFamily="34" charset="0"/>
+              <a:cs typeface="Times New Roman" panose="02020603050405020304" pitchFamily="18" charset="0"/>
+            </a:endParaRPr>
+          </a:p>
+          <a:p>
+            <a:pPr marL="0" indent="0">
+              <a:spcAft>
+                <a:spcPts val="800"/>
+              </a:spcAft>
+              <a:buNone/>
+            </a:pPr>
+            <a:r>
+              <a:rPr lang="de-DE" sz="1800" kern="100" dirty="0">
+                <a:latin typeface="Calibri" panose="020F0502020204030204" pitchFamily="34" charset="0"/>
+                <a:cs typeface="Times New Roman" panose="02020603050405020304" pitchFamily="18" charset="0"/>
+              </a:rPr>
+              <a:t>-&gt; Optimierung der Side </a:t>
+            </a:r>
+            <a:r>
+              <a:rPr lang="de-DE" sz="1800" kern="100" dirty="0" err="1">
+                <a:latin typeface="Calibri" panose="020F0502020204030204" pitchFamily="34" charset="0"/>
+                <a:cs typeface="Times New Roman" panose="02020603050405020304" pitchFamily="18" charset="0"/>
+              </a:rPr>
+              <a:t>Effects</a:t>
+            </a:r>
+            <a:r>
+              <a:rPr lang="de-DE" sz="1800" kern="100" dirty="0">
+                <a:latin typeface="Calibri" panose="020F0502020204030204" pitchFamily="34" charset="0"/>
+                <a:cs typeface="Times New Roman" panose="02020603050405020304" pitchFamily="18" charset="0"/>
+              </a:rPr>
+              <a:t> in </a:t>
+            </a:r>
+            <a:r>
+              <a:rPr lang="de-DE" sz="1800" kern="100" dirty="0" err="1">
+                <a:latin typeface="Calibri" panose="020F0502020204030204" pitchFamily="34" charset="0"/>
+                <a:cs typeface="Times New Roman" panose="02020603050405020304" pitchFamily="18" charset="0"/>
+              </a:rPr>
+              <a:t>useEffect</a:t>
+            </a:r>
+            <a:endParaRPr lang="de-DE" sz="1800" dirty="0"/>
+          </a:p>
+        </p:txBody>
+      </p:sp>
+    </p:spTree>
+    <p:extLst>
+      <p:ext uri="{BB962C8B-B14F-4D97-AF65-F5344CB8AC3E}">
+        <p14:creationId xmlns:p14="http://schemas.microsoft.com/office/powerpoint/2010/main" val="485828080"/>
       </p:ext>
     </p:extLst>
   </p:cSld>
@@ -4527,6 +6679,350 @@
 </p:sld>
 </file>
 
+<file path=ppt/slides/slide20.xml><?xml version="1.0" encoding="utf-8"?>
+<p:sld xmlns:a="http://schemas.openxmlformats.org/drawingml/2006/main" xmlns:r="http://schemas.openxmlformats.org/officeDocument/2006/relationships" xmlns:p="http://schemas.openxmlformats.org/presentationml/2006/main">
+  <p:cSld>
+    <p:spTree>
+      <p:nvGrpSpPr>
+        <p:cNvPr id="1" name=""/>
+        <p:cNvGrpSpPr/>
+        <p:nvPr/>
+      </p:nvGrpSpPr>
+      <p:grpSpPr>
+        <a:xfrm>
+          <a:off x="0" y="0"/>
+          <a:ext cx="0" cy="0"/>
+          <a:chOff x="0" y="0"/>
+          <a:chExt cx="0" cy="0"/>
+        </a:xfrm>
+      </p:grpSpPr>
+      <p:sp>
+        <p:nvSpPr>
+          <p:cNvPr id="2" name="Titel 1">
+            <a:extLst>
+              <a:ext uri="{FF2B5EF4-FFF2-40B4-BE49-F238E27FC236}">
+                <a16:creationId xmlns:a16="http://schemas.microsoft.com/office/drawing/2014/main" id="{CF442ED9-5CF8-4CB4-9653-DAEA3B671E9A}"/>
+              </a:ext>
+            </a:extLst>
+          </p:cNvPr>
+          <p:cNvSpPr>
+            <a:spLocks noGrp="1"/>
+          </p:cNvSpPr>
+          <p:nvPr>
+            <p:ph type="title"/>
+          </p:nvPr>
+        </p:nvSpPr>
+        <p:spPr/>
+        <p:txBody>
+          <a:bodyPr/>
+          <a:lstStyle/>
+          <a:p>
+            <a:r>
+              <a:rPr lang="de-DE" dirty="0" err="1"/>
+              <a:t>NextJS</a:t>
+            </a:r>
+            <a:endParaRPr lang="de-DE" dirty="0"/>
+          </a:p>
+        </p:txBody>
+      </p:sp>
+      <p:sp>
+        <p:nvSpPr>
+          <p:cNvPr id="3" name="Inhaltsplatzhalter 2">
+            <a:extLst>
+              <a:ext uri="{FF2B5EF4-FFF2-40B4-BE49-F238E27FC236}">
+                <a16:creationId xmlns:a16="http://schemas.microsoft.com/office/drawing/2014/main" id="{F3540F35-E8F5-41AA-8428-5A76FDEA5D75}"/>
+              </a:ext>
+            </a:extLst>
+          </p:cNvPr>
+          <p:cNvSpPr>
+            <a:spLocks noGrp="1"/>
+          </p:cNvSpPr>
+          <p:nvPr>
+            <p:ph idx="1"/>
+          </p:nvPr>
+        </p:nvSpPr>
+        <p:spPr/>
+        <p:txBody>
+          <a:bodyPr/>
+          <a:lstStyle/>
+          <a:p>
+            <a:endParaRPr lang="de-DE" dirty="0"/>
+          </a:p>
+        </p:txBody>
+      </p:sp>
+    </p:spTree>
+    <p:extLst>
+      <p:ext uri="{BB962C8B-B14F-4D97-AF65-F5344CB8AC3E}">
+        <p14:creationId xmlns:p14="http://schemas.microsoft.com/office/powerpoint/2010/main" val="474333026"/>
+      </p:ext>
+    </p:extLst>
+  </p:cSld>
+  <p:clrMapOvr>
+    <a:masterClrMapping/>
+  </p:clrMapOvr>
+</p:sld>
+</file>
+
+<file path=ppt/slides/slide21.xml><?xml version="1.0" encoding="utf-8"?>
+<p:sld xmlns:a="http://schemas.openxmlformats.org/drawingml/2006/main" xmlns:r="http://schemas.openxmlformats.org/officeDocument/2006/relationships" xmlns:p="http://schemas.openxmlformats.org/presentationml/2006/main" show="0">
+  <p:cSld>
+    <p:spTree>
+      <p:nvGrpSpPr>
+        <p:cNvPr id="1" name=""/>
+        <p:cNvGrpSpPr/>
+        <p:nvPr/>
+      </p:nvGrpSpPr>
+      <p:grpSpPr>
+        <a:xfrm>
+          <a:off x="0" y="0"/>
+          <a:ext cx="0" cy="0"/>
+          <a:chOff x="0" y="0"/>
+          <a:chExt cx="0" cy="0"/>
+        </a:xfrm>
+      </p:grpSpPr>
+      <p:sp>
+        <p:nvSpPr>
+          <p:cNvPr id="2" name="Titel 1">
+            <a:extLst>
+              <a:ext uri="{FF2B5EF4-FFF2-40B4-BE49-F238E27FC236}">
+                <a16:creationId xmlns:a16="http://schemas.microsoft.com/office/drawing/2014/main" id="{F8229A92-F481-4498-B8EF-3D08A80C8B59}"/>
+              </a:ext>
+            </a:extLst>
+          </p:cNvPr>
+          <p:cNvSpPr>
+            <a:spLocks noGrp="1"/>
+          </p:cNvSpPr>
+          <p:nvPr>
+            <p:ph type="title"/>
+          </p:nvPr>
+        </p:nvSpPr>
+        <p:spPr/>
+        <p:txBody>
+          <a:bodyPr/>
+          <a:lstStyle/>
+          <a:p>
+            <a:r>
+              <a:rPr lang="de-DE" dirty="0"/>
+              <a:t>Verwendete Tools</a:t>
+            </a:r>
+          </a:p>
+        </p:txBody>
+      </p:sp>
+      <p:sp>
+        <p:nvSpPr>
+          <p:cNvPr id="3" name="Inhaltsplatzhalter 2">
+            <a:extLst>
+              <a:ext uri="{FF2B5EF4-FFF2-40B4-BE49-F238E27FC236}">
+                <a16:creationId xmlns:a16="http://schemas.microsoft.com/office/drawing/2014/main" id="{6FCEA494-1577-4C92-8291-F5691E7BE30E}"/>
+              </a:ext>
+            </a:extLst>
+          </p:cNvPr>
+          <p:cNvSpPr>
+            <a:spLocks noGrp="1"/>
+          </p:cNvSpPr>
+          <p:nvPr>
+            <p:ph idx="1"/>
+          </p:nvPr>
+        </p:nvSpPr>
+        <p:spPr/>
+        <p:txBody>
+          <a:bodyPr/>
+          <a:lstStyle/>
+          <a:p>
+            <a:r>
+              <a:rPr lang="de-DE" dirty="0"/>
+              <a:t>Prisma</a:t>
+            </a:r>
+          </a:p>
+          <a:p>
+            <a:r>
+              <a:rPr lang="de-DE" dirty="0" err="1"/>
+              <a:t>NextJs</a:t>
+            </a:r>
+            <a:endParaRPr lang="de-DE" dirty="0"/>
+          </a:p>
+          <a:p>
+            <a:r>
+              <a:rPr lang="de-DE" dirty="0" err="1"/>
+              <a:t>NextAuth</a:t>
+            </a:r>
+            <a:endParaRPr lang="de-DE" dirty="0"/>
+          </a:p>
+          <a:p>
+            <a:r>
+              <a:rPr lang="de-DE" dirty="0" err="1"/>
+              <a:t>HuggingFace</a:t>
+            </a:r>
+            <a:endParaRPr lang="de-DE" dirty="0"/>
+          </a:p>
+          <a:p>
+            <a:r>
+              <a:rPr lang="de-DE" dirty="0"/>
+              <a:t>Socket.IO</a:t>
+            </a:r>
+          </a:p>
+          <a:p>
+            <a:r>
+              <a:rPr lang="de-DE" dirty="0"/>
+              <a:t>Lottie</a:t>
+            </a:r>
+          </a:p>
+          <a:p>
+            <a:endParaRPr lang="de-DE" dirty="0"/>
+          </a:p>
+          <a:p>
+            <a:endParaRPr lang="de-DE" dirty="0"/>
+          </a:p>
+          <a:p>
+            <a:endParaRPr lang="de-DE" dirty="0"/>
+          </a:p>
+        </p:txBody>
+      </p:sp>
+    </p:spTree>
+    <p:extLst>
+      <p:ext uri="{BB962C8B-B14F-4D97-AF65-F5344CB8AC3E}">
+        <p14:creationId xmlns:p14="http://schemas.microsoft.com/office/powerpoint/2010/main" val="991643680"/>
+      </p:ext>
+    </p:extLst>
+  </p:cSld>
+  <p:clrMapOvr>
+    <a:masterClrMapping/>
+  </p:clrMapOvr>
+</p:sld>
+</file>
+
+<file path=ppt/slides/slide22.xml><?xml version="1.0" encoding="utf-8"?>
+<p:sld xmlns:a="http://schemas.openxmlformats.org/drawingml/2006/main" xmlns:r="http://schemas.openxmlformats.org/officeDocument/2006/relationships" xmlns:p="http://schemas.openxmlformats.org/presentationml/2006/main">
+  <p:cSld>
+    <p:spTree>
+      <p:nvGrpSpPr>
+        <p:cNvPr id="1" name=""/>
+        <p:cNvGrpSpPr/>
+        <p:nvPr/>
+      </p:nvGrpSpPr>
+      <p:grpSpPr>
+        <a:xfrm>
+          <a:off x="0" y="0"/>
+          <a:ext cx="0" cy="0"/>
+          <a:chOff x="0" y="0"/>
+          <a:chExt cx="0" cy="0"/>
+        </a:xfrm>
+      </p:grpSpPr>
+      <p:sp>
+        <p:nvSpPr>
+          <p:cNvPr id="2" name="Titel 1">
+            <a:extLst>
+              <a:ext uri="{FF2B5EF4-FFF2-40B4-BE49-F238E27FC236}">
+                <a16:creationId xmlns:a16="http://schemas.microsoft.com/office/drawing/2014/main" id="{D0287B23-21DF-4CAC-AB06-25F8B12F3E58}"/>
+              </a:ext>
+            </a:extLst>
+          </p:cNvPr>
+          <p:cNvSpPr>
+            <a:spLocks noGrp="1"/>
+          </p:cNvSpPr>
+          <p:nvPr>
+            <p:ph type="title"/>
+          </p:nvPr>
+        </p:nvSpPr>
+        <p:spPr/>
+        <p:txBody>
+          <a:bodyPr/>
+          <a:lstStyle/>
+          <a:p>
+            <a:r>
+              <a:rPr lang="de-DE" dirty="0"/>
+              <a:t>Probleme</a:t>
+            </a:r>
+          </a:p>
+        </p:txBody>
+      </p:sp>
+      <p:sp>
+        <p:nvSpPr>
+          <p:cNvPr id="3" name="Inhaltsplatzhalter 2">
+            <a:extLst>
+              <a:ext uri="{FF2B5EF4-FFF2-40B4-BE49-F238E27FC236}">
+                <a16:creationId xmlns:a16="http://schemas.microsoft.com/office/drawing/2014/main" id="{A485DA66-E4CB-4659-B8CE-53F10D9DFD96}"/>
+              </a:ext>
+            </a:extLst>
+          </p:cNvPr>
+          <p:cNvSpPr>
+            <a:spLocks noGrp="1"/>
+          </p:cNvSpPr>
+          <p:nvPr>
+            <p:ph idx="1"/>
+          </p:nvPr>
+        </p:nvSpPr>
+        <p:spPr/>
+        <p:txBody>
+          <a:bodyPr/>
+          <a:lstStyle/>
+          <a:p>
+            <a:r>
+              <a:rPr lang="de-DE" dirty="0"/>
+              <a:t>MongoDB Replica Set (Jonas)</a:t>
+            </a:r>
+          </a:p>
+          <a:p>
+            <a:r>
+              <a:rPr lang="de-DE" dirty="0"/>
+              <a:t>Custom </a:t>
+            </a:r>
+            <a:r>
+              <a:rPr lang="de-DE" dirty="0" err="1"/>
+              <a:t>NextJS</a:t>
+            </a:r>
+            <a:r>
+              <a:rPr lang="de-DE" dirty="0"/>
+              <a:t> Server Logik </a:t>
+            </a:r>
+            <a:r>
+              <a:rPr lang="de-DE"/>
+              <a:t>(Tilman)</a:t>
+            </a:r>
+            <a:endParaRPr lang="de-DE" dirty="0"/>
+          </a:p>
+          <a:p>
+            <a:r>
+              <a:rPr lang="de-DE" dirty="0" err="1"/>
+              <a:t>React</a:t>
+            </a:r>
+            <a:r>
+              <a:rPr lang="de-DE" dirty="0"/>
+              <a:t> Performance: Use </a:t>
+            </a:r>
+            <a:r>
+              <a:rPr lang="de-DE" dirty="0" err="1"/>
+              <a:t>Effect</a:t>
+            </a:r>
+            <a:r>
+              <a:rPr lang="de-DE" dirty="0"/>
+              <a:t> (Pascal)</a:t>
+            </a:r>
+          </a:p>
+          <a:p>
+            <a:r>
+              <a:rPr lang="de-DE" dirty="0"/>
+              <a:t>Persistieren von Externen Usern (Ludwig)</a:t>
+            </a:r>
+          </a:p>
+          <a:p>
+            <a:endParaRPr lang="de-DE" dirty="0"/>
+          </a:p>
+        </p:txBody>
+      </p:sp>
+    </p:spTree>
+    <p:extLst>
+      <p:ext uri="{BB962C8B-B14F-4D97-AF65-F5344CB8AC3E}">
+        <p14:creationId xmlns:p14="http://schemas.microsoft.com/office/powerpoint/2010/main" val="2178727426"/>
+      </p:ext>
+    </p:extLst>
+  </p:cSld>
+  <p:clrMapOvr>
+    <a:masterClrMapping/>
+  </p:clrMapOvr>
+</p:sld>
+</file>
+
 <file path=ppt/slides/slide3.xml><?xml version="1.0" encoding="utf-8"?>
 <p:sld xmlns:a="http://schemas.openxmlformats.org/drawingml/2006/main" xmlns:r="http://schemas.openxmlformats.org/officeDocument/2006/relationships" xmlns:p="http://schemas.openxmlformats.org/presentationml/2006/main">
   <p:cSld>
@@ -4612,12 +7108,6 @@
             <a:r>
               <a:rPr lang="de-DE" dirty="0"/>
               <a:t>Chaträume</a:t>
-            </a:r>
-          </a:p>
-          <a:p>
-            <a:r>
-              <a:rPr lang="de-DE" dirty="0"/>
-              <a:t>Private Chats</a:t>
             </a:r>
           </a:p>
           <a:p>
@@ -5255,6 +7745,426 @@
   <p:clrMapOvr>
     <a:masterClrMapping/>
   </p:clrMapOvr>
+  <p:timing>
+    <p:tnLst>
+      <p:par>
+        <p:cTn id="1" dur="indefinite" restart="never" nodeType="tmRoot">
+          <p:childTnLst>
+            <p:seq concurrent="1" nextAc="seek">
+              <p:cTn id="2" dur="indefinite" nodeType="mainSeq">
+                <p:childTnLst>
+                  <p:par>
+                    <p:cTn id="3" fill="hold">
+                      <p:stCondLst>
+                        <p:cond delay="indefinite"/>
+                      </p:stCondLst>
+                      <p:childTnLst>
+                        <p:par>
+                          <p:cTn id="4" fill="hold">
+                            <p:stCondLst>
+                              <p:cond delay="0"/>
+                            </p:stCondLst>
+                            <p:childTnLst>
+                              <p:par>
+                                <p:cTn id="5" presetID="1" presetClass="entr" presetSubtype="0" fill="hold" nodeType="clickEffect">
+                                  <p:stCondLst>
+                                    <p:cond delay="0"/>
+                                  </p:stCondLst>
+                                  <p:childTnLst>
+                                    <p:set>
+                                      <p:cBhvr>
+                                        <p:cTn id="6" dur="1" fill="hold">
+                                          <p:stCondLst>
+                                            <p:cond delay="0"/>
+                                          </p:stCondLst>
+                                        </p:cTn>
+                                        <p:tgtEl>
+                                          <p:spTgt spid="9"/>
+                                        </p:tgtEl>
+                                        <p:attrNameLst>
+                                          <p:attrName>style.visibility</p:attrName>
+                                        </p:attrNameLst>
+                                      </p:cBhvr>
+                                      <p:to>
+                                        <p:strVal val="visible"/>
+                                      </p:to>
+                                    </p:set>
+                                  </p:childTnLst>
+                                </p:cTn>
+                              </p:par>
+                            </p:childTnLst>
+                          </p:cTn>
+                        </p:par>
+                      </p:childTnLst>
+                    </p:cTn>
+                  </p:par>
+                  <p:par>
+                    <p:cTn id="7" fill="hold">
+                      <p:stCondLst>
+                        <p:cond delay="indefinite"/>
+                      </p:stCondLst>
+                      <p:childTnLst>
+                        <p:par>
+                          <p:cTn id="8" fill="hold">
+                            <p:stCondLst>
+                              <p:cond delay="0"/>
+                            </p:stCondLst>
+                            <p:childTnLst>
+                              <p:par>
+                                <p:cTn id="9" presetID="1" presetClass="entr" presetSubtype="0" fill="hold" nodeType="clickEffect">
+                                  <p:stCondLst>
+                                    <p:cond delay="0"/>
+                                  </p:stCondLst>
+                                  <p:childTnLst>
+                                    <p:set>
+                                      <p:cBhvr>
+                                        <p:cTn id="10" dur="1" fill="hold">
+                                          <p:stCondLst>
+                                            <p:cond delay="0"/>
+                                          </p:stCondLst>
+                                        </p:cTn>
+                                        <p:tgtEl>
+                                          <p:spTgt spid="19"/>
+                                        </p:tgtEl>
+                                        <p:attrNameLst>
+                                          <p:attrName>style.visibility</p:attrName>
+                                        </p:attrNameLst>
+                                      </p:cBhvr>
+                                      <p:to>
+                                        <p:strVal val="visible"/>
+                                      </p:to>
+                                    </p:set>
+                                  </p:childTnLst>
+                                </p:cTn>
+                              </p:par>
+                              <p:par>
+                                <p:cTn id="11" presetID="1" presetClass="entr" presetSubtype="0" fill="hold" nodeType="withEffect">
+                                  <p:stCondLst>
+                                    <p:cond delay="0"/>
+                                  </p:stCondLst>
+                                  <p:childTnLst>
+                                    <p:set>
+                                      <p:cBhvr>
+                                        <p:cTn id="12" dur="1" fill="hold">
+                                          <p:stCondLst>
+                                            <p:cond delay="0"/>
+                                          </p:stCondLst>
+                                        </p:cTn>
+                                        <p:tgtEl>
+                                          <p:spTgt spid="15"/>
+                                        </p:tgtEl>
+                                        <p:attrNameLst>
+                                          <p:attrName>style.visibility</p:attrName>
+                                        </p:attrNameLst>
+                                      </p:cBhvr>
+                                      <p:to>
+                                        <p:strVal val="visible"/>
+                                      </p:to>
+                                    </p:set>
+                                  </p:childTnLst>
+                                </p:cTn>
+                              </p:par>
+                              <p:par>
+                                <p:cTn id="13" presetID="1" presetClass="entr" presetSubtype="0" fill="hold" nodeType="withEffect">
+                                  <p:stCondLst>
+                                    <p:cond delay="0"/>
+                                  </p:stCondLst>
+                                  <p:childTnLst>
+                                    <p:set>
+                                      <p:cBhvr>
+                                        <p:cTn id="14" dur="1" fill="hold">
+                                          <p:stCondLst>
+                                            <p:cond delay="0"/>
+                                          </p:stCondLst>
+                                        </p:cTn>
+                                        <p:tgtEl>
+                                          <p:spTgt spid="13"/>
+                                        </p:tgtEl>
+                                        <p:attrNameLst>
+                                          <p:attrName>style.visibility</p:attrName>
+                                        </p:attrNameLst>
+                                      </p:cBhvr>
+                                      <p:to>
+                                        <p:strVal val="visible"/>
+                                      </p:to>
+                                    </p:set>
+                                  </p:childTnLst>
+                                </p:cTn>
+                              </p:par>
+                            </p:childTnLst>
+                          </p:cTn>
+                        </p:par>
+                      </p:childTnLst>
+                    </p:cTn>
+                  </p:par>
+                  <p:par>
+                    <p:cTn id="15" fill="hold">
+                      <p:stCondLst>
+                        <p:cond delay="indefinite"/>
+                      </p:stCondLst>
+                      <p:childTnLst>
+                        <p:par>
+                          <p:cTn id="16" fill="hold">
+                            <p:stCondLst>
+                              <p:cond delay="0"/>
+                            </p:stCondLst>
+                            <p:childTnLst>
+                              <p:par>
+                                <p:cTn id="17" presetID="1" presetClass="entr" presetSubtype="0" fill="hold" nodeType="clickEffect">
+                                  <p:stCondLst>
+                                    <p:cond delay="0"/>
+                                  </p:stCondLst>
+                                  <p:childTnLst>
+                                    <p:set>
+                                      <p:cBhvr>
+                                        <p:cTn id="18" dur="1" fill="hold">
+                                          <p:stCondLst>
+                                            <p:cond delay="0"/>
+                                          </p:stCondLst>
+                                        </p:cTn>
+                                        <p:tgtEl>
+                                          <p:spTgt spid="21"/>
+                                        </p:tgtEl>
+                                        <p:attrNameLst>
+                                          <p:attrName>style.visibility</p:attrName>
+                                        </p:attrNameLst>
+                                      </p:cBhvr>
+                                      <p:to>
+                                        <p:strVal val="visible"/>
+                                      </p:to>
+                                    </p:set>
+                                  </p:childTnLst>
+                                </p:cTn>
+                              </p:par>
+                              <p:par>
+                                <p:cTn id="19" presetID="1" presetClass="entr" presetSubtype="0" fill="hold" nodeType="withEffect">
+                                  <p:stCondLst>
+                                    <p:cond delay="0"/>
+                                  </p:stCondLst>
+                                  <p:childTnLst>
+                                    <p:set>
+                                      <p:cBhvr>
+                                        <p:cTn id="20" dur="1" fill="hold">
+                                          <p:stCondLst>
+                                            <p:cond delay="0"/>
+                                          </p:stCondLst>
+                                        </p:cTn>
+                                        <p:tgtEl>
+                                          <p:spTgt spid="7"/>
+                                        </p:tgtEl>
+                                        <p:attrNameLst>
+                                          <p:attrName>style.visibility</p:attrName>
+                                        </p:attrNameLst>
+                                      </p:cBhvr>
+                                      <p:to>
+                                        <p:strVal val="visible"/>
+                                      </p:to>
+                                    </p:set>
+                                  </p:childTnLst>
+                                </p:cTn>
+                              </p:par>
+                            </p:childTnLst>
+                          </p:cTn>
+                        </p:par>
+                      </p:childTnLst>
+                    </p:cTn>
+                  </p:par>
+                  <p:par>
+                    <p:cTn id="21" fill="hold">
+                      <p:stCondLst>
+                        <p:cond delay="indefinite"/>
+                      </p:stCondLst>
+                      <p:childTnLst>
+                        <p:par>
+                          <p:cTn id="22" fill="hold">
+                            <p:stCondLst>
+                              <p:cond delay="0"/>
+                            </p:stCondLst>
+                            <p:childTnLst>
+                              <p:par>
+                                <p:cTn id="23" presetID="1" presetClass="entr" presetSubtype="0" fill="hold" nodeType="clickEffect">
+                                  <p:stCondLst>
+                                    <p:cond delay="0"/>
+                                  </p:stCondLst>
+                                  <p:childTnLst>
+                                    <p:set>
+                                      <p:cBhvr>
+                                        <p:cTn id="24" dur="1" fill="hold">
+                                          <p:stCondLst>
+                                            <p:cond delay="0"/>
+                                          </p:stCondLst>
+                                        </p:cTn>
+                                        <p:tgtEl>
+                                          <p:spTgt spid="20"/>
+                                        </p:tgtEl>
+                                        <p:attrNameLst>
+                                          <p:attrName>style.visibility</p:attrName>
+                                        </p:attrNameLst>
+                                      </p:cBhvr>
+                                      <p:to>
+                                        <p:strVal val="visible"/>
+                                      </p:to>
+                                    </p:set>
+                                  </p:childTnLst>
+                                </p:cTn>
+                              </p:par>
+                              <p:par>
+                                <p:cTn id="25" presetID="1" presetClass="entr" presetSubtype="0" fill="hold" nodeType="withEffect">
+                                  <p:stCondLst>
+                                    <p:cond delay="0"/>
+                                  </p:stCondLst>
+                                  <p:childTnLst>
+                                    <p:set>
+                                      <p:cBhvr>
+                                        <p:cTn id="26" dur="1" fill="hold">
+                                          <p:stCondLst>
+                                            <p:cond delay="0"/>
+                                          </p:stCondLst>
+                                        </p:cTn>
+                                        <p:tgtEl>
+                                          <p:spTgt spid="11"/>
+                                        </p:tgtEl>
+                                        <p:attrNameLst>
+                                          <p:attrName>style.visibility</p:attrName>
+                                        </p:attrNameLst>
+                                      </p:cBhvr>
+                                      <p:to>
+                                        <p:strVal val="visible"/>
+                                      </p:to>
+                                    </p:set>
+                                  </p:childTnLst>
+                                </p:cTn>
+                              </p:par>
+                            </p:childTnLst>
+                          </p:cTn>
+                        </p:par>
+                      </p:childTnLst>
+                    </p:cTn>
+                  </p:par>
+                  <p:par>
+                    <p:cTn id="27" fill="hold">
+                      <p:stCondLst>
+                        <p:cond delay="indefinite"/>
+                      </p:stCondLst>
+                      <p:childTnLst>
+                        <p:par>
+                          <p:cTn id="28" fill="hold">
+                            <p:stCondLst>
+                              <p:cond delay="0"/>
+                            </p:stCondLst>
+                            <p:childTnLst>
+                              <p:par>
+                                <p:cTn id="29" presetID="1" presetClass="entr" presetSubtype="0" fill="hold" nodeType="clickEffect">
+                                  <p:stCondLst>
+                                    <p:cond delay="0"/>
+                                  </p:stCondLst>
+                                  <p:childTnLst>
+                                    <p:set>
+                                      <p:cBhvr>
+                                        <p:cTn id="30" dur="1" fill="hold">
+                                          <p:stCondLst>
+                                            <p:cond delay="0"/>
+                                          </p:stCondLst>
+                                        </p:cTn>
+                                        <p:tgtEl>
+                                          <p:spTgt spid="23"/>
+                                        </p:tgtEl>
+                                        <p:attrNameLst>
+                                          <p:attrName>style.visibility</p:attrName>
+                                        </p:attrNameLst>
+                                      </p:cBhvr>
+                                      <p:to>
+                                        <p:strVal val="visible"/>
+                                      </p:to>
+                                    </p:set>
+                                  </p:childTnLst>
+                                </p:cTn>
+                              </p:par>
+                              <p:par>
+                                <p:cTn id="31" presetID="1" presetClass="entr" presetSubtype="0" fill="hold" grpId="0" nodeType="withEffect">
+                                  <p:stCondLst>
+                                    <p:cond delay="0"/>
+                                  </p:stCondLst>
+                                  <p:childTnLst>
+                                    <p:set>
+                                      <p:cBhvr>
+                                        <p:cTn id="32" dur="1" fill="hold">
+                                          <p:stCondLst>
+                                            <p:cond delay="0"/>
+                                          </p:stCondLst>
+                                        </p:cTn>
+                                        <p:tgtEl>
+                                          <p:spTgt spid="31"/>
+                                        </p:tgtEl>
+                                        <p:attrNameLst>
+                                          <p:attrName>style.visibility</p:attrName>
+                                        </p:attrNameLst>
+                                      </p:cBhvr>
+                                      <p:to>
+                                        <p:strVal val="visible"/>
+                                      </p:to>
+                                    </p:set>
+                                  </p:childTnLst>
+                                </p:cTn>
+                              </p:par>
+                              <p:par>
+                                <p:cTn id="33" presetID="1" presetClass="entr" presetSubtype="0" fill="hold" nodeType="withEffect">
+                                  <p:stCondLst>
+                                    <p:cond delay="0"/>
+                                  </p:stCondLst>
+                                  <p:childTnLst>
+                                    <p:set>
+                                      <p:cBhvr>
+                                        <p:cTn id="34" dur="1" fill="hold">
+                                          <p:stCondLst>
+                                            <p:cond delay="0"/>
+                                          </p:stCondLst>
+                                        </p:cTn>
+                                        <p:tgtEl>
+                                          <p:spTgt spid="30"/>
+                                        </p:tgtEl>
+                                        <p:attrNameLst>
+                                          <p:attrName>style.visibility</p:attrName>
+                                        </p:attrNameLst>
+                                      </p:cBhvr>
+                                      <p:to>
+                                        <p:strVal val="visible"/>
+                                      </p:to>
+                                    </p:set>
+                                  </p:childTnLst>
+                                </p:cTn>
+                              </p:par>
+                            </p:childTnLst>
+                          </p:cTn>
+                        </p:par>
+                      </p:childTnLst>
+                    </p:cTn>
+                  </p:par>
+                </p:childTnLst>
+              </p:cTn>
+              <p:prevCondLst>
+                <p:cond evt="onPrev" delay="0">
+                  <p:tgtEl>
+                    <p:sldTgt/>
+                  </p:tgtEl>
+                </p:cond>
+              </p:prevCondLst>
+              <p:nextCondLst>
+                <p:cond evt="onNext" delay="0">
+                  <p:tgtEl>
+                    <p:sldTgt/>
+                  </p:tgtEl>
+                </p:cond>
+              </p:nextCondLst>
+            </p:seq>
+          </p:childTnLst>
+        </p:cTn>
+      </p:par>
+    </p:tnLst>
+    <p:bldLst>
+      <p:bldP spid="31" grpId="0"/>
+    </p:bldLst>
+  </p:timing>
 </p:sld>
 </file>
 
@@ -5303,31 +8213,469 @@
           </a:p>
         </p:txBody>
       </p:sp>
-      <p:sp>
-        <p:nvSpPr>
-          <p:cNvPr id="3" name="Inhaltsplatzhalter 2">
-            <a:extLst>
-              <a:ext uri="{FF2B5EF4-FFF2-40B4-BE49-F238E27FC236}">
-                <a16:creationId xmlns:a16="http://schemas.microsoft.com/office/drawing/2014/main" id="{9B89CEFC-832D-4078-8B91-7BB97779CDC5}"/>
-              </a:ext>
-            </a:extLst>
-          </p:cNvPr>
-          <p:cNvSpPr>
-            <a:spLocks noGrp="1"/>
-          </p:cNvSpPr>
+      <p:pic>
+        <p:nvPicPr>
+          <p:cNvPr id="5" name="Inhaltsplatzhalter 4">
+            <a:extLst>
+              <a:ext uri="{FF2B5EF4-FFF2-40B4-BE49-F238E27FC236}">
+                <a16:creationId xmlns:a16="http://schemas.microsoft.com/office/drawing/2014/main" id="{8368A43B-2183-4C22-BCF1-2A2107E194B9}"/>
+              </a:ext>
+            </a:extLst>
+          </p:cNvPr>
+          <p:cNvPicPr>
+            <a:picLocks noGrp="1" noChangeAspect="1"/>
+          </p:cNvPicPr>
           <p:nvPr>
             <p:ph idx="1"/>
           </p:nvPr>
-        </p:nvSpPr>
-        <p:spPr/>
-        <p:txBody>
-          <a:bodyPr/>
-          <a:lstStyle/>
-          <a:p>
-            <a:endParaRPr lang="de-DE"/>
-          </a:p>
-        </p:txBody>
-      </p:sp>
+        </p:nvPicPr>
+        <p:blipFill>
+          <a:blip r:embed="rId2">
+            <a:extLst>
+              <a:ext uri="{28A0092B-C50C-407E-A947-70E740481C1C}">
+                <a14:useLocalDpi xmlns:a14="http://schemas.microsoft.com/office/drawing/2010/main" val="0"/>
+              </a:ext>
+            </a:extLst>
+          </a:blip>
+          <a:stretch>
+            <a:fillRect/>
+          </a:stretch>
+        </p:blipFill>
+        <p:spPr>
+          <a:xfrm>
+            <a:off x="9671050" y="1130432"/>
+            <a:ext cx="925442" cy="1120511"/>
+          </a:xfrm>
+        </p:spPr>
+      </p:pic>
+      <p:sp>
+        <p:nvSpPr>
+          <p:cNvPr id="6" name="Inhaltsplatzhalter 2">
+            <a:extLst>
+              <a:ext uri="{FF2B5EF4-FFF2-40B4-BE49-F238E27FC236}">
+                <a16:creationId xmlns:a16="http://schemas.microsoft.com/office/drawing/2014/main" id="{69F8C76D-84E6-4A47-8BB2-9AB11330C639}"/>
+              </a:ext>
+            </a:extLst>
+          </p:cNvPr>
+          <p:cNvSpPr txBox="1">
+            <a:spLocks/>
+          </p:cNvSpPr>
+          <p:nvPr/>
+        </p:nvSpPr>
+        <p:spPr>
+          <a:xfrm>
+            <a:off x="838200" y="1825625"/>
+            <a:ext cx="10515600" cy="4351338"/>
+          </a:xfrm>
+          <a:prstGeom prst="rect">
+            <a:avLst/>
+          </a:prstGeom>
+        </p:spPr>
+        <p:txBody>
+          <a:bodyPr vert="horz" lIns="91440" tIns="45720" rIns="91440" bIns="45720" rtlCol="0">
+            <a:normAutofit/>
+          </a:bodyPr>
+          <a:lstStyle>
+            <a:lvl1pPr marL="228600" indent="-228600" algn="l" defTabSz="914400" rtl="0" eaLnBrk="1" latinLnBrk="0" hangingPunct="1">
+              <a:lnSpc>
+                <a:spcPct val="90000"/>
+              </a:lnSpc>
+              <a:spcBef>
+                <a:spcPts val="1000"/>
+              </a:spcBef>
+              <a:buFont typeface="Arial" panose="020B0604020202020204" pitchFamily="34" charset="0"/>
+              <a:buChar char="•"/>
+              <a:defRPr sz="2800" kern="1200">
+                <a:solidFill>
+                  <a:schemeClr val="tx1"/>
+                </a:solidFill>
+                <a:latin typeface="+mn-lt"/>
+                <a:ea typeface="+mn-ea"/>
+                <a:cs typeface="+mn-cs"/>
+              </a:defRPr>
+            </a:lvl1pPr>
+            <a:lvl2pPr marL="685800" indent="-228600" algn="l" defTabSz="914400" rtl="0" eaLnBrk="1" latinLnBrk="0" hangingPunct="1">
+              <a:lnSpc>
+                <a:spcPct val="90000"/>
+              </a:lnSpc>
+              <a:spcBef>
+                <a:spcPts val="500"/>
+              </a:spcBef>
+              <a:buFont typeface="Arial" panose="020B0604020202020204" pitchFamily="34" charset="0"/>
+              <a:buChar char="•"/>
+              <a:defRPr sz="2400" kern="1200">
+                <a:solidFill>
+                  <a:schemeClr val="tx1"/>
+                </a:solidFill>
+                <a:latin typeface="+mn-lt"/>
+                <a:ea typeface="+mn-ea"/>
+                <a:cs typeface="+mn-cs"/>
+              </a:defRPr>
+            </a:lvl2pPr>
+            <a:lvl3pPr marL="1143000" indent="-228600" algn="l" defTabSz="914400" rtl="0" eaLnBrk="1" latinLnBrk="0" hangingPunct="1">
+              <a:lnSpc>
+                <a:spcPct val="90000"/>
+              </a:lnSpc>
+              <a:spcBef>
+                <a:spcPts val="500"/>
+              </a:spcBef>
+              <a:buFont typeface="Arial" panose="020B0604020202020204" pitchFamily="34" charset="0"/>
+              <a:buChar char="•"/>
+              <a:defRPr sz="2000" kern="1200">
+                <a:solidFill>
+                  <a:schemeClr val="tx1"/>
+                </a:solidFill>
+                <a:latin typeface="+mn-lt"/>
+                <a:ea typeface="+mn-ea"/>
+                <a:cs typeface="+mn-cs"/>
+              </a:defRPr>
+            </a:lvl3pPr>
+            <a:lvl4pPr marL="1600200" indent="-228600" algn="l" defTabSz="914400" rtl="0" eaLnBrk="1" latinLnBrk="0" hangingPunct="1">
+              <a:lnSpc>
+                <a:spcPct val="90000"/>
+              </a:lnSpc>
+              <a:spcBef>
+                <a:spcPts val="500"/>
+              </a:spcBef>
+              <a:buFont typeface="Arial" panose="020B0604020202020204" pitchFamily="34" charset="0"/>
+              <a:buChar char="•"/>
+              <a:defRPr sz="1800" kern="1200">
+                <a:solidFill>
+                  <a:schemeClr val="tx1"/>
+                </a:solidFill>
+                <a:latin typeface="+mn-lt"/>
+                <a:ea typeface="+mn-ea"/>
+                <a:cs typeface="+mn-cs"/>
+              </a:defRPr>
+            </a:lvl4pPr>
+            <a:lvl5pPr marL="2057400" indent="-228600" algn="l" defTabSz="914400" rtl="0" eaLnBrk="1" latinLnBrk="0" hangingPunct="1">
+              <a:lnSpc>
+                <a:spcPct val="90000"/>
+              </a:lnSpc>
+              <a:spcBef>
+                <a:spcPts val="500"/>
+              </a:spcBef>
+              <a:buFont typeface="Arial" panose="020B0604020202020204" pitchFamily="34" charset="0"/>
+              <a:buChar char="•"/>
+              <a:defRPr sz="1800" kern="1200">
+                <a:solidFill>
+                  <a:schemeClr val="tx1"/>
+                </a:solidFill>
+                <a:latin typeface="+mn-lt"/>
+                <a:ea typeface="+mn-ea"/>
+                <a:cs typeface="+mn-cs"/>
+              </a:defRPr>
+            </a:lvl5pPr>
+            <a:lvl6pPr marL="2514600" indent="-228600" algn="l" defTabSz="914400" rtl="0" eaLnBrk="1" latinLnBrk="0" hangingPunct="1">
+              <a:lnSpc>
+                <a:spcPct val="90000"/>
+              </a:lnSpc>
+              <a:spcBef>
+                <a:spcPts val="500"/>
+              </a:spcBef>
+              <a:buFont typeface="Arial" panose="020B0604020202020204" pitchFamily="34" charset="0"/>
+              <a:buChar char="•"/>
+              <a:defRPr sz="1800" kern="1200">
+                <a:solidFill>
+                  <a:schemeClr val="tx1"/>
+                </a:solidFill>
+                <a:latin typeface="+mn-lt"/>
+                <a:ea typeface="+mn-ea"/>
+                <a:cs typeface="+mn-cs"/>
+              </a:defRPr>
+            </a:lvl6pPr>
+            <a:lvl7pPr marL="2971800" indent="-228600" algn="l" defTabSz="914400" rtl="0" eaLnBrk="1" latinLnBrk="0" hangingPunct="1">
+              <a:lnSpc>
+                <a:spcPct val="90000"/>
+              </a:lnSpc>
+              <a:spcBef>
+                <a:spcPts val="500"/>
+              </a:spcBef>
+              <a:buFont typeface="Arial" panose="020B0604020202020204" pitchFamily="34" charset="0"/>
+              <a:buChar char="•"/>
+              <a:defRPr sz="1800" kern="1200">
+                <a:solidFill>
+                  <a:schemeClr val="tx1"/>
+                </a:solidFill>
+                <a:latin typeface="+mn-lt"/>
+                <a:ea typeface="+mn-ea"/>
+                <a:cs typeface="+mn-cs"/>
+              </a:defRPr>
+            </a:lvl7pPr>
+            <a:lvl8pPr marL="3429000" indent="-228600" algn="l" defTabSz="914400" rtl="0" eaLnBrk="1" latinLnBrk="0" hangingPunct="1">
+              <a:lnSpc>
+                <a:spcPct val="90000"/>
+              </a:lnSpc>
+              <a:spcBef>
+                <a:spcPts val="500"/>
+              </a:spcBef>
+              <a:buFont typeface="Arial" panose="020B0604020202020204" pitchFamily="34" charset="0"/>
+              <a:buChar char="•"/>
+              <a:defRPr sz="1800" kern="1200">
+                <a:solidFill>
+                  <a:schemeClr val="tx1"/>
+                </a:solidFill>
+                <a:latin typeface="+mn-lt"/>
+                <a:ea typeface="+mn-ea"/>
+                <a:cs typeface="+mn-cs"/>
+              </a:defRPr>
+            </a:lvl8pPr>
+            <a:lvl9pPr marL="3886200" indent="-228600" algn="l" defTabSz="914400" rtl="0" eaLnBrk="1" latinLnBrk="0" hangingPunct="1">
+              <a:lnSpc>
+                <a:spcPct val="90000"/>
+              </a:lnSpc>
+              <a:spcBef>
+                <a:spcPts val="500"/>
+              </a:spcBef>
+              <a:buFont typeface="Arial" panose="020B0604020202020204" pitchFamily="34" charset="0"/>
+              <a:buChar char="•"/>
+              <a:defRPr sz="1800" kern="1200">
+                <a:solidFill>
+                  <a:schemeClr val="tx1"/>
+                </a:solidFill>
+                <a:latin typeface="+mn-lt"/>
+                <a:ea typeface="+mn-ea"/>
+                <a:cs typeface="+mn-cs"/>
+              </a:defRPr>
+            </a:lvl9pPr>
+          </a:lstStyle>
+          <a:p>
+            <a:pPr marL="342900" lvl="0" indent="-342900">
+              <a:lnSpc>
+                <a:spcPct val="107000"/>
+              </a:lnSpc>
+              <a:spcAft>
+                <a:spcPts val="800"/>
+              </a:spcAft>
+              <a:buFont typeface="Symbol" panose="05050102010706020507" pitchFamily="18" charset="2"/>
+              <a:buChar char=""/>
+            </a:pPr>
+            <a:r>
+              <a:rPr lang="de-DE" sz="1800" dirty="0">
+                <a:effectLst/>
+                <a:latin typeface="Calibri" panose="020F0502020204030204" pitchFamily="34" charset="0"/>
+                <a:ea typeface="Calibri" panose="020F0502020204030204" pitchFamily="34" charset="0"/>
+                <a:cs typeface="Times New Roman" panose="02020603050405020304" pitchFamily="18" charset="0"/>
+              </a:rPr>
+              <a:t>Open-Source-Datenbank-Toolkit</a:t>
+            </a:r>
+          </a:p>
+          <a:p>
+            <a:pPr marL="342900" lvl="0" indent="-342900">
+              <a:lnSpc>
+                <a:spcPct val="107000"/>
+              </a:lnSpc>
+              <a:spcAft>
+                <a:spcPts val="800"/>
+              </a:spcAft>
+              <a:buFont typeface="Symbol" panose="05050102010706020507" pitchFamily="18" charset="2"/>
+              <a:buChar char=""/>
+            </a:pPr>
+            <a:r>
+              <a:rPr lang="de-DE" sz="1800" dirty="0">
+                <a:effectLst/>
+                <a:latin typeface="Calibri" panose="020F0502020204030204" pitchFamily="34" charset="0"/>
+                <a:ea typeface="Calibri" panose="020F0502020204030204" pitchFamily="34" charset="0"/>
+                <a:cs typeface="Times New Roman" panose="02020603050405020304" pitchFamily="18" charset="0"/>
+              </a:rPr>
+              <a:t>bietet ein ORM (</a:t>
+            </a:r>
+            <a:r>
+              <a:rPr lang="de-DE" sz="1800" dirty="0" err="1">
+                <a:effectLst/>
+                <a:latin typeface="Calibri" panose="020F0502020204030204" pitchFamily="34" charset="0"/>
+                <a:ea typeface="Calibri" panose="020F0502020204030204" pitchFamily="34" charset="0"/>
+                <a:cs typeface="Times New Roman" panose="02020603050405020304" pitchFamily="18" charset="0"/>
+              </a:rPr>
+              <a:t>Object</a:t>
+            </a:r>
+            <a:r>
+              <a:rPr lang="de-DE" sz="1800" dirty="0">
+                <a:effectLst/>
+                <a:latin typeface="Calibri" panose="020F0502020204030204" pitchFamily="34" charset="0"/>
+                <a:ea typeface="Calibri" panose="020F0502020204030204" pitchFamily="34" charset="0"/>
+                <a:cs typeface="Times New Roman" panose="02020603050405020304" pitchFamily="18" charset="0"/>
+              </a:rPr>
+              <a:t>-Relational Mapping) </a:t>
+            </a:r>
+            <a:endParaRPr lang="de-DE" sz="1800" dirty="0">
+              <a:latin typeface="Calibri" panose="020F0502020204030204" pitchFamily="34" charset="0"/>
+              <a:ea typeface="Calibri" panose="020F0502020204030204" pitchFamily="34" charset="0"/>
+              <a:cs typeface="Times New Roman" panose="02020603050405020304" pitchFamily="18" charset="0"/>
+            </a:endParaRPr>
+          </a:p>
+          <a:p>
+            <a:pPr marL="342900" indent="-342900">
+              <a:lnSpc>
+                <a:spcPct val="107000"/>
+              </a:lnSpc>
+              <a:spcAft>
+                <a:spcPts val="800"/>
+              </a:spcAft>
+              <a:buFont typeface="Symbol" panose="05050102010706020507" pitchFamily="18" charset="2"/>
+              <a:buChar char=""/>
+            </a:pPr>
+            <a:r>
+              <a:rPr lang="de-DE" sz="1800" dirty="0">
+                <a:effectLst/>
+                <a:latin typeface="Calibri" panose="020F0502020204030204" pitchFamily="34" charset="0"/>
+                <a:ea typeface="Calibri" panose="020F0502020204030204" pitchFamily="34" charset="0"/>
+                <a:cs typeface="Times New Roman" panose="02020603050405020304" pitchFamily="18" charset="0"/>
+              </a:rPr>
+              <a:t>wird in </a:t>
+            </a:r>
+            <a:r>
+              <a:rPr lang="de-DE" sz="1800" dirty="0" err="1">
+                <a:effectLst/>
+                <a:latin typeface="Calibri" panose="020F0502020204030204" pitchFamily="34" charset="0"/>
+                <a:ea typeface="Calibri" panose="020F0502020204030204" pitchFamily="34" charset="0"/>
+                <a:cs typeface="Times New Roman" panose="02020603050405020304" pitchFamily="18" charset="0"/>
+              </a:rPr>
+              <a:t>prisma</a:t>
+            </a:r>
+            <a:r>
+              <a:rPr lang="de-DE" sz="1800" dirty="0">
+                <a:effectLst/>
+                <a:latin typeface="Calibri" panose="020F0502020204030204" pitchFamily="34" charset="0"/>
+                <a:ea typeface="Calibri" panose="020F0502020204030204" pitchFamily="34" charset="0"/>
+                <a:cs typeface="Times New Roman" panose="02020603050405020304" pitchFamily="18" charset="0"/>
+              </a:rPr>
+              <a:t>/</a:t>
+            </a:r>
+            <a:r>
+              <a:rPr lang="de-DE" sz="1800" dirty="0" err="1">
+                <a:effectLst/>
+                <a:latin typeface="Calibri" panose="020F0502020204030204" pitchFamily="34" charset="0"/>
+                <a:ea typeface="Calibri" panose="020F0502020204030204" pitchFamily="34" charset="0"/>
+                <a:cs typeface="Times New Roman" panose="02020603050405020304" pitchFamily="18" charset="0"/>
+              </a:rPr>
+              <a:t>schema.prisma</a:t>
+            </a:r>
+            <a:r>
+              <a:rPr lang="de-DE" sz="1800" dirty="0">
+                <a:effectLst/>
+                <a:latin typeface="Calibri" panose="020F0502020204030204" pitchFamily="34" charset="0"/>
+                <a:ea typeface="Calibri" panose="020F0502020204030204" pitchFamily="34" charset="0"/>
+                <a:cs typeface="Times New Roman" panose="02020603050405020304" pitchFamily="18" charset="0"/>
+              </a:rPr>
+              <a:t> definiert</a:t>
+            </a:r>
+          </a:p>
+          <a:p>
+            <a:pPr marL="342900" indent="-342900">
+              <a:lnSpc>
+                <a:spcPct val="107000"/>
+              </a:lnSpc>
+              <a:spcAft>
+                <a:spcPts val="800"/>
+              </a:spcAft>
+              <a:buFont typeface="Symbol" panose="05050102010706020507" pitchFamily="18" charset="2"/>
+              <a:buChar char=""/>
+            </a:pPr>
+            <a:r>
+              <a:rPr lang="de-DE" sz="1800" dirty="0">
+                <a:effectLst/>
+                <a:latin typeface="Calibri" panose="020F0502020204030204" pitchFamily="34" charset="0"/>
+                <a:ea typeface="Calibri" panose="020F0502020204030204" pitchFamily="34" charset="0"/>
+                <a:cs typeface="Times New Roman" panose="02020603050405020304" pitchFamily="18" charset="0"/>
+              </a:rPr>
+              <a:t>eng in </a:t>
+            </a:r>
+            <a:r>
+              <a:rPr lang="de-DE" sz="1800" dirty="0" err="1">
+                <a:effectLst/>
+                <a:latin typeface="Calibri" panose="020F0502020204030204" pitchFamily="34" charset="0"/>
+                <a:ea typeface="Calibri" panose="020F0502020204030204" pitchFamily="34" charset="0"/>
+                <a:cs typeface="Times New Roman" panose="02020603050405020304" pitchFamily="18" charset="0"/>
+              </a:rPr>
+              <a:t>TypeScript</a:t>
+            </a:r>
+            <a:r>
+              <a:rPr lang="de-DE" sz="1800" dirty="0">
+                <a:effectLst/>
+                <a:latin typeface="Calibri" panose="020F0502020204030204" pitchFamily="34" charset="0"/>
+                <a:ea typeface="Calibri" panose="020F0502020204030204" pitchFamily="34" charset="0"/>
+                <a:cs typeface="Times New Roman" panose="02020603050405020304" pitchFamily="18" charset="0"/>
+              </a:rPr>
+              <a:t> integriert </a:t>
+            </a:r>
+            <a:endParaRPr lang="de-DE" sz="1800" dirty="0">
+              <a:latin typeface="Calibri" panose="020F0502020204030204" pitchFamily="34" charset="0"/>
+              <a:ea typeface="Calibri" panose="020F0502020204030204" pitchFamily="34" charset="0"/>
+              <a:cs typeface="Times New Roman" panose="02020603050405020304" pitchFamily="18" charset="0"/>
+            </a:endParaRPr>
+          </a:p>
+          <a:p>
+            <a:pPr marL="342900" indent="-342900">
+              <a:lnSpc>
+                <a:spcPct val="107000"/>
+              </a:lnSpc>
+              <a:spcAft>
+                <a:spcPts val="800"/>
+              </a:spcAft>
+              <a:buFont typeface="Symbol" panose="05050102010706020507" pitchFamily="18" charset="2"/>
+              <a:buChar char=""/>
+            </a:pPr>
+            <a:r>
+              <a:rPr lang="de-DE" sz="1800" dirty="0">
+                <a:effectLst/>
+                <a:latin typeface="Calibri" panose="020F0502020204030204" pitchFamily="34" charset="0"/>
+                <a:ea typeface="Calibri" panose="020F0502020204030204" pitchFamily="34" charset="0"/>
+                <a:cs typeface="Times New Roman" panose="02020603050405020304" pitchFamily="18" charset="0"/>
+              </a:rPr>
+              <a:t>plattformunabhängig</a:t>
+            </a:r>
+          </a:p>
+          <a:p>
+            <a:pPr marL="342900" lvl="0" indent="-342900">
+              <a:lnSpc>
+                <a:spcPct val="107000"/>
+              </a:lnSpc>
+              <a:spcAft>
+                <a:spcPts val="800"/>
+              </a:spcAft>
+              <a:buFont typeface="Symbol" panose="05050102010706020507" pitchFamily="18" charset="2"/>
+              <a:buChar char=""/>
+            </a:pPr>
+            <a:endParaRPr lang="de-DE" sz="1800" dirty="0">
+              <a:effectLst/>
+              <a:latin typeface="Calibri" panose="020F0502020204030204" pitchFamily="34" charset="0"/>
+              <a:ea typeface="Calibri" panose="020F0502020204030204" pitchFamily="34" charset="0"/>
+              <a:cs typeface="Times New Roman" panose="02020603050405020304" pitchFamily="18" charset="0"/>
+            </a:endParaRPr>
+          </a:p>
+        </p:txBody>
+      </p:sp>
+      <p:pic>
+        <p:nvPicPr>
+          <p:cNvPr id="8" name="Grafik 7">
+            <a:extLst>
+              <a:ext uri="{FF2B5EF4-FFF2-40B4-BE49-F238E27FC236}">
+                <a16:creationId xmlns:a16="http://schemas.microsoft.com/office/drawing/2014/main" id="{6FC90CF1-E430-4F00-9B94-B86388859823}"/>
+              </a:ext>
+            </a:extLst>
+          </p:cNvPr>
+          <p:cNvPicPr>
+            <a:picLocks noChangeAspect="1"/>
+          </p:cNvPicPr>
+          <p:nvPr/>
+        </p:nvPicPr>
+        <p:blipFill>
+          <a:blip r:embed="rId3"/>
+          <a:stretch>
+            <a:fillRect/>
+          </a:stretch>
+        </p:blipFill>
+        <p:spPr>
+          <a:xfrm>
+            <a:off x="5866634" y="2656398"/>
+            <a:ext cx="5487166" cy="3115110"/>
+          </a:xfrm>
+          <a:prstGeom prst="rect">
+            <a:avLst/>
+          </a:prstGeom>
+        </p:spPr>
+      </p:pic>
     </p:spTree>
     <p:extLst>
       <p:ext uri="{BB962C8B-B14F-4D97-AF65-F5344CB8AC3E}">
@@ -5386,28 +8734,374 @@
           </a:p>
         </p:txBody>
       </p:sp>
-      <p:sp>
-        <p:nvSpPr>
-          <p:cNvPr id="3" name="Inhaltsplatzhalter 2">
-            <a:extLst>
-              <a:ext uri="{FF2B5EF4-FFF2-40B4-BE49-F238E27FC236}">
-                <a16:creationId xmlns:a16="http://schemas.microsoft.com/office/drawing/2014/main" id="{251EB3B4-3669-49D3-932F-01539D345B4B}"/>
-              </a:ext>
-            </a:extLst>
-          </p:cNvPr>
-          <p:cNvSpPr>
-            <a:spLocks noGrp="1"/>
-          </p:cNvSpPr>
+      <p:pic>
+        <p:nvPicPr>
+          <p:cNvPr id="5" name="Inhaltsplatzhalter 4">
+            <a:extLst>
+              <a:ext uri="{FF2B5EF4-FFF2-40B4-BE49-F238E27FC236}">
+                <a16:creationId xmlns:a16="http://schemas.microsoft.com/office/drawing/2014/main" id="{EE8EEC18-41A2-412F-AFE2-0DFAE2C220EF}"/>
+              </a:ext>
+            </a:extLst>
+          </p:cNvPr>
+          <p:cNvPicPr>
+            <a:picLocks noGrp="1" noChangeAspect="1"/>
+          </p:cNvPicPr>
           <p:nvPr>
             <p:ph idx="1"/>
           </p:nvPr>
-        </p:nvSpPr>
-        <p:spPr/>
-        <p:txBody>
-          <a:bodyPr/>
-          <a:lstStyle/>
-          <a:p>
-            <a:endParaRPr lang="de-DE"/>
+        </p:nvPicPr>
+        <p:blipFill>
+          <a:blip r:embed="rId2">
+            <a:extLst>
+              <a:ext uri="{28A0092B-C50C-407E-A947-70E740481C1C}">
+                <a14:useLocalDpi xmlns:a14="http://schemas.microsoft.com/office/drawing/2010/main" val="0"/>
+              </a:ext>
+            </a:extLst>
+          </a:blip>
+          <a:stretch>
+            <a:fillRect/>
+          </a:stretch>
+        </p:blipFill>
+        <p:spPr>
+          <a:xfrm>
+            <a:off x="10345738" y="1299899"/>
+            <a:ext cx="616448" cy="1325564"/>
+          </a:xfrm>
+        </p:spPr>
+      </p:pic>
+      <p:sp>
+        <p:nvSpPr>
+          <p:cNvPr id="6" name="Inhaltsplatzhalter 2">
+            <a:extLst>
+              <a:ext uri="{FF2B5EF4-FFF2-40B4-BE49-F238E27FC236}">
+                <a16:creationId xmlns:a16="http://schemas.microsoft.com/office/drawing/2014/main" id="{98C8F469-48B0-4901-B1E0-69FA466EEF84}"/>
+              </a:ext>
+            </a:extLst>
+          </p:cNvPr>
+          <p:cNvSpPr txBox="1">
+            <a:spLocks/>
+          </p:cNvSpPr>
+          <p:nvPr/>
+        </p:nvSpPr>
+        <p:spPr>
+          <a:xfrm>
+            <a:off x="838200" y="1825625"/>
+            <a:ext cx="10515600" cy="4351338"/>
+          </a:xfrm>
+          <a:prstGeom prst="rect">
+            <a:avLst/>
+          </a:prstGeom>
+        </p:spPr>
+        <p:txBody>
+          <a:bodyPr vert="horz" lIns="91440" tIns="45720" rIns="91440" bIns="45720" rtlCol="0">
+            <a:normAutofit/>
+          </a:bodyPr>
+          <a:lstStyle>
+            <a:lvl1pPr marL="228600" indent="-228600" algn="l" defTabSz="914400" rtl="0" eaLnBrk="1" latinLnBrk="0" hangingPunct="1">
+              <a:lnSpc>
+                <a:spcPct val="90000"/>
+              </a:lnSpc>
+              <a:spcBef>
+                <a:spcPts val="1000"/>
+              </a:spcBef>
+              <a:buFont typeface="Arial" panose="020B0604020202020204" pitchFamily="34" charset="0"/>
+              <a:buChar char="•"/>
+              <a:defRPr sz="2800" kern="1200">
+                <a:solidFill>
+                  <a:schemeClr val="tx1"/>
+                </a:solidFill>
+                <a:latin typeface="+mn-lt"/>
+                <a:ea typeface="+mn-ea"/>
+                <a:cs typeface="+mn-cs"/>
+              </a:defRPr>
+            </a:lvl1pPr>
+            <a:lvl2pPr marL="685800" indent="-228600" algn="l" defTabSz="914400" rtl="0" eaLnBrk="1" latinLnBrk="0" hangingPunct="1">
+              <a:lnSpc>
+                <a:spcPct val="90000"/>
+              </a:lnSpc>
+              <a:spcBef>
+                <a:spcPts val="500"/>
+              </a:spcBef>
+              <a:buFont typeface="Arial" panose="020B0604020202020204" pitchFamily="34" charset="0"/>
+              <a:buChar char="•"/>
+              <a:defRPr sz="2400" kern="1200">
+                <a:solidFill>
+                  <a:schemeClr val="tx1"/>
+                </a:solidFill>
+                <a:latin typeface="+mn-lt"/>
+                <a:ea typeface="+mn-ea"/>
+                <a:cs typeface="+mn-cs"/>
+              </a:defRPr>
+            </a:lvl2pPr>
+            <a:lvl3pPr marL="1143000" indent="-228600" algn="l" defTabSz="914400" rtl="0" eaLnBrk="1" latinLnBrk="0" hangingPunct="1">
+              <a:lnSpc>
+                <a:spcPct val="90000"/>
+              </a:lnSpc>
+              <a:spcBef>
+                <a:spcPts val="500"/>
+              </a:spcBef>
+              <a:buFont typeface="Arial" panose="020B0604020202020204" pitchFamily="34" charset="0"/>
+              <a:buChar char="•"/>
+              <a:defRPr sz="2000" kern="1200">
+                <a:solidFill>
+                  <a:schemeClr val="tx1"/>
+                </a:solidFill>
+                <a:latin typeface="+mn-lt"/>
+                <a:ea typeface="+mn-ea"/>
+                <a:cs typeface="+mn-cs"/>
+              </a:defRPr>
+            </a:lvl3pPr>
+            <a:lvl4pPr marL="1600200" indent="-228600" algn="l" defTabSz="914400" rtl="0" eaLnBrk="1" latinLnBrk="0" hangingPunct="1">
+              <a:lnSpc>
+                <a:spcPct val="90000"/>
+              </a:lnSpc>
+              <a:spcBef>
+                <a:spcPts val="500"/>
+              </a:spcBef>
+              <a:buFont typeface="Arial" panose="020B0604020202020204" pitchFamily="34" charset="0"/>
+              <a:buChar char="•"/>
+              <a:defRPr sz="1800" kern="1200">
+                <a:solidFill>
+                  <a:schemeClr val="tx1"/>
+                </a:solidFill>
+                <a:latin typeface="+mn-lt"/>
+                <a:ea typeface="+mn-ea"/>
+                <a:cs typeface="+mn-cs"/>
+              </a:defRPr>
+            </a:lvl4pPr>
+            <a:lvl5pPr marL="2057400" indent="-228600" algn="l" defTabSz="914400" rtl="0" eaLnBrk="1" latinLnBrk="0" hangingPunct="1">
+              <a:lnSpc>
+                <a:spcPct val="90000"/>
+              </a:lnSpc>
+              <a:spcBef>
+                <a:spcPts val="500"/>
+              </a:spcBef>
+              <a:buFont typeface="Arial" panose="020B0604020202020204" pitchFamily="34" charset="0"/>
+              <a:buChar char="•"/>
+              <a:defRPr sz="1800" kern="1200">
+                <a:solidFill>
+                  <a:schemeClr val="tx1"/>
+                </a:solidFill>
+                <a:latin typeface="+mn-lt"/>
+                <a:ea typeface="+mn-ea"/>
+                <a:cs typeface="+mn-cs"/>
+              </a:defRPr>
+            </a:lvl5pPr>
+            <a:lvl6pPr marL="2514600" indent="-228600" algn="l" defTabSz="914400" rtl="0" eaLnBrk="1" latinLnBrk="0" hangingPunct="1">
+              <a:lnSpc>
+                <a:spcPct val="90000"/>
+              </a:lnSpc>
+              <a:spcBef>
+                <a:spcPts val="500"/>
+              </a:spcBef>
+              <a:buFont typeface="Arial" panose="020B0604020202020204" pitchFamily="34" charset="0"/>
+              <a:buChar char="•"/>
+              <a:defRPr sz="1800" kern="1200">
+                <a:solidFill>
+                  <a:schemeClr val="tx1"/>
+                </a:solidFill>
+                <a:latin typeface="+mn-lt"/>
+                <a:ea typeface="+mn-ea"/>
+                <a:cs typeface="+mn-cs"/>
+              </a:defRPr>
+            </a:lvl6pPr>
+            <a:lvl7pPr marL="2971800" indent="-228600" algn="l" defTabSz="914400" rtl="0" eaLnBrk="1" latinLnBrk="0" hangingPunct="1">
+              <a:lnSpc>
+                <a:spcPct val="90000"/>
+              </a:lnSpc>
+              <a:spcBef>
+                <a:spcPts val="500"/>
+              </a:spcBef>
+              <a:buFont typeface="Arial" panose="020B0604020202020204" pitchFamily="34" charset="0"/>
+              <a:buChar char="•"/>
+              <a:defRPr sz="1800" kern="1200">
+                <a:solidFill>
+                  <a:schemeClr val="tx1"/>
+                </a:solidFill>
+                <a:latin typeface="+mn-lt"/>
+                <a:ea typeface="+mn-ea"/>
+                <a:cs typeface="+mn-cs"/>
+              </a:defRPr>
+            </a:lvl7pPr>
+            <a:lvl8pPr marL="3429000" indent="-228600" algn="l" defTabSz="914400" rtl="0" eaLnBrk="1" latinLnBrk="0" hangingPunct="1">
+              <a:lnSpc>
+                <a:spcPct val="90000"/>
+              </a:lnSpc>
+              <a:spcBef>
+                <a:spcPts val="500"/>
+              </a:spcBef>
+              <a:buFont typeface="Arial" panose="020B0604020202020204" pitchFamily="34" charset="0"/>
+              <a:buChar char="•"/>
+              <a:defRPr sz="1800" kern="1200">
+                <a:solidFill>
+                  <a:schemeClr val="tx1"/>
+                </a:solidFill>
+                <a:latin typeface="+mn-lt"/>
+                <a:ea typeface="+mn-ea"/>
+                <a:cs typeface="+mn-cs"/>
+              </a:defRPr>
+            </a:lvl8pPr>
+            <a:lvl9pPr marL="3886200" indent="-228600" algn="l" defTabSz="914400" rtl="0" eaLnBrk="1" latinLnBrk="0" hangingPunct="1">
+              <a:lnSpc>
+                <a:spcPct val="90000"/>
+              </a:lnSpc>
+              <a:spcBef>
+                <a:spcPts val="500"/>
+              </a:spcBef>
+              <a:buFont typeface="Arial" panose="020B0604020202020204" pitchFamily="34" charset="0"/>
+              <a:buChar char="•"/>
+              <a:defRPr sz="1800" kern="1200">
+                <a:solidFill>
+                  <a:schemeClr val="tx1"/>
+                </a:solidFill>
+                <a:latin typeface="+mn-lt"/>
+                <a:ea typeface="+mn-ea"/>
+                <a:cs typeface="+mn-cs"/>
+              </a:defRPr>
+            </a:lvl9pPr>
+          </a:lstStyle>
+          <a:p>
+            <a:pPr marL="342900" lvl="0" indent="-342900">
+              <a:lnSpc>
+                <a:spcPct val="107000"/>
+              </a:lnSpc>
+              <a:spcAft>
+                <a:spcPts val="800"/>
+              </a:spcAft>
+              <a:buFont typeface="Symbol" panose="05050102010706020507" pitchFamily="18" charset="2"/>
+              <a:buChar char=""/>
+            </a:pPr>
+            <a:r>
+              <a:rPr lang="de-DE" sz="1800" dirty="0">
+                <a:effectLst/>
+                <a:latin typeface="Calibri" panose="020F0502020204030204" pitchFamily="34" charset="0"/>
+                <a:ea typeface="Calibri" panose="020F0502020204030204" pitchFamily="34" charset="0"/>
+                <a:cs typeface="Times New Roman" panose="02020603050405020304" pitchFamily="18" charset="0"/>
+              </a:rPr>
+              <a:t>NoSQL-Datenbank</a:t>
+            </a:r>
+          </a:p>
+          <a:p>
+            <a:pPr marL="342900" lvl="0" indent="-342900">
+              <a:lnSpc>
+                <a:spcPct val="107000"/>
+              </a:lnSpc>
+              <a:spcAft>
+                <a:spcPts val="800"/>
+              </a:spcAft>
+              <a:buFont typeface="Symbol" panose="05050102010706020507" pitchFamily="18" charset="2"/>
+              <a:buChar char=""/>
+            </a:pPr>
+            <a:r>
+              <a:rPr lang="de-DE" sz="1800" dirty="0">
+                <a:effectLst/>
+                <a:latin typeface="Calibri" panose="020F0502020204030204" pitchFamily="34" charset="0"/>
+                <a:ea typeface="Calibri" panose="020F0502020204030204" pitchFamily="34" charset="0"/>
+                <a:cs typeface="Times New Roman" panose="02020603050405020304" pitchFamily="18" charset="0"/>
+              </a:rPr>
+              <a:t>einfache Skalierbarkeit</a:t>
+            </a:r>
+            <a:endParaRPr lang="de-DE" sz="1800" dirty="0">
+              <a:latin typeface="Calibri" panose="020F0502020204030204" pitchFamily="34" charset="0"/>
+              <a:ea typeface="Calibri" panose="020F0502020204030204" pitchFamily="34" charset="0"/>
+              <a:cs typeface="Times New Roman" panose="02020603050405020304" pitchFamily="18" charset="0"/>
+            </a:endParaRPr>
+          </a:p>
+          <a:p>
+            <a:pPr marL="342900" indent="-342900">
+              <a:lnSpc>
+                <a:spcPct val="107000"/>
+              </a:lnSpc>
+              <a:spcAft>
+                <a:spcPts val="800"/>
+              </a:spcAft>
+              <a:buFont typeface="Symbol" panose="05050102010706020507" pitchFamily="18" charset="2"/>
+              <a:buChar char=""/>
+            </a:pPr>
+            <a:r>
+              <a:rPr lang="de-DE" sz="1800" dirty="0">
+                <a:effectLst/>
+                <a:latin typeface="Calibri" panose="020F0502020204030204" pitchFamily="34" charset="0"/>
+                <a:ea typeface="Calibri" panose="020F0502020204030204" pitchFamily="34" charset="0"/>
+                <a:cs typeface="Times New Roman" panose="02020603050405020304" pitchFamily="18" charset="0"/>
+              </a:rPr>
+              <a:t>Wird in Docker gestartet </a:t>
+            </a:r>
+            <a:r>
+              <a:rPr lang="de-DE" sz="1800" dirty="0">
+                <a:effectLst/>
+                <a:latin typeface="Calibri" panose="020F0502020204030204" pitchFamily="34" charset="0"/>
+                <a:ea typeface="Calibri" panose="020F0502020204030204" pitchFamily="34" charset="0"/>
+                <a:cs typeface="Times New Roman" panose="02020603050405020304" pitchFamily="18" charset="0"/>
+                <a:sym typeface="Wingdings" panose="05000000000000000000" pitchFamily="2" charset="2"/>
+              </a:rPr>
+              <a:t></a:t>
+            </a:r>
+            <a:r>
+              <a:rPr lang="de-DE" sz="1800" dirty="0">
+                <a:effectLst/>
+                <a:latin typeface="Calibri" panose="020F0502020204030204" pitchFamily="34" charset="0"/>
+                <a:ea typeface="Calibri" panose="020F0502020204030204" pitchFamily="34" charset="0"/>
+                <a:cs typeface="Times New Roman" panose="02020603050405020304" pitchFamily="18" charset="0"/>
+              </a:rPr>
+              <a:t> isolierte Umgebung</a:t>
+            </a:r>
+          </a:p>
+          <a:p>
+            <a:pPr marL="342900" indent="-342900">
+              <a:lnSpc>
+                <a:spcPct val="107000"/>
+              </a:lnSpc>
+              <a:spcAft>
+                <a:spcPts val="800"/>
+              </a:spcAft>
+              <a:buFont typeface="Symbol" panose="05050102010706020507" pitchFamily="18" charset="2"/>
+              <a:buChar char=""/>
+            </a:pPr>
+            <a:r>
+              <a:rPr lang="de-DE" sz="1800" dirty="0">
+                <a:effectLst/>
+                <a:latin typeface="Calibri" panose="020F0502020204030204" pitchFamily="34" charset="0"/>
+                <a:ea typeface="Calibri" panose="020F0502020204030204" pitchFamily="34" charset="0"/>
+                <a:cs typeface="Times New Roman" panose="02020603050405020304" pitchFamily="18" charset="0"/>
+              </a:rPr>
+              <a:t>gute Wahl für Projekte, die häufige Datenänderungen und flexible Datenstrukturen erfordern</a:t>
+            </a:r>
+          </a:p>
+          <a:p>
+            <a:pPr marL="0" indent="0">
+              <a:lnSpc>
+                <a:spcPct val="107000"/>
+              </a:lnSpc>
+              <a:spcAft>
+                <a:spcPts val="800"/>
+              </a:spcAft>
+              <a:buNone/>
+            </a:pPr>
+            <a:endParaRPr lang="de-DE" sz="1800" dirty="0">
+              <a:effectLst/>
+              <a:latin typeface="Calibri" panose="020F0502020204030204" pitchFamily="34" charset="0"/>
+              <a:ea typeface="Calibri" panose="020F0502020204030204" pitchFamily="34" charset="0"/>
+              <a:cs typeface="Times New Roman" panose="02020603050405020304" pitchFamily="18" charset="0"/>
+            </a:endParaRPr>
+          </a:p>
+          <a:p>
+            <a:pPr marL="342900" lvl="0" indent="-342900">
+              <a:lnSpc>
+                <a:spcPct val="107000"/>
+              </a:lnSpc>
+              <a:spcAft>
+                <a:spcPts val="800"/>
+              </a:spcAft>
+              <a:buFont typeface="Symbol" panose="05050102010706020507" pitchFamily="18" charset="2"/>
+              <a:buChar char=""/>
+            </a:pPr>
+            <a:endParaRPr lang="de-DE" sz="1800" dirty="0">
+              <a:effectLst/>
+              <a:latin typeface="Calibri" panose="020F0502020204030204" pitchFamily="34" charset="0"/>
+              <a:ea typeface="Calibri" panose="020F0502020204030204" pitchFamily="34" charset="0"/>
+              <a:cs typeface="Times New Roman" panose="02020603050405020304" pitchFamily="18" charset="0"/>
+            </a:endParaRPr>
           </a:p>
         </p:txBody>
       </p:sp>
@@ -5491,9 +9185,70 @@
           <a:lstStyle/>
           <a:p>
             <a:r>
-              <a:rPr lang="de-DE" dirty="0"/>
-              <a:t>Prisma</a:t>
-            </a:r>
+              <a:rPr lang="de-DE" sz="1800" dirty="0"/>
+              <a:t>Prisma verwendet intern Mongo-DB Transaktionen</a:t>
+            </a:r>
+          </a:p>
+          <a:p>
+            <a:r>
+              <a:rPr lang="de-DE" sz="1800" dirty="0"/>
+              <a:t>Replikation des Datensatzes muss aktiviert sein</a:t>
+            </a:r>
+          </a:p>
+          <a:p>
+            <a:pPr>
+              <a:buFont typeface="Wingdings" panose="05000000000000000000" pitchFamily="2" charset="2"/>
+              <a:buChar char="à"/>
+            </a:pPr>
+            <a:r>
+              <a:rPr lang="de-DE" sz="1800" dirty="0">
+                <a:sym typeface="Wingdings" panose="05000000000000000000" pitchFamily="2" charset="2"/>
+              </a:rPr>
+              <a:t>MongoDB Replica Set konfigurieren</a:t>
+            </a:r>
+          </a:p>
+          <a:p>
+            <a:r>
+              <a:rPr lang="de-DE" sz="1800" dirty="0">
+                <a:sym typeface="Wingdings" panose="05000000000000000000" pitchFamily="2" charset="2"/>
+              </a:rPr>
+              <a:t>Problem: MongoDB Docker Container kommt standardmäßig nicht als Replica Set</a:t>
+            </a:r>
+          </a:p>
+          <a:p>
+            <a:r>
+              <a:rPr lang="de-DE" sz="1800" dirty="0">
+                <a:sym typeface="Wingdings" panose="05000000000000000000" pitchFamily="2" charset="2"/>
+              </a:rPr>
+              <a:t>Lösung: Custom </a:t>
+            </a:r>
+            <a:r>
+              <a:rPr lang="de-DE" sz="1800" dirty="0" err="1">
+                <a:sym typeface="Wingdings" panose="05000000000000000000" pitchFamily="2" charset="2"/>
+              </a:rPr>
+              <a:t>Dockerfile</a:t>
+            </a:r>
+            <a:r>
+              <a:rPr lang="de-DE" sz="1800" dirty="0">
+                <a:sym typeface="Wingdings" panose="05000000000000000000" pitchFamily="2" charset="2"/>
+              </a:rPr>
+              <a:t> für </a:t>
+            </a:r>
+            <a:r>
+              <a:rPr lang="de-DE" sz="1800" dirty="0" err="1">
+                <a:sym typeface="Wingdings" panose="05000000000000000000" pitchFamily="2" charset="2"/>
+              </a:rPr>
+              <a:t>Standalone</a:t>
+            </a:r>
+            <a:r>
+              <a:rPr lang="de-DE" sz="1800" dirty="0">
+                <a:sym typeface="Wingdings" panose="05000000000000000000" pitchFamily="2" charset="2"/>
+              </a:rPr>
+              <a:t> MongoDB Container als Replica Set</a:t>
+            </a:r>
+          </a:p>
+          <a:p>
+            <a:endParaRPr lang="de-DE" dirty="0"/>
           </a:p>
         </p:txBody>
       </p:sp>
